--- a/Apresentação/EcosAR.pptx
+++ b/Apresentação/EcosAR.pptx
@@ -5,10 +5,10 @@
     <p:sldMasterId id="2147483648" r:id="rId1"/>
   </p:sldMasterIdLst>
   <p:notesMasterIdLst>
-    <p:notesMasterId r:id="rId18"/>
+    <p:notesMasterId r:id="rId28"/>
   </p:notesMasterIdLst>
   <p:handoutMasterIdLst>
-    <p:handoutMasterId r:id="rId19"/>
+    <p:handoutMasterId r:id="rId29"/>
   </p:handoutMasterIdLst>
   <p:sldIdLst>
     <p:sldId id="257" r:id="rId2"/>
@@ -16,17 +16,27 @@
     <p:sldId id="259" r:id="rId4"/>
     <p:sldId id="260" r:id="rId5"/>
     <p:sldId id="261" r:id="rId6"/>
-    <p:sldId id="262" r:id="rId7"/>
-    <p:sldId id="269" r:id="rId8"/>
-    <p:sldId id="270" r:id="rId9"/>
-    <p:sldId id="271" r:id="rId10"/>
-    <p:sldId id="263" r:id="rId11"/>
-    <p:sldId id="264" r:id="rId12"/>
-    <p:sldId id="265" r:id="rId13"/>
-    <p:sldId id="266" r:id="rId14"/>
-    <p:sldId id="267" r:id="rId15"/>
-    <p:sldId id="268" r:id="rId16"/>
-    <p:sldId id="272" r:id="rId17"/>
+    <p:sldId id="273" r:id="rId7"/>
+    <p:sldId id="274" r:id="rId8"/>
+    <p:sldId id="275" r:id="rId9"/>
+    <p:sldId id="262" r:id="rId10"/>
+    <p:sldId id="269" r:id="rId11"/>
+    <p:sldId id="270" r:id="rId12"/>
+    <p:sldId id="263" r:id="rId13"/>
+    <p:sldId id="276" r:id="rId14"/>
+    <p:sldId id="264" r:id="rId15"/>
+    <p:sldId id="277" r:id="rId16"/>
+    <p:sldId id="265" r:id="rId17"/>
+    <p:sldId id="278" r:id="rId18"/>
+    <p:sldId id="279" r:id="rId19"/>
+    <p:sldId id="266" r:id="rId20"/>
+    <p:sldId id="267" r:id="rId21"/>
+    <p:sldId id="282" r:id="rId22"/>
+    <p:sldId id="283" r:id="rId23"/>
+    <p:sldId id="268" r:id="rId24"/>
+    <p:sldId id="280" r:id="rId25"/>
+    <p:sldId id="272" r:id="rId26"/>
+    <p:sldId id="281" r:id="rId27"/>
   </p:sldIdLst>
   <p:sldSz cx="9144000" cy="6858000" type="screen4x3"/>
   <p:notesSz cx="6858000" cy="9144000"/>
@@ -809,6 +819,90 @@
     </a:lvl9pPr>
   </p:notesStyle>
 </p:notesMaster>
+</file>
+
+<file path=ppt/notesSlides/notesSlide1.xml><?xml version="1.0" encoding="utf-8"?>
+<p:notes xmlns:a="http://schemas.openxmlformats.org/drawingml/2006/main" xmlns:r="http://schemas.openxmlformats.org/officeDocument/2006/relationships" xmlns:p="http://schemas.openxmlformats.org/presentationml/2006/main">
+  <p:cSld>
+    <p:spTree>
+      <p:nvGrpSpPr>
+        <p:cNvPr id="1" name=""/>
+        <p:cNvGrpSpPr/>
+        <p:nvPr/>
+      </p:nvGrpSpPr>
+      <p:grpSpPr>
+        <a:xfrm>
+          <a:off x="0" y="0"/>
+          <a:ext cx="0" cy="0"/>
+          <a:chOff x="0" y="0"/>
+          <a:chExt cx="0" cy="0"/>
+        </a:xfrm>
+      </p:grpSpPr>
+      <p:sp>
+        <p:nvSpPr>
+          <p:cNvPr id="2" name="Slide Image Placeholder 1"/>
+          <p:cNvSpPr>
+            <a:spLocks noGrp="1" noRot="1" noChangeAspect="1"/>
+          </p:cNvSpPr>
+          <p:nvPr>
+            <p:ph type="sldImg"/>
+          </p:nvPr>
+        </p:nvSpPr>
+        <p:spPr/>
+      </p:sp>
+      <p:sp>
+        <p:nvSpPr>
+          <p:cNvPr id="3" name="Notes Placeholder 2"/>
+          <p:cNvSpPr>
+            <a:spLocks noGrp="1"/>
+          </p:cNvSpPr>
+          <p:nvPr>
+            <p:ph type="body" idx="1"/>
+          </p:nvPr>
+        </p:nvSpPr>
+        <p:spPr/>
+        <p:txBody>
+          <a:bodyPr/>
+          <a:lstStyle/>
+          <a:p>
+            <a:endParaRPr lang="pt-BR" dirty="0"/>
+          </a:p>
+        </p:txBody>
+      </p:sp>
+      <p:sp>
+        <p:nvSpPr>
+          <p:cNvPr id="4" name="Slide Number Placeholder 3"/>
+          <p:cNvSpPr>
+            <a:spLocks noGrp="1"/>
+          </p:cNvSpPr>
+          <p:nvPr>
+            <p:ph type="sldNum" sz="quarter" idx="10"/>
+          </p:nvPr>
+        </p:nvSpPr>
+        <p:spPr/>
+        <p:txBody>
+          <a:bodyPr/>
+          <a:lstStyle/>
+          <a:p>
+            <a:fld id="{691B8179-957A-0D41-B147-BE7F3D78F1C4}" type="slidenum">
+              <a:rPr lang="en-US" smtClean="0"/>
+              <a:t>4</a:t>
+            </a:fld>
+            <a:endParaRPr lang="en-US"/>
+          </a:p>
+        </p:txBody>
+      </p:sp>
+    </p:spTree>
+    <p:extLst>
+      <p:ext uri="{BB962C8B-B14F-4D97-AF65-F5344CB8AC3E}">
+        <p14:creationId xmlns:p14="http://schemas.microsoft.com/office/powerpoint/2010/main" val="1021450179"/>
+      </p:ext>
+    </p:extLst>
+  </p:cSld>
+  <p:clrMapOvr>
+    <a:masterClrMapping/>
+  </p:clrMapOvr>
+</p:notes>
 </file>
 
 <file path=ppt/slideLayouts/slideLayout1.xml><?xml version="1.0" encoding="utf-8"?>
@@ -3939,7 +4033,7 @@
         <p:spPr>
           <a:xfrm>
             <a:off x="395536" y="1340768"/>
-            <a:ext cx="8352928" cy="1470025"/>
+            <a:ext cx="8352928" cy="1944216"/>
           </a:xfrm>
         </p:spPr>
         <p:txBody>
@@ -3947,8 +4041,26 @@
           <a:lstStyle/>
           <a:p>
             <a:r>
+              <a:rPr lang="pt-BR" dirty="0" smtClean="0">
+                <a:effectLst/>
+              </a:rPr>
+              <a:t>EcosAR</a:t>
+            </a:r>
+            <a:r>
+              <a:rPr lang="pt-BR" dirty="0">
+                <a:effectLst/>
+              </a:rPr>
+              <a:t> – </a:t>
+            </a:r>
+            <a:r>
+              <a:rPr lang="pt-BR" dirty="0" smtClean="0">
+                <a:effectLst/>
+              </a:rPr>
+              <a:t>Simulador de Ecossistemas Utilizando Realidade Aumentada</a:t>
+            </a:r>
+            <a:r>
               <a:rPr lang="pt-BR" dirty="0" smtClean="0"/>
-              <a:t>EcosAR</a:t>
+              <a:t> </a:t>
             </a:r>
             <a:endParaRPr lang="pt-BR" dirty="0"/>
           </a:p>
@@ -3966,34 +4078,45 @@
         </p:nvSpPr>
         <p:spPr>
           <a:xfrm>
-            <a:off x="1371600" y="3284984"/>
-            <a:ext cx="6400800" cy="1584176"/>
+            <a:off x="1259632" y="3645024"/>
+            <a:ext cx="7088832" cy="1584176"/>
           </a:xfrm>
         </p:spPr>
         <p:txBody>
           <a:bodyPr>
-            <a:normAutofit fontScale="92500"/>
+            <a:noAutofit/>
           </a:bodyPr>
           <a:lstStyle/>
           <a:p>
             <a:r>
-              <a:rPr lang="pt-BR" dirty="0"/>
-              <a:t>Aluno(a): </a:t>
-            </a:r>
-            <a:r>
-              <a:rPr lang="pt-BR" dirty="0" err="1"/>
-              <a:t>xxxxx</a:t>
-            </a:r>
-            <a:endParaRPr lang="pt-BR" dirty="0"/>
-          </a:p>
-          <a:p>
-            <a:endParaRPr lang="pt-BR" sz="1200" dirty="0"/>
-          </a:p>
-          <a:p>
-            <a:r>
-              <a:rPr lang="pt-BR" dirty="0"/>
-              <a:t>Orientador: prof. Dalton S. dos Reis</a:t>
-            </a:r>
+              <a:rPr lang="pt-BR" sz="2000" dirty="0" smtClean="0"/>
+              <a:t>Aluno: Rodrigo Wernke Pereira</a:t>
+            </a:r>
+            <a:endParaRPr lang="pt-BR" sz="2000" dirty="0"/>
+          </a:p>
+          <a:p>
+            <a:endParaRPr lang="pt-BR" sz="2000" dirty="0"/>
+          </a:p>
+          <a:p>
+            <a:r>
+              <a:rPr lang="pt-BR" sz="2000" dirty="0" smtClean="0"/>
+              <a:t>          Orientadores: Dalton Solano </a:t>
+            </a:r>
+            <a:r>
+              <a:rPr lang="pt-BR" sz="2000" dirty="0"/>
+              <a:t>dos </a:t>
+            </a:r>
+            <a:r>
+              <a:rPr lang="pt-BR" sz="2000" dirty="0" smtClean="0"/>
+              <a:t>Reis</a:t>
+            </a:r>
+          </a:p>
+          <a:p>
+            <a:r>
+              <a:rPr lang="pt-BR" sz="2000" dirty="0" smtClean="0"/>
+              <a:t>		           Roberta Andressa Pereira</a:t>
+            </a:r>
+            <a:endParaRPr lang="pt-BR" sz="2000" dirty="0"/>
           </a:p>
         </p:txBody>
       </p:sp>
@@ -4002,6 +4125,13 @@
   <p:clrMapOvr>
     <a:masterClrMapping/>
   </p:clrMapOvr>
+  <p:timing>
+    <p:tnLst>
+      <p:par>
+        <p:cTn id="1" dur="indefinite" restart="never" nodeType="tmRoot"/>
+      </p:par>
+    </p:tnLst>
+  </p:timing>
 </p:sld>
 </file>
 
@@ -4032,59 +4162,89 @@
             <p:ph type="title"/>
           </p:nvPr>
         </p:nvSpPr>
-        <p:spPr/>
+        <p:spPr>
+          <a:xfrm>
+            <a:off x="395536" y="836712"/>
+            <a:ext cx="8229600" cy="1143000"/>
+          </a:xfrm>
+        </p:spPr>
         <p:txBody>
           <a:bodyPr/>
           <a:lstStyle/>
           <a:p>
             <a:r>
-              <a:rPr lang="pt-BR" dirty="0"/>
-              <a:t>Requisitos</a:t>
-            </a:r>
-          </a:p>
-        </p:txBody>
-      </p:sp>
-      <p:sp>
-        <p:nvSpPr>
-          <p:cNvPr id="3" name="Espaço Reservado para Conteúdo 2"/>
-          <p:cNvSpPr>
-            <a:spLocks noGrp="1"/>
-          </p:cNvSpPr>
-          <p:nvPr>
-            <p:ph idx="1"/>
-          </p:nvPr>
-        </p:nvSpPr>
-        <p:spPr/>
-        <p:txBody>
-          <a:bodyPr/>
-          <a:lstStyle/>
-          <a:p>
-            <a:r>
-              <a:rPr lang="pt-BR" dirty="0"/>
-              <a:t>(Apresentar os requisitos funcionais e não funcionais do trabalho)</a:t>
-            </a:r>
-          </a:p>
-          <a:p>
-            <a:r>
-              <a:rPr lang="pt-BR" dirty="0"/>
-              <a:t>(Tempo estimado – 2 minutos)</a:t>
-            </a:r>
-          </a:p>
-          <a:p>
-            <a:endParaRPr lang="pt-BR" dirty="0"/>
-          </a:p>
-        </p:txBody>
-      </p:sp>
+              <a:rPr lang="pt-BR" sz="2800" dirty="0"/>
+              <a:t>VISEDU – AQUÁRIO VIRTUAL: SIMULADOR DE ECOSSISTEMA UTILIZANDO ANIMAÇÃO COMPORTAMENTAL </a:t>
+            </a:r>
+            <a:endParaRPr lang="pt-BR" sz="2800" dirty="0"/>
+          </a:p>
+        </p:txBody>
+      </p:sp>
+      <p:pic>
+        <p:nvPicPr>
+          <p:cNvPr id="5" name="Picture 4"/>
+          <p:cNvPicPr>
+            <a:picLocks noChangeAspect="1"/>
+          </p:cNvPicPr>
+          <p:nvPr/>
+        </p:nvPicPr>
+        <p:blipFill>
+          <a:blip r:embed="rId2"/>
+          <a:stretch>
+            <a:fillRect/>
+          </a:stretch>
+        </p:blipFill>
+        <p:spPr>
+          <a:xfrm>
+            <a:off x="827584" y="2924944"/>
+            <a:ext cx="3301817" cy="1618109"/>
+          </a:xfrm>
+          <a:prstGeom prst="rect">
+            <a:avLst/>
+          </a:prstGeom>
+        </p:spPr>
+      </p:pic>
+      <p:pic>
+        <p:nvPicPr>
+          <p:cNvPr id="6" name="Picture 5"/>
+          <p:cNvPicPr>
+            <a:picLocks noChangeAspect="1"/>
+          </p:cNvPicPr>
+          <p:nvPr/>
+        </p:nvPicPr>
+        <p:blipFill>
+          <a:blip r:embed="rId3"/>
+          <a:stretch>
+            <a:fillRect/>
+          </a:stretch>
+        </p:blipFill>
+        <p:spPr>
+          <a:xfrm>
+            <a:off x="4355976" y="2924944"/>
+            <a:ext cx="3960490" cy="1796889"/>
+          </a:xfrm>
+          <a:prstGeom prst="rect">
+            <a:avLst/>
+          </a:prstGeom>
+        </p:spPr>
+      </p:pic>
     </p:spTree>
     <p:extLst>
       <p:ext uri="{BB962C8B-B14F-4D97-AF65-F5344CB8AC3E}">
-        <p14:creationId xmlns:p14="http://schemas.microsoft.com/office/powerpoint/2010/main" val="1997644590"/>
+        <p14:creationId xmlns:p14="http://schemas.microsoft.com/office/powerpoint/2010/main" val="3009681044"/>
       </p:ext>
     </p:extLst>
   </p:cSld>
   <p:clrMapOvr>
     <a:masterClrMapping/>
   </p:clrMapOvr>
+  <p:timing>
+    <p:tnLst>
+      <p:par>
+        <p:cTn id="1" dur="indefinite" restart="never" nodeType="tmRoot"/>
+      </p:par>
+    </p:tnLst>
+  </p:timing>
 </p:sld>
 </file>
 
@@ -4121,59 +4281,151 @@
           <a:lstStyle/>
           <a:p>
             <a:r>
-              <a:rPr lang="pt-BR" dirty="0"/>
-              <a:t>Especificação</a:t>
-            </a:r>
-          </a:p>
-        </p:txBody>
-      </p:sp>
-      <p:sp>
-        <p:nvSpPr>
-          <p:cNvPr id="3" name="Espaço Reservado para Conteúdo 2"/>
-          <p:cNvSpPr>
-            <a:spLocks noGrp="1"/>
-          </p:cNvSpPr>
-          <p:nvPr>
-            <p:ph idx="1"/>
-          </p:nvPr>
-        </p:nvSpPr>
-        <p:spPr/>
-        <p:txBody>
-          <a:bodyPr/>
+              <a:rPr lang="pt-BR" dirty="0" smtClean="0"/>
+              <a:t>Weather</a:t>
+            </a:r>
+            <a:endParaRPr lang="pt-BR" dirty="0"/>
+          </a:p>
+        </p:txBody>
+      </p:sp>
+      <p:pic>
+        <p:nvPicPr>
+          <p:cNvPr id="1026" name="Picture 2" descr="Image result for weather tinybop"/>
+          <p:cNvPicPr>
+            <a:picLocks noChangeAspect="1" noChangeArrowheads="1"/>
+          </p:cNvPicPr>
+          <p:nvPr/>
+        </p:nvPicPr>
+        <p:blipFill>
+          <a:blip r:embed="rId2" cstate="print">
+            <a:extLst>
+              <a:ext uri="{28A0092B-C50C-407E-A947-70E740481C1C}">
+                <a14:useLocalDpi xmlns:a14="http://schemas.microsoft.com/office/drawing/2010/main" val="0"/>
+              </a:ext>
+            </a:extLst>
+          </a:blip>
+          <a:srcRect/>
+          <a:stretch>
+            <a:fillRect/>
+          </a:stretch>
+        </p:blipFill>
+        <p:spPr bwMode="auto">
+          <a:xfrm>
+            <a:off x="1259632" y="2420888"/>
+            <a:ext cx="3158330" cy="2736304"/>
+          </a:xfrm>
+          <a:prstGeom prst="rect">
+            <a:avLst/>
+          </a:prstGeom>
+          <a:noFill/>
+          <a:extLst>
+            <a:ext uri="{909E8E84-426E-40DD-AFC4-6F175D3DCCD1}">
+              <a14:hiddenFill xmlns:a14="http://schemas.microsoft.com/office/drawing/2010/main">
+                <a:solidFill>
+                  <a:srgbClr val="FFFFFF"/>
+                </a:solidFill>
+              </a14:hiddenFill>
+            </a:ext>
+          </a:extLst>
+        </p:spPr>
+      </p:pic>
+      <p:sp>
+        <p:nvSpPr>
+          <p:cNvPr id="4" name="AutoShape 4" descr="Image result for weather tinybop"/>
+          <p:cNvSpPr>
+            <a:spLocks noChangeAspect="1" noChangeArrowheads="1"/>
+          </p:cNvSpPr>
+          <p:nvPr/>
+        </p:nvSpPr>
+        <p:spPr bwMode="auto">
+          <a:xfrm>
+            <a:off x="155575" y="-1919288"/>
+            <a:ext cx="7124700" cy="4010026"/>
+          </a:xfrm>
+          <a:prstGeom prst="rect">
+            <a:avLst/>
+          </a:prstGeom>
+          <a:noFill/>
+          <a:extLst>
+            <a:ext uri="{909E8E84-426E-40DD-AFC4-6F175D3DCCD1}">
+              <a14:hiddenFill xmlns:a14="http://schemas.microsoft.com/office/drawing/2010/main">
+                <a:solidFill>
+                  <a:srgbClr val="FFFFFF"/>
+                </a:solidFill>
+              </a14:hiddenFill>
+            </a:ext>
+          </a:extLst>
+        </p:spPr>
+        <p:txBody>
+          <a:bodyPr vert="horz" wrap="square" lIns="91440" tIns="45720" rIns="91440" bIns="45720" numCol="1" anchor="t" anchorCtr="0" compatLnSpc="1">
+            <a:prstTxWarp prst="textNoShape">
+              <a:avLst/>
+            </a:prstTxWarp>
+          </a:bodyPr>
           <a:lstStyle/>
           <a:p>
-            <a:r>
-              <a:rPr lang="pt-BR" dirty="0"/>
-              <a:t>(Apresentar os principais diagramas desenvolvidos na especificação e que permitem compreender os elementos essenciais do trabalho)</a:t>
-            </a:r>
-          </a:p>
-          <a:p>
-            <a:r>
-              <a:rPr lang="pt-BR" dirty="0"/>
-              <a:t>(Cuidado com a legibilidade das figuras – redesenhe-as caso necessário)</a:t>
-            </a:r>
-          </a:p>
-          <a:p>
-            <a:r>
-              <a:rPr lang="pt-BR" dirty="0"/>
-              <a:t>(Tempo estimado – 8 minutos)</a:t>
-            </a:r>
-          </a:p>
-          <a:p>
-            <a:endParaRPr lang="pt-BR" dirty="0"/>
-          </a:p>
-        </p:txBody>
-      </p:sp>
+            <a:endParaRPr lang="pt-BR"/>
+          </a:p>
+        </p:txBody>
+      </p:sp>
+      <p:pic>
+        <p:nvPicPr>
+          <p:cNvPr id="1030" name="Picture 6" descr="Image result for weather tinybop"/>
+          <p:cNvPicPr>
+            <a:picLocks noChangeAspect="1" noChangeArrowheads="1"/>
+          </p:cNvPicPr>
+          <p:nvPr/>
+        </p:nvPicPr>
+        <p:blipFill>
+          <a:blip r:embed="rId3" cstate="print">
+            <a:extLst>
+              <a:ext uri="{28A0092B-C50C-407E-A947-70E740481C1C}">
+                <a14:useLocalDpi xmlns:a14="http://schemas.microsoft.com/office/drawing/2010/main" val="0"/>
+              </a:ext>
+            </a:extLst>
+          </a:blip>
+          <a:srcRect/>
+          <a:stretch>
+            <a:fillRect/>
+          </a:stretch>
+        </p:blipFill>
+        <p:spPr bwMode="auto">
+          <a:xfrm>
+            <a:off x="4582345" y="2420888"/>
+            <a:ext cx="3302024" cy="2679241"/>
+          </a:xfrm>
+          <a:prstGeom prst="rect">
+            <a:avLst/>
+          </a:prstGeom>
+          <a:noFill/>
+          <a:extLst>
+            <a:ext uri="{909E8E84-426E-40DD-AFC4-6F175D3DCCD1}">
+              <a14:hiddenFill xmlns:a14="http://schemas.microsoft.com/office/drawing/2010/main">
+                <a:solidFill>
+                  <a:srgbClr val="FFFFFF"/>
+                </a:solidFill>
+              </a14:hiddenFill>
+            </a:ext>
+          </a:extLst>
+        </p:spPr>
+      </p:pic>
     </p:spTree>
     <p:extLst>
       <p:ext uri="{BB962C8B-B14F-4D97-AF65-F5344CB8AC3E}">
-        <p14:creationId xmlns:p14="http://schemas.microsoft.com/office/powerpoint/2010/main" val="2007070856"/>
+        <p14:creationId xmlns:p14="http://schemas.microsoft.com/office/powerpoint/2010/main" val="261013987"/>
       </p:ext>
     </p:extLst>
   </p:cSld>
   <p:clrMapOvr>
     <a:masterClrMapping/>
   </p:clrMapOvr>
+  <p:timing>
+    <p:tnLst>
+      <p:par>
+        <p:cTn id="1" dur="indefinite" restart="never" nodeType="tmRoot"/>
+      </p:par>
+    </p:tnLst>
+  </p:timing>
 </p:sld>
 </file>
 
@@ -4210,9 +4462,10 @@
           <a:lstStyle/>
           <a:p>
             <a:r>
-              <a:rPr lang="pt-BR" dirty="0"/>
-              <a:t>Implementação</a:t>
-            </a:r>
+              <a:rPr lang="pt-BR" dirty="0" smtClean="0"/>
+              <a:t>Requisitos Funcionais</a:t>
+            </a:r>
+            <a:endParaRPr lang="pt-BR" dirty="0"/>
           </a:p>
         </p:txBody>
       </p:sp>
@@ -4231,15 +4484,56 @@
           <a:bodyPr/>
           <a:lstStyle/>
           <a:p>
-            <a:r>
-              <a:rPr lang="pt-BR" dirty="0"/>
-              <a:t>(Focar nas principais técnicas e/ou algoritmos implementados)</a:t>
-            </a:r>
-          </a:p>
-          <a:p>
-            <a:r>
-              <a:rPr lang="pt-BR" dirty="0"/>
-              <a:t>(Tempo estimado – 4 minutos)</a:t>
+            <a:pPr marL="342900" lvl="1" indent="-342900">
+              <a:buFontTx/>
+              <a:buChar char="•"/>
+            </a:pPr>
+            <a:r>
+              <a:rPr lang="pt-BR" altLang="pt-BR" dirty="0"/>
+              <a:t>Permitir a visualização da cena com Realidade Aumentada.</a:t>
+            </a:r>
+          </a:p>
+          <a:p>
+            <a:pPr marL="342900" lvl="1" indent="-342900">
+              <a:buFontTx/>
+              <a:buChar char="•"/>
+            </a:pPr>
+            <a:r>
+              <a:rPr lang="pt-BR" altLang="pt-BR" dirty="0"/>
+              <a:t>Permitir a interação com o software através do uso de Interface de Usuário Tangível</a:t>
+            </a:r>
+            <a:r>
+              <a:rPr lang="pt-BR" altLang="pt-BR" dirty="0" smtClean="0"/>
+              <a:t>.</a:t>
+            </a:r>
+          </a:p>
+          <a:p>
+            <a:pPr marL="342900" lvl="1" indent="-342900">
+              <a:buFontTx/>
+              <a:buChar char="•"/>
+            </a:pPr>
+            <a:r>
+              <a:rPr lang="pt-BR" altLang="pt-BR" dirty="0" smtClean="0"/>
+              <a:t>Permitir a manipulação de elementos da simulação.</a:t>
+            </a:r>
+            <a:endParaRPr lang="pt-BR" altLang="pt-BR" dirty="0"/>
+          </a:p>
+          <a:p>
+            <a:pPr marL="342900" lvl="1" indent="-342900">
+              <a:buFontTx/>
+              <a:buChar char="•"/>
+            </a:pPr>
+            <a:r>
+              <a:rPr lang="pt-BR" altLang="pt-BR" dirty="0"/>
+              <a:t>Exibir </a:t>
+            </a:r>
+            <a:r>
+              <a:rPr lang="pt-BR" altLang="pt-BR" dirty="0" smtClean="0"/>
+              <a:t>as manipulações de temperatura e velocidade do vento com </a:t>
+            </a:r>
+            <a:r>
+              <a:rPr lang="pt-BR" altLang="pt-BR" dirty="0"/>
+              <a:t>Animação Comportamental.</a:t>
             </a:r>
           </a:p>
           <a:p>
@@ -4250,13 +4544,20 @@
     </p:spTree>
     <p:extLst>
       <p:ext uri="{BB962C8B-B14F-4D97-AF65-F5344CB8AC3E}">
-        <p14:creationId xmlns:p14="http://schemas.microsoft.com/office/powerpoint/2010/main" val="3063325790"/>
+        <p14:creationId xmlns:p14="http://schemas.microsoft.com/office/powerpoint/2010/main" val="1997644590"/>
       </p:ext>
     </p:extLst>
   </p:cSld>
   <p:clrMapOvr>
     <a:masterClrMapping/>
   </p:clrMapOvr>
+  <p:timing>
+    <p:tnLst>
+      <p:par>
+        <p:cTn id="1" dur="indefinite" restart="never" nodeType="tmRoot"/>
+      </p:par>
+    </p:tnLst>
+  </p:timing>
 </p:sld>
 </file>
 
@@ -4293,8 +4594,8 @@
           <a:lstStyle/>
           <a:p>
             <a:r>
-              <a:rPr lang="pt-BR"/>
-              <a:t>Operacionalidade da Implementação</a:t>
+              <a:rPr lang="pt-BR" dirty="0" smtClean="0"/>
+              <a:t>Requisitos Não-Funcionais</a:t>
             </a:r>
             <a:endParaRPr lang="pt-BR" dirty="0"/>
           </a:p>
@@ -4315,16 +4616,53 @@
           <a:bodyPr/>
           <a:lstStyle/>
           <a:p>
-            <a:r>
-              <a:rPr lang="pt-BR" dirty="0"/>
-              <a:t>(Apresentar algumas (poucas) telas do software – quando houver. Lembre-se que você irá apresentar o software em funcionamento)</a:t>
-            </a:r>
-          </a:p>
-          <a:p>
-            <a:r>
-              <a:rPr lang="pt-BR" dirty="0"/>
-              <a:t>(Tempo estimado – 2 minutos)</a:t>
-            </a:r>
+            <a:pPr marL="342900" lvl="1" indent="-342900">
+              <a:buFontTx/>
+              <a:buChar char="•"/>
+            </a:pPr>
+            <a:r>
+              <a:rPr lang="pt-BR" altLang="pt-BR" dirty="0"/>
+              <a:t>Ser implementado na linguagem C# no ambiente de desenvolvimento Visual Studio com o motor gráfico Unity.</a:t>
+            </a:r>
+          </a:p>
+          <a:p>
+            <a:pPr marL="342900" lvl="1" indent="-342900">
+              <a:buFontTx/>
+              <a:buChar char="•"/>
+            </a:pPr>
+            <a:r>
+              <a:rPr lang="pt-BR" altLang="pt-BR" dirty="0" smtClean="0"/>
+              <a:t>Utilizar </a:t>
+            </a:r>
+            <a:r>
+              <a:rPr lang="pt-BR" altLang="pt-BR" dirty="0"/>
+              <a:t>a plataforma Vuforia para implementação da Realidade Aumentada</a:t>
+            </a:r>
+            <a:r>
+              <a:rPr lang="pt-BR" altLang="pt-BR" dirty="0" smtClean="0"/>
+              <a:t>.</a:t>
+            </a:r>
+          </a:p>
+          <a:p>
+            <a:pPr marL="342900" lvl="1" indent="-342900">
+              <a:buFontTx/>
+              <a:buChar char="•"/>
+            </a:pPr>
+            <a:r>
+              <a:rPr lang="pt-BR" altLang="pt-BR" dirty="0" smtClean="0"/>
+              <a:t>Utilizar o Adobe Photoshop CC 2019 como editor de imagem para os marcadores.</a:t>
+            </a:r>
+          </a:p>
+          <a:p>
+            <a:pPr marL="342900" lvl="1" indent="-342900">
+              <a:buFontTx/>
+              <a:buChar char="•"/>
+            </a:pPr>
+            <a:r>
+              <a:rPr lang="pt-BR" altLang="pt-BR" dirty="0" smtClean="0"/>
+              <a:t>Utilizar a câmera do dispositivo para a captura dos marcadores.</a:t>
+            </a:r>
+            <a:endParaRPr lang="pt-BR" altLang="pt-BR" dirty="0"/>
           </a:p>
           <a:p>
             <a:endParaRPr lang="pt-BR" dirty="0"/>
@@ -4334,13 +4672,20 @@
     </p:spTree>
     <p:extLst>
       <p:ext uri="{BB962C8B-B14F-4D97-AF65-F5344CB8AC3E}">
-        <p14:creationId xmlns:p14="http://schemas.microsoft.com/office/powerpoint/2010/main" val="1817476911"/>
+        <p14:creationId xmlns:p14="http://schemas.microsoft.com/office/powerpoint/2010/main" val="2340074111"/>
       </p:ext>
     </p:extLst>
   </p:cSld>
   <p:clrMapOvr>
     <a:masterClrMapping/>
   </p:clrMapOvr>
+  <p:timing>
+    <p:tnLst>
+      <p:par>
+        <p:cTn id="1" dur="indefinite" restart="never" nodeType="tmRoot"/>
+      </p:par>
+    </p:tnLst>
+  </p:timing>
 </p:sld>
 </file>
 
@@ -4371,65 +4716,40 @@
             <p:ph type="title"/>
           </p:nvPr>
         </p:nvSpPr>
-        <p:spPr/>
+        <p:spPr>
+          <a:xfrm>
+            <a:off x="467544" y="2492896"/>
+            <a:ext cx="8229600" cy="1143000"/>
+          </a:xfrm>
+        </p:spPr>
         <p:txBody>
           <a:bodyPr/>
           <a:lstStyle/>
           <a:p>
             <a:r>
               <a:rPr lang="pt-BR" dirty="0"/>
-              <a:t>Resultados e Discussões</a:t>
-            </a:r>
-          </a:p>
-        </p:txBody>
-      </p:sp>
-      <p:sp>
-        <p:nvSpPr>
-          <p:cNvPr id="3" name="Espaço Reservado para Conteúdo 2"/>
-          <p:cNvSpPr>
-            <a:spLocks noGrp="1"/>
-          </p:cNvSpPr>
-          <p:nvPr>
-            <p:ph idx="1"/>
-          </p:nvPr>
-        </p:nvSpPr>
-        <p:spPr/>
-        <p:txBody>
-          <a:bodyPr/>
-          <a:lstStyle/>
-          <a:p>
-            <a:r>
-              <a:rPr lang="pt-BR" dirty="0"/>
-              <a:t>(Demonstrar os principais resultados e discussões do trabalho)</a:t>
-            </a:r>
-          </a:p>
-          <a:p>
-            <a:r>
-              <a:rPr lang="pt-BR" dirty="0"/>
-              <a:t>(Apresentar sua comparação com os correlatos)</a:t>
-            </a:r>
-          </a:p>
-          <a:p>
-            <a:r>
-              <a:rPr lang="pt-BR" dirty="0"/>
-              <a:t>(Tempo estimado – 2 minutos)</a:t>
-            </a:r>
-          </a:p>
-          <a:p>
-            <a:endParaRPr lang="pt-BR" dirty="0"/>
+              <a:t>Especificação</a:t>
+            </a:r>
           </a:p>
         </p:txBody>
       </p:sp>
     </p:spTree>
     <p:extLst>
       <p:ext uri="{BB962C8B-B14F-4D97-AF65-F5344CB8AC3E}">
-        <p14:creationId xmlns:p14="http://schemas.microsoft.com/office/powerpoint/2010/main" val="3487219581"/>
+        <p14:creationId xmlns:p14="http://schemas.microsoft.com/office/powerpoint/2010/main" val="2007070856"/>
       </p:ext>
     </p:extLst>
   </p:cSld>
   <p:clrMapOvr>
     <a:masterClrMapping/>
   </p:clrMapOvr>
+  <p:timing>
+    <p:tnLst>
+      <p:par>
+        <p:cTn id="1" dur="indefinite" restart="never" nodeType="tmRoot"/>
+      </p:par>
+    </p:tnLst>
+  </p:timing>
 </p:sld>
 </file>
 
@@ -4450,69 +4770,53 @@
           <a:chExt cx="0" cy="0"/>
         </a:xfrm>
       </p:grpSpPr>
-      <p:sp>
-        <p:nvSpPr>
-          <p:cNvPr id="2" name="Título 1"/>
-          <p:cNvSpPr>
-            <a:spLocks noGrp="1"/>
-          </p:cNvSpPr>
-          <p:nvPr>
-            <p:ph type="title"/>
-          </p:nvPr>
-        </p:nvSpPr>
-        <p:spPr/>
-        <p:txBody>
-          <a:bodyPr/>
-          <a:lstStyle/>
-          <a:p>
-            <a:r>
-              <a:rPr lang="pt-BR" dirty="0"/>
-              <a:t>Conclusões e Sugestões</a:t>
-            </a:r>
-          </a:p>
-        </p:txBody>
-      </p:sp>
-      <p:sp>
-        <p:nvSpPr>
-          <p:cNvPr id="3" name="Espaço Reservado para Conteúdo 2"/>
-          <p:cNvSpPr>
-            <a:spLocks noGrp="1"/>
-          </p:cNvSpPr>
-          <p:nvPr>
-            <p:ph idx="1"/>
-          </p:nvPr>
-        </p:nvSpPr>
-        <p:spPr/>
-        <p:txBody>
-          <a:bodyPr/>
-          <a:lstStyle/>
-          <a:p>
-            <a:r>
-              <a:rPr lang="pt-BR" dirty="0"/>
-              <a:t>(Apresentar as principais conclusões e sugestões do trabalho – reforce o atendimento dos objetivos e aponte o maior número possível de sugestões significativas para continuidade do trabalho)</a:t>
-            </a:r>
-          </a:p>
-          <a:p>
-            <a:r>
-              <a:rPr lang="pt-BR" dirty="0"/>
-              <a:t>(Tempo estimado – 3 minutos)</a:t>
-            </a:r>
-          </a:p>
-          <a:p>
-            <a:endParaRPr lang="pt-BR" dirty="0"/>
-          </a:p>
-        </p:txBody>
-      </p:sp>
+      <p:pic>
+        <p:nvPicPr>
+          <p:cNvPr id="4" name="Picture 3"/>
+          <p:cNvPicPr>
+            <a:picLocks noChangeAspect="1"/>
+          </p:cNvPicPr>
+          <p:nvPr/>
+        </p:nvPicPr>
+        <p:blipFill>
+          <a:blip r:embed="rId2" cstate="print">
+            <a:extLst>
+              <a:ext uri="{28A0092B-C50C-407E-A947-70E740481C1C}">
+                <a14:useLocalDpi xmlns:a14="http://schemas.microsoft.com/office/drawing/2010/main" val="0"/>
+              </a:ext>
+            </a:extLst>
+          </a:blip>
+          <a:stretch>
+            <a:fillRect/>
+          </a:stretch>
+        </p:blipFill>
+        <p:spPr>
+          <a:xfrm>
+            <a:off x="899592" y="188640"/>
+            <a:ext cx="7316443" cy="5545998"/>
+          </a:xfrm>
+          <a:prstGeom prst="rect">
+            <a:avLst/>
+          </a:prstGeom>
+        </p:spPr>
+      </p:pic>
     </p:spTree>
     <p:extLst>
       <p:ext uri="{BB962C8B-B14F-4D97-AF65-F5344CB8AC3E}">
-        <p14:creationId xmlns:p14="http://schemas.microsoft.com/office/powerpoint/2010/main" val="2793539094"/>
+        <p14:creationId xmlns:p14="http://schemas.microsoft.com/office/powerpoint/2010/main" val="2933333245"/>
       </p:ext>
     </p:extLst>
   </p:cSld>
   <p:clrMapOvr>
     <a:masterClrMapping/>
   </p:clrMapOvr>
+  <p:timing>
+    <p:tnLst>
+      <p:par>
+        <p:cTn id="1" dur="indefinite" restart="never" nodeType="tmRoot"/>
+      </p:par>
+    </p:tnLst>
+  </p:timing>
 </p:sld>
 </file>
 
@@ -4540,36 +4844,358 @@
             <a:spLocks noGrp="1"/>
           </p:cNvSpPr>
           <p:nvPr>
-            <p:ph type="ctrTitle"/>
-          </p:nvPr>
-        </p:nvSpPr>
-        <p:spPr>
-          <a:xfrm>
-            <a:off x="395536" y="2204864"/>
-            <a:ext cx="8352928" cy="1470025"/>
-          </a:xfrm>
-        </p:spPr>
+            <p:ph type="title"/>
+          </p:nvPr>
+        </p:nvSpPr>
+        <p:spPr/>
         <p:txBody>
           <a:bodyPr/>
           <a:lstStyle/>
           <a:p>
             <a:r>
               <a:rPr lang="pt-BR" dirty="0"/>
-              <a:t>Apresentação Prática</a:t>
-            </a:r>
+              <a:t>Implementação</a:t>
+            </a:r>
+          </a:p>
+        </p:txBody>
+      </p:sp>
+      <p:sp>
+        <p:nvSpPr>
+          <p:cNvPr id="3" name="Espaço Reservado para Conteúdo 2"/>
+          <p:cNvSpPr>
+            <a:spLocks noGrp="1"/>
+          </p:cNvSpPr>
+          <p:nvPr>
+            <p:ph idx="1"/>
+          </p:nvPr>
+        </p:nvSpPr>
+        <p:spPr/>
+        <p:txBody>
+          <a:bodyPr/>
+          <a:lstStyle/>
+          <a:p>
+            <a:r>
+              <a:rPr lang="pt-BR" dirty="0"/>
+              <a:t>(Focar nas principais técnicas e/ou algoritmos implementados)</a:t>
+            </a:r>
+          </a:p>
+          <a:p>
+            <a:r>
+              <a:rPr lang="pt-BR" dirty="0"/>
+              <a:t>(Tempo estimado – 4 minutos)</a:t>
+            </a:r>
+          </a:p>
+          <a:p>
+            <a:endParaRPr lang="pt-BR" dirty="0"/>
           </a:p>
         </p:txBody>
       </p:sp>
     </p:spTree>
     <p:extLst>
       <p:ext uri="{BB962C8B-B14F-4D97-AF65-F5344CB8AC3E}">
-        <p14:creationId xmlns:p14="http://schemas.microsoft.com/office/powerpoint/2010/main" val="3799530391"/>
+        <p14:creationId xmlns:p14="http://schemas.microsoft.com/office/powerpoint/2010/main" val="3063325790"/>
       </p:ext>
     </p:extLst>
   </p:cSld>
   <p:clrMapOvr>
     <a:masterClrMapping/>
   </p:clrMapOvr>
+  <p:timing>
+    <p:tnLst>
+      <p:par>
+        <p:cTn id="1" dur="indefinite" restart="never" nodeType="tmRoot"/>
+      </p:par>
+    </p:tnLst>
+  </p:timing>
+</p:sld>
+</file>
+
+<file path=ppt/slides/slide17.xml><?xml version="1.0" encoding="utf-8"?>
+<p:sld xmlns:a="http://schemas.openxmlformats.org/drawingml/2006/main" xmlns:r="http://schemas.openxmlformats.org/officeDocument/2006/relationships" xmlns:p="http://schemas.openxmlformats.org/presentationml/2006/main">
+  <p:cSld>
+    <p:spTree>
+      <p:nvGrpSpPr>
+        <p:cNvPr id="1" name=""/>
+        <p:cNvGrpSpPr/>
+        <p:nvPr/>
+      </p:nvGrpSpPr>
+      <p:grpSpPr>
+        <a:xfrm>
+          <a:off x="0" y="0"/>
+          <a:ext cx="0" cy="0"/>
+          <a:chOff x="0" y="0"/>
+          <a:chExt cx="0" cy="0"/>
+        </a:xfrm>
+      </p:grpSpPr>
+      <p:sp>
+        <p:nvSpPr>
+          <p:cNvPr id="2" name="Título 1"/>
+          <p:cNvSpPr>
+            <a:spLocks noGrp="1"/>
+          </p:cNvSpPr>
+          <p:nvPr>
+            <p:ph type="title"/>
+          </p:nvPr>
+        </p:nvSpPr>
+        <p:spPr/>
+        <p:txBody>
+          <a:bodyPr/>
+          <a:lstStyle/>
+          <a:p>
+            <a:r>
+              <a:rPr lang="pt-BR" dirty="0" smtClean="0"/>
+              <a:t>Marcadores</a:t>
+            </a:r>
+            <a:endParaRPr lang="pt-BR" dirty="0"/>
+          </a:p>
+        </p:txBody>
+      </p:sp>
+      <p:pic>
+        <p:nvPicPr>
+          <p:cNvPr id="6" name="Picture 5"/>
+          <p:cNvPicPr>
+            <a:picLocks noChangeAspect="1"/>
+          </p:cNvPicPr>
+          <p:nvPr/>
+        </p:nvPicPr>
+        <p:blipFill>
+          <a:blip r:embed="rId2"/>
+          <a:stretch>
+            <a:fillRect/>
+          </a:stretch>
+        </p:blipFill>
+        <p:spPr>
+          <a:xfrm>
+            <a:off x="2497290" y="1331640"/>
+            <a:ext cx="4170108" cy="4309112"/>
+          </a:xfrm>
+          <a:prstGeom prst="rect">
+            <a:avLst/>
+          </a:prstGeom>
+        </p:spPr>
+      </p:pic>
+    </p:spTree>
+    <p:extLst>
+      <p:ext uri="{BB962C8B-B14F-4D97-AF65-F5344CB8AC3E}">
+        <p14:creationId xmlns:p14="http://schemas.microsoft.com/office/powerpoint/2010/main" val="3968317375"/>
+      </p:ext>
+    </p:extLst>
+  </p:cSld>
+  <p:clrMapOvr>
+    <a:masterClrMapping/>
+  </p:clrMapOvr>
+  <p:timing>
+    <p:tnLst>
+      <p:par>
+        <p:cTn id="1" dur="indefinite" restart="never" nodeType="tmRoot"/>
+      </p:par>
+    </p:tnLst>
+  </p:timing>
+</p:sld>
+</file>
+
+<file path=ppt/slides/slide18.xml><?xml version="1.0" encoding="utf-8"?>
+<p:sld xmlns:a="http://schemas.openxmlformats.org/drawingml/2006/main" xmlns:r="http://schemas.openxmlformats.org/officeDocument/2006/relationships" xmlns:p="http://schemas.openxmlformats.org/presentationml/2006/main">
+  <p:cSld>
+    <p:spTree>
+      <p:nvGrpSpPr>
+        <p:cNvPr id="1" name=""/>
+        <p:cNvGrpSpPr/>
+        <p:nvPr/>
+      </p:nvGrpSpPr>
+      <p:grpSpPr>
+        <a:xfrm>
+          <a:off x="0" y="0"/>
+          <a:ext cx="0" cy="0"/>
+          <a:chOff x="0" y="0"/>
+          <a:chExt cx="0" cy="0"/>
+        </a:xfrm>
+      </p:grpSpPr>
+      <p:sp>
+        <p:nvSpPr>
+          <p:cNvPr id="2" name="Título 1"/>
+          <p:cNvSpPr>
+            <a:spLocks noGrp="1"/>
+          </p:cNvSpPr>
+          <p:nvPr>
+            <p:ph type="title"/>
+          </p:nvPr>
+        </p:nvSpPr>
+        <p:spPr/>
+        <p:txBody>
+          <a:bodyPr/>
+          <a:lstStyle/>
+          <a:p>
+            <a:r>
+              <a:rPr lang="pt-BR" dirty="0" smtClean="0"/>
+              <a:t>Marcadores</a:t>
+            </a:r>
+            <a:endParaRPr lang="pt-BR" dirty="0"/>
+          </a:p>
+        </p:txBody>
+      </p:sp>
+      <p:pic>
+        <p:nvPicPr>
+          <p:cNvPr id="7170" name="Imagem 1"/>
+          <p:cNvPicPr>
+            <a:picLocks noChangeAspect="1" noChangeArrowheads="1"/>
+          </p:cNvPicPr>
+          <p:nvPr/>
+        </p:nvPicPr>
+        <p:blipFill>
+          <a:blip r:embed="rId2">
+            <a:extLst>
+              <a:ext uri="{28A0092B-C50C-407E-A947-70E740481C1C}">
+                <a14:useLocalDpi xmlns:a14="http://schemas.microsoft.com/office/drawing/2010/main" val="0"/>
+              </a:ext>
+            </a:extLst>
+          </a:blip>
+          <a:srcRect/>
+          <a:stretch>
+            <a:fillRect/>
+          </a:stretch>
+        </p:blipFill>
+        <p:spPr bwMode="auto">
+          <a:xfrm>
+            <a:off x="634996" y="2060848"/>
+            <a:ext cx="7894695" cy="2592288"/>
+          </a:xfrm>
+          <a:prstGeom prst="rect">
+            <a:avLst/>
+          </a:prstGeom>
+          <a:noFill/>
+          <a:ln>
+            <a:noFill/>
+          </a:ln>
+          <a:extLst>
+            <a:ext uri="{909E8E84-426E-40DD-AFC4-6F175D3DCCD1}">
+              <a14:hiddenFill xmlns:a14="http://schemas.microsoft.com/office/drawing/2010/main">
+                <a:solidFill>
+                  <a:srgbClr val="FFFFFF"/>
+                </a:solidFill>
+              </a14:hiddenFill>
+            </a:ext>
+            <a:ext uri="{91240B29-F687-4F45-9708-019B960494DF}">
+              <a14:hiddenLine xmlns:a14="http://schemas.microsoft.com/office/drawing/2010/main" w="9525">
+                <a:solidFill>
+                  <a:srgbClr val="000000"/>
+                </a:solidFill>
+                <a:miter lim="800000"/>
+                <a:headEnd/>
+                <a:tailEnd/>
+              </a14:hiddenLine>
+            </a:ext>
+          </a:extLst>
+        </p:spPr>
+      </p:pic>
+    </p:spTree>
+    <p:extLst>
+      <p:ext uri="{BB962C8B-B14F-4D97-AF65-F5344CB8AC3E}">
+        <p14:creationId xmlns:p14="http://schemas.microsoft.com/office/powerpoint/2010/main" val="1956188248"/>
+      </p:ext>
+    </p:extLst>
+  </p:cSld>
+  <p:clrMapOvr>
+    <a:masterClrMapping/>
+  </p:clrMapOvr>
+  <p:timing>
+    <p:tnLst>
+      <p:par>
+        <p:cTn id="1" dur="indefinite" restart="never" nodeType="tmRoot"/>
+      </p:par>
+    </p:tnLst>
+  </p:timing>
+</p:sld>
+</file>
+
+<file path=ppt/slides/slide19.xml><?xml version="1.0" encoding="utf-8"?>
+<p:sld xmlns:a="http://schemas.openxmlformats.org/drawingml/2006/main" xmlns:r="http://schemas.openxmlformats.org/officeDocument/2006/relationships" xmlns:p="http://schemas.openxmlformats.org/presentationml/2006/main">
+  <p:cSld>
+    <p:spTree>
+      <p:nvGrpSpPr>
+        <p:cNvPr id="1" name=""/>
+        <p:cNvGrpSpPr/>
+        <p:nvPr/>
+      </p:nvGrpSpPr>
+      <p:grpSpPr>
+        <a:xfrm>
+          <a:off x="0" y="0"/>
+          <a:ext cx="0" cy="0"/>
+          <a:chOff x="0" y="0"/>
+          <a:chExt cx="0" cy="0"/>
+        </a:xfrm>
+      </p:grpSpPr>
+      <p:sp>
+        <p:nvSpPr>
+          <p:cNvPr id="2" name="Título 1"/>
+          <p:cNvSpPr>
+            <a:spLocks noGrp="1"/>
+          </p:cNvSpPr>
+          <p:nvPr>
+            <p:ph type="title"/>
+          </p:nvPr>
+        </p:nvSpPr>
+        <p:spPr/>
+        <p:txBody>
+          <a:bodyPr/>
+          <a:lstStyle/>
+          <a:p>
+            <a:r>
+              <a:rPr lang="pt-BR"/>
+              <a:t>Operacionalidade da Implementação</a:t>
+            </a:r>
+            <a:endParaRPr lang="pt-BR" dirty="0"/>
+          </a:p>
+        </p:txBody>
+      </p:sp>
+      <p:sp>
+        <p:nvSpPr>
+          <p:cNvPr id="3" name="Espaço Reservado para Conteúdo 2"/>
+          <p:cNvSpPr>
+            <a:spLocks noGrp="1"/>
+          </p:cNvSpPr>
+          <p:nvPr>
+            <p:ph idx="1"/>
+          </p:nvPr>
+        </p:nvSpPr>
+        <p:spPr/>
+        <p:txBody>
+          <a:bodyPr/>
+          <a:lstStyle/>
+          <a:p>
+            <a:r>
+              <a:rPr lang="pt-BR" dirty="0"/>
+              <a:t>(Apresentar algumas (poucas) telas do software – quando houver. Lembre-se que você irá apresentar o software em funcionamento)</a:t>
+            </a:r>
+          </a:p>
+          <a:p>
+            <a:r>
+              <a:rPr lang="pt-BR" dirty="0"/>
+              <a:t>(Tempo estimado – 2 minutos)</a:t>
+            </a:r>
+          </a:p>
+          <a:p>
+            <a:endParaRPr lang="pt-BR" dirty="0"/>
+          </a:p>
+        </p:txBody>
+      </p:sp>
+    </p:spTree>
+    <p:extLst>
+      <p:ext uri="{BB962C8B-B14F-4D97-AF65-F5344CB8AC3E}">
+        <p14:creationId xmlns:p14="http://schemas.microsoft.com/office/powerpoint/2010/main" val="1817476911"/>
+      </p:ext>
+    </p:extLst>
+  </p:cSld>
+  <p:clrMapOvr>
+    <a:masterClrMapping/>
+  </p:clrMapOvr>
+  <p:timing>
+    <p:tnLst>
+      <p:par>
+        <p:cTn id="1" dur="indefinite" restart="never" nodeType="tmRoot"/>
+      </p:par>
+    </p:tnLst>
+  </p:timing>
 </p:sld>
 </file>
 
@@ -4699,6 +5325,2718 @@
   <p:clrMapOvr>
     <a:masterClrMapping/>
   </p:clrMapOvr>
+  <p:timing>
+    <p:tnLst>
+      <p:par>
+        <p:cTn id="1" dur="indefinite" restart="never" nodeType="tmRoot"/>
+      </p:par>
+    </p:tnLst>
+  </p:timing>
+</p:sld>
+</file>
+
+<file path=ppt/slides/slide20.xml><?xml version="1.0" encoding="utf-8"?>
+<p:sld xmlns:a="http://schemas.openxmlformats.org/drawingml/2006/main" xmlns:r="http://schemas.openxmlformats.org/officeDocument/2006/relationships" xmlns:p="http://schemas.openxmlformats.org/presentationml/2006/main">
+  <p:cSld>
+    <p:spTree>
+      <p:nvGrpSpPr>
+        <p:cNvPr id="1" name=""/>
+        <p:cNvGrpSpPr/>
+        <p:nvPr/>
+      </p:nvGrpSpPr>
+      <p:grpSpPr>
+        <a:xfrm>
+          <a:off x="0" y="0"/>
+          <a:ext cx="0" cy="0"/>
+          <a:chOff x="0" y="0"/>
+          <a:chExt cx="0" cy="0"/>
+        </a:xfrm>
+      </p:grpSpPr>
+      <p:sp>
+        <p:nvSpPr>
+          <p:cNvPr id="2" name="Título 1"/>
+          <p:cNvSpPr>
+            <a:spLocks noGrp="1"/>
+          </p:cNvSpPr>
+          <p:nvPr>
+            <p:ph type="title"/>
+          </p:nvPr>
+        </p:nvSpPr>
+        <p:spPr/>
+        <p:txBody>
+          <a:bodyPr/>
+          <a:lstStyle/>
+          <a:p>
+            <a:r>
+              <a:rPr lang="pt-BR" dirty="0" smtClean="0"/>
+              <a:t>Resultados</a:t>
+            </a:r>
+            <a:endParaRPr lang="pt-BR" dirty="0"/>
+          </a:p>
+        </p:txBody>
+      </p:sp>
+      <p:sp>
+        <p:nvSpPr>
+          <p:cNvPr id="3" name="Espaço Reservado para Conteúdo 2"/>
+          <p:cNvSpPr>
+            <a:spLocks noGrp="1"/>
+          </p:cNvSpPr>
+          <p:nvPr>
+            <p:ph idx="1"/>
+          </p:nvPr>
+        </p:nvSpPr>
+        <p:spPr>
+          <a:xfrm>
+            <a:off x="238944" y="1196752"/>
+            <a:ext cx="8686800" cy="4680520"/>
+          </a:xfrm>
+        </p:spPr>
+        <p:txBody>
+          <a:bodyPr>
+            <a:normAutofit lnSpcReduction="10000"/>
+          </a:bodyPr>
+          <a:lstStyle/>
+          <a:p>
+            <a:r>
+              <a:rPr lang="pt-BR" dirty="0" smtClean="0"/>
+              <a:t>Testes realizados com uma turma de bolsistas do curso de Ciências Biológicas.</a:t>
+            </a:r>
+          </a:p>
+          <a:p>
+            <a:r>
+              <a:rPr lang="pt-BR" dirty="0" smtClean="0"/>
+              <a:t>Avaliação do aplicativo com um questionário.</a:t>
+            </a:r>
+          </a:p>
+          <a:p>
+            <a:endParaRPr lang="pt-BR" dirty="0"/>
+          </a:p>
+          <a:p>
+            <a:r>
+              <a:rPr lang="pt-BR" dirty="0" smtClean="0"/>
+              <a:t>Etapas do questionário:</a:t>
+            </a:r>
+          </a:p>
+          <a:p>
+            <a:pPr lvl="1"/>
+            <a:r>
+              <a:rPr lang="pt-BR" dirty="0" smtClean="0"/>
+              <a:t>Perfil dos entrevistados.</a:t>
+            </a:r>
+          </a:p>
+          <a:p>
+            <a:pPr lvl="1"/>
+            <a:r>
+              <a:rPr lang="pt-BR" dirty="0" smtClean="0"/>
+              <a:t>Passo a passo com todas as funcionalidades.</a:t>
+            </a:r>
+          </a:p>
+          <a:p>
+            <a:pPr lvl="1"/>
+            <a:r>
+              <a:rPr lang="pt-BR" dirty="0" smtClean="0"/>
+              <a:t>Modo livre.</a:t>
+            </a:r>
+          </a:p>
+          <a:p>
+            <a:pPr lvl="1"/>
+            <a:r>
+              <a:rPr lang="pt-BR" dirty="0" smtClean="0"/>
+              <a:t>Avaliação geral.</a:t>
+            </a:r>
+            <a:endParaRPr lang="pt-BR" dirty="0"/>
+          </a:p>
+          <a:p>
+            <a:endParaRPr lang="pt-BR" dirty="0"/>
+          </a:p>
+        </p:txBody>
+      </p:sp>
+    </p:spTree>
+    <p:extLst>
+      <p:ext uri="{BB962C8B-B14F-4D97-AF65-F5344CB8AC3E}">
+        <p14:creationId xmlns:p14="http://schemas.microsoft.com/office/powerpoint/2010/main" val="3487219581"/>
+      </p:ext>
+    </p:extLst>
+  </p:cSld>
+  <p:clrMapOvr>
+    <a:masterClrMapping/>
+  </p:clrMapOvr>
+  <p:timing>
+    <p:tnLst>
+      <p:par>
+        <p:cTn id="1" dur="indefinite" restart="never" nodeType="tmRoot"/>
+      </p:par>
+    </p:tnLst>
+  </p:timing>
+</p:sld>
+</file>
+
+<file path=ppt/slides/slide21.xml><?xml version="1.0" encoding="utf-8"?>
+<p:sld xmlns:a="http://schemas.openxmlformats.org/drawingml/2006/main" xmlns:r="http://schemas.openxmlformats.org/officeDocument/2006/relationships" xmlns:p="http://schemas.openxmlformats.org/presentationml/2006/main">
+  <p:cSld>
+    <p:spTree>
+      <p:nvGrpSpPr>
+        <p:cNvPr id="1" name=""/>
+        <p:cNvGrpSpPr/>
+        <p:nvPr/>
+      </p:nvGrpSpPr>
+      <p:grpSpPr>
+        <a:xfrm>
+          <a:off x="0" y="0"/>
+          <a:ext cx="0" cy="0"/>
+          <a:chOff x="0" y="0"/>
+          <a:chExt cx="0" cy="0"/>
+        </a:xfrm>
+      </p:grpSpPr>
+      <p:sp>
+        <p:nvSpPr>
+          <p:cNvPr id="2" name="Title 1"/>
+          <p:cNvSpPr>
+            <a:spLocks noGrp="1"/>
+          </p:cNvSpPr>
+          <p:nvPr>
+            <p:ph type="title"/>
+          </p:nvPr>
+        </p:nvSpPr>
+        <p:spPr/>
+        <p:txBody>
+          <a:bodyPr/>
+          <a:lstStyle/>
+          <a:p>
+            <a:r>
+              <a:rPr lang="pt-BR" dirty="0" smtClean="0"/>
+              <a:t>Perfil dos Entrevistados</a:t>
+            </a:r>
+            <a:endParaRPr lang="pt-BR" dirty="0"/>
+          </a:p>
+        </p:txBody>
+      </p:sp>
+      <p:graphicFrame>
+        <p:nvGraphicFramePr>
+          <p:cNvPr id="11" name="Table 10"/>
+          <p:cNvGraphicFramePr>
+            <a:graphicFrameLocks noGrp="1"/>
+          </p:cNvGraphicFramePr>
+          <p:nvPr>
+            <p:extLst>
+              <p:ext uri="{D42A27DB-BD31-4B8C-83A1-F6EECF244321}">
+                <p14:modId xmlns:p14="http://schemas.microsoft.com/office/powerpoint/2010/main" val="942010687"/>
+              </p:ext>
+            </p:extLst>
+          </p:nvPr>
+        </p:nvGraphicFramePr>
+        <p:xfrm>
+          <a:off x="1706166" y="1331640"/>
+          <a:ext cx="5752356" cy="4389120"/>
+        </p:xfrm>
+        <a:graphic>
+          <a:graphicData uri="http://schemas.openxmlformats.org/drawingml/2006/table">
+            <a:tbl>
+              <a:tblPr firstRow="1" firstCol="1" bandRow="1"/>
+              <a:tblGrid>
+                <a:gridCol w="1941654">
+                  <a:extLst>
+                    <a:ext uri="{9D8B030D-6E8A-4147-A177-3AD203B41FA5}">
+                      <a16:colId xmlns:a16="http://schemas.microsoft.com/office/drawing/2014/main" val="2993942251"/>
+                    </a:ext>
+                  </a:extLst>
+                </a:gridCol>
+                <a:gridCol w="1833119">
+                  <a:extLst>
+                    <a:ext uri="{9D8B030D-6E8A-4147-A177-3AD203B41FA5}">
+                      <a16:colId xmlns:a16="http://schemas.microsoft.com/office/drawing/2014/main" val="3778588748"/>
+                    </a:ext>
+                  </a:extLst>
+                </a:gridCol>
+                <a:gridCol w="1977583">
+                  <a:extLst>
+                    <a:ext uri="{9D8B030D-6E8A-4147-A177-3AD203B41FA5}">
+                      <a16:colId xmlns:a16="http://schemas.microsoft.com/office/drawing/2014/main" val="92641049"/>
+                    </a:ext>
+                  </a:extLst>
+                </a:gridCol>
+              </a:tblGrid>
+              <a:tr h="378271">
+                <a:tc>
+                  <a:txBody>
+                    <a:bodyPr/>
+                    <a:lstStyle/>
+                    <a:p>
+                      <a:pPr algn="ctr">
+                        <a:spcAft>
+                          <a:spcPts val="0"/>
+                        </a:spcAft>
+                      </a:pPr>
+                      <a:r>
+                        <a:rPr lang="pt-BR" sz="1600">
+                          <a:effectLst/>
+                          <a:latin typeface="Times New Roman" panose="02020603050405020304" pitchFamily="18" charset="0"/>
+                          <a:ea typeface="Times New Roman" panose="02020603050405020304" pitchFamily="18" charset="0"/>
+                        </a:rPr>
+                        <a:t>Sexo</a:t>
+                      </a:r>
+                    </a:p>
+                  </a:txBody>
+                  <a:tcPr marL="68580" marR="68580" marT="0" marB="0">
+                    <a:lnL>
+                      <a:noFill/>
+                    </a:lnL>
+                    <a:lnR w="12700" cap="flat" cmpd="sng" algn="ctr">
+                      <a:solidFill>
+                        <a:srgbClr val="000000"/>
+                      </a:solidFill>
+                      <a:prstDash val="solid"/>
+                      <a:round/>
+                      <a:headEnd type="none" w="med" len="med"/>
+                      <a:tailEnd type="none" w="med" len="med"/>
+                    </a:lnR>
+                    <a:lnT w="12700" cap="flat" cmpd="sng" algn="ctr">
+                      <a:solidFill>
+                        <a:srgbClr val="000000"/>
+                      </a:solidFill>
+                      <a:prstDash val="solid"/>
+                      <a:round/>
+                      <a:headEnd type="none" w="med" len="med"/>
+                      <a:tailEnd type="none" w="med" len="med"/>
+                    </a:lnT>
+                    <a:lnB w="12700" cap="flat" cmpd="sng" algn="ctr">
+                      <a:solidFill>
+                        <a:srgbClr val="000000"/>
+                      </a:solidFill>
+                      <a:prstDash val="solid"/>
+                      <a:round/>
+                      <a:headEnd type="none" w="med" len="med"/>
+                      <a:tailEnd type="none" w="med" len="med"/>
+                    </a:lnB>
+                  </a:tcPr>
+                </a:tc>
+                <a:tc>
+                  <a:txBody>
+                    <a:bodyPr/>
+                    <a:lstStyle/>
+                    <a:p>
+                      <a:pPr algn="ctr">
+                        <a:spcAft>
+                          <a:spcPts val="0"/>
+                        </a:spcAft>
+                      </a:pPr>
+                      <a:r>
+                        <a:rPr lang="pt-BR" sz="1600">
+                          <a:solidFill>
+                            <a:srgbClr val="000000"/>
+                          </a:solidFill>
+                          <a:effectLst/>
+                          <a:latin typeface="Arial" panose="020B0604020202020204" pitchFamily="34" charset="0"/>
+                          <a:ea typeface="Times New Roman" panose="02020603050405020304" pitchFamily="18" charset="0"/>
+                        </a:rPr>
+                        <a:t>Feminino</a:t>
+                      </a:r>
+                      <a:endParaRPr lang="pt-BR" sz="1600">
+                        <a:effectLst/>
+                        <a:latin typeface="Times New Roman" panose="02020603050405020304" pitchFamily="18" charset="0"/>
+                        <a:ea typeface="Times New Roman" panose="02020603050405020304" pitchFamily="18" charset="0"/>
+                      </a:endParaRPr>
+                    </a:p>
+                    <a:p>
+                      <a:pPr algn="ctr">
+                        <a:spcAft>
+                          <a:spcPts val="0"/>
+                        </a:spcAft>
+                      </a:pPr>
+                      <a:r>
+                        <a:rPr lang="pt-BR" sz="1600">
+                          <a:solidFill>
+                            <a:srgbClr val="000000"/>
+                          </a:solidFill>
+                          <a:effectLst/>
+                          <a:latin typeface="Arial" panose="020B0604020202020204" pitchFamily="34" charset="0"/>
+                          <a:ea typeface="Times New Roman" panose="02020603050405020304" pitchFamily="18" charset="0"/>
+                        </a:rPr>
+                        <a:t>Masculino</a:t>
+                      </a:r>
+                      <a:endParaRPr lang="pt-BR" sz="1600">
+                        <a:effectLst/>
+                        <a:latin typeface="Times New Roman" panose="02020603050405020304" pitchFamily="18" charset="0"/>
+                        <a:ea typeface="Times New Roman" panose="02020603050405020304" pitchFamily="18" charset="0"/>
+                      </a:endParaRPr>
+                    </a:p>
+                  </a:txBody>
+                  <a:tcPr marL="68580" marR="68580" marT="0" marB="0">
+                    <a:lnL w="12700" cap="flat" cmpd="sng" algn="ctr">
+                      <a:solidFill>
+                        <a:srgbClr val="000000"/>
+                      </a:solidFill>
+                      <a:prstDash val="solid"/>
+                      <a:round/>
+                      <a:headEnd type="none" w="med" len="med"/>
+                      <a:tailEnd type="none" w="med" len="med"/>
+                    </a:lnL>
+                    <a:lnR w="12700" cap="flat" cmpd="sng" algn="ctr">
+                      <a:solidFill>
+                        <a:srgbClr val="000000"/>
+                      </a:solidFill>
+                      <a:prstDash val="solid"/>
+                      <a:round/>
+                      <a:headEnd type="none" w="med" len="med"/>
+                      <a:tailEnd type="none" w="med" len="med"/>
+                    </a:lnR>
+                    <a:lnT w="12700" cap="flat" cmpd="sng" algn="ctr">
+                      <a:solidFill>
+                        <a:srgbClr val="000000"/>
+                      </a:solidFill>
+                      <a:prstDash val="solid"/>
+                      <a:round/>
+                      <a:headEnd type="none" w="med" len="med"/>
+                      <a:tailEnd type="none" w="med" len="med"/>
+                    </a:lnT>
+                    <a:lnB w="12700" cap="flat" cmpd="sng" algn="ctr">
+                      <a:solidFill>
+                        <a:srgbClr val="000000"/>
+                      </a:solidFill>
+                      <a:prstDash val="solid"/>
+                      <a:round/>
+                      <a:headEnd type="none" w="med" len="med"/>
+                      <a:tailEnd type="none" w="med" len="med"/>
+                    </a:lnB>
+                  </a:tcPr>
+                </a:tc>
+                <a:tc>
+                  <a:txBody>
+                    <a:bodyPr/>
+                    <a:lstStyle/>
+                    <a:p>
+                      <a:pPr algn="ctr">
+                        <a:spcAft>
+                          <a:spcPts val="0"/>
+                        </a:spcAft>
+                      </a:pPr>
+                      <a:r>
+                        <a:rPr lang="pt-BR" sz="1600">
+                          <a:solidFill>
+                            <a:srgbClr val="000000"/>
+                          </a:solidFill>
+                          <a:effectLst/>
+                          <a:latin typeface="Arial" panose="020B0604020202020204" pitchFamily="34" charset="0"/>
+                          <a:ea typeface="Times New Roman" panose="02020603050405020304" pitchFamily="18" charset="0"/>
+                        </a:rPr>
+                        <a:t>77,8%</a:t>
+                      </a:r>
+                      <a:endParaRPr lang="pt-BR" sz="1600">
+                        <a:effectLst/>
+                        <a:latin typeface="Times New Roman" panose="02020603050405020304" pitchFamily="18" charset="0"/>
+                        <a:ea typeface="Times New Roman" panose="02020603050405020304" pitchFamily="18" charset="0"/>
+                      </a:endParaRPr>
+                    </a:p>
+                    <a:p>
+                      <a:pPr algn="ctr">
+                        <a:spcAft>
+                          <a:spcPts val="0"/>
+                        </a:spcAft>
+                      </a:pPr>
+                      <a:r>
+                        <a:rPr lang="pt-BR" sz="1600">
+                          <a:solidFill>
+                            <a:srgbClr val="000000"/>
+                          </a:solidFill>
+                          <a:effectLst/>
+                          <a:latin typeface="Arial" panose="020B0604020202020204" pitchFamily="34" charset="0"/>
+                          <a:ea typeface="Times New Roman" panose="02020603050405020304" pitchFamily="18" charset="0"/>
+                        </a:rPr>
+                        <a:t>22,2%</a:t>
+                      </a:r>
+                      <a:endParaRPr lang="pt-BR" sz="1600">
+                        <a:effectLst/>
+                        <a:latin typeface="Times New Roman" panose="02020603050405020304" pitchFamily="18" charset="0"/>
+                        <a:ea typeface="Times New Roman" panose="02020603050405020304" pitchFamily="18" charset="0"/>
+                      </a:endParaRPr>
+                    </a:p>
+                  </a:txBody>
+                  <a:tcPr marL="68580" marR="68580" marT="0" marB="0">
+                    <a:lnL w="12700" cap="flat" cmpd="sng" algn="ctr">
+                      <a:solidFill>
+                        <a:srgbClr val="000000"/>
+                      </a:solidFill>
+                      <a:prstDash val="solid"/>
+                      <a:round/>
+                      <a:headEnd type="none" w="med" len="med"/>
+                      <a:tailEnd type="none" w="med" len="med"/>
+                    </a:lnL>
+                    <a:lnR>
+                      <a:noFill/>
+                    </a:lnR>
+                    <a:lnT w="12700" cap="flat" cmpd="sng" algn="ctr">
+                      <a:solidFill>
+                        <a:srgbClr val="000000"/>
+                      </a:solidFill>
+                      <a:prstDash val="solid"/>
+                      <a:round/>
+                      <a:headEnd type="none" w="med" len="med"/>
+                      <a:tailEnd type="none" w="med" len="med"/>
+                    </a:lnT>
+                    <a:lnB w="12700" cap="flat" cmpd="sng" algn="ctr">
+                      <a:solidFill>
+                        <a:srgbClr val="000000"/>
+                      </a:solidFill>
+                      <a:prstDash val="solid"/>
+                      <a:round/>
+                      <a:headEnd type="none" w="med" len="med"/>
+                      <a:tailEnd type="none" w="med" len="med"/>
+                    </a:lnB>
+                  </a:tcPr>
+                </a:tc>
+                <a:extLst>
+                  <a:ext uri="{0D108BD9-81ED-4DB2-BD59-A6C34878D82A}">
+                    <a16:rowId xmlns:a16="http://schemas.microsoft.com/office/drawing/2014/main" val="439705032"/>
+                  </a:ext>
+                </a:extLst>
+              </a:tr>
+              <a:tr h="1260904">
+                <a:tc>
+                  <a:txBody>
+                    <a:bodyPr/>
+                    <a:lstStyle/>
+                    <a:p>
+                      <a:pPr algn="ctr">
+                        <a:spcAft>
+                          <a:spcPts val="0"/>
+                        </a:spcAft>
+                      </a:pPr>
+                      <a:r>
+                        <a:rPr lang="pt-BR" sz="1600" dirty="0">
+                          <a:effectLst/>
+                          <a:latin typeface="Times New Roman" panose="02020603050405020304" pitchFamily="18" charset="0"/>
+                          <a:ea typeface="Times New Roman" panose="02020603050405020304" pitchFamily="18" charset="0"/>
+                        </a:rPr>
+                        <a:t>Idade</a:t>
+                      </a:r>
+                    </a:p>
+                  </a:txBody>
+                  <a:tcPr marL="68580" marR="68580" marT="0" marB="0">
+                    <a:lnL>
+                      <a:noFill/>
+                    </a:lnL>
+                    <a:lnR w="12700" cap="flat" cmpd="sng" algn="ctr">
+                      <a:solidFill>
+                        <a:srgbClr val="000000"/>
+                      </a:solidFill>
+                      <a:prstDash val="solid"/>
+                      <a:round/>
+                      <a:headEnd type="none" w="med" len="med"/>
+                      <a:tailEnd type="none" w="med" len="med"/>
+                    </a:lnR>
+                    <a:lnT w="12700" cap="flat" cmpd="sng" algn="ctr">
+                      <a:solidFill>
+                        <a:srgbClr val="000000"/>
+                      </a:solidFill>
+                      <a:prstDash val="solid"/>
+                      <a:round/>
+                      <a:headEnd type="none" w="med" len="med"/>
+                      <a:tailEnd type="none" w="med" len="med"/>
+                    </a:lnT>
+                    <a:lnB w="12700" cap="flat" cmpd="sng" algn="ctr">
+                      <a:solidFill>
+                        <a:srgbClr val="000000"/>
+                      </a:solidFill>
+                      <a:prstDash val="solid"/>
+                      <a:round/>
+                      <a:headEnd type="none" w="med" len="med"/>
+                      <a:tailEnd type="none" w="med" len="med"/>
+                    </a:lnB>
+                  </a:tcPr>
+                </a:tc>
+                <a:tc>
+                  <a:txBody>
+                    <a:bodyPr/>
+                    <a:lstStyle/>
+                    <a:p>
+                      <a:pPr algn="ctr">
+                        <a:spcAft>
+                          <a:spcPts val="0"/>
+                        </a:spcAft>
+                      </a:pPr>
+                      <a:r>
+                        <a:rPr lang="pt-BR" sz="1600">
+                          <a:effectLst/>
+                          <a:latin typeface="Times New Roman" panose="02020603050405020304" pitchFamily="18" charset="0"/>
+                          <a:ea typeface="Times New Roman" panose="02020603050405020304" pitchFamily="18" charset="0"/>
+                        </a:rPr>
+                        <a:t>18</a:t>
+                      </a:r>
+                    </a:p>
+                    <a:p>
+                      <a:pPr algn="ctr">
+                        <a:spcAft>
+                          <a:spcPts val="0"/>
+                        </a:spcAft>
+                      </a:pPr>
+                      <a:r>
+                        <a:rPr lang="pt-BR" sz="1600">
+                          <a:effectLst/>
+                          <a:latin typeface="Times New Roman" panose="02020603050405020304" pitchFamily="18" charset="0"/>
+                          <a:ea typeface="Times New Roman" panose="02020603050405020304" pitchFamily="18" charset="0"/>
+                        </a:rPr>
+                        <a:t>19</a:t>
+                      </a:r>
+                    </a:p>
+                    <a:p>
+                      <a:pPr algn="ctr">
+                        <a:spcAft>
+                          <a:spcPts val="0"/>
+                        </a:spcAft>
+                      </a:pPr>
+                      <a:r>
+                        <a:rPr lang="pt-BR" sz="1600">
+                          <a:effectLst/>
+                          <a:latin typeface="Times New Roman" panose="02020603050405020304" pitchFamily="18" charset="0"/>
+                          <a:ea typeface="Times New Roman" panose="02020603050405020304" pitchFamily="18" charset="0"/>
+                        </a:rPr>
+                        <a:t>20</a:t>
+                      </a:r>
+                    </a:p>
+                    <a:p>
+                      <a:pPr algn="ctr">
+                        <a:spcAft>
+                          <a:spcPts val="0"/>
+                        </a:spcAft>
+                      </a:pPr>
+                      <a:r>
+                        <a:rPr lang="pt-BR" sz="1600">
+                          <a:effectLst/>
+                          <a:latin typeface="Times New Roman" panose="02020603050405020304" pitchFamily="18" charset="0"/>
+                          <a:ea typeface="Times New Roman" panose="02020603050405020304" pitchFamily="18" charset="0"/>
+                        </a:rPr>
+                        <a:t>21</a:t>
+                      </a:r>
+                    </a:p>
+                    <a:p>
+                      <a:pPr algn="ctr">
+                        <a:spcAft>
+                          <a:spcPts val="0"/>
+                        </a:spcAft>
+                      </a:pPr>
+                      <a:r>
+                        <a:rPr lang="pt-BR" sz="1600">
+                          <a:effectLst/>
+                          <a:latin typeface="Times New Roman" panose="02020603050405020304" pitchFamily="18" charset="0"/>
+                          <a:ea typeface="Times New Roman" panose="02020603050405020304" pitchFamily="18" charset="0"/>
+                        </a:rPr>
+                        <a:t>22</a:t>
+                      </a:r>
+                    </a:p>
+                    <a:p>
+                      <a:pPr algn="ctr">
+                        <a:spcAft>
+                          <a:spcPts val="0"/>
+                        </a:spcAft>
+                      </a:pPr>
+                      <a:r>
+                        <a:rPr lang="pt-BR" sz="1600">
+                          <a:effectLst/>
+                          <a:latin typeface="Times New Roman" panose="02020603050405020304" pitchFamily="18" charset="0"/>
+                          <a:ea typeface="Times New Roman" panose="02020603050405020304" pitchFamily="18" charset="0"/>
+                        </a:rPr>
+                        <a:t>55</a:t>
+                      </a:r>
+                    </a:p>
+                  </a:txBody>
+                  <a:tcPr marL="68580" marR="68580" marT="0" marB="0">
+                    <a:lnL w="12700" cap="flat" cmpd="sng" algn="ctr">
+                      <a:solidFill>
+                        <a:srgbClr val="000000"/>
+                      </a:solidFill>
+                      <a:prstDash val="solid"/>
+                      <a:round/>
+                      <a:headEnd type="none" w="med" len="med"/>
+                      <a:tailEnd type="none" w="med" len="med"/>
+                    </a:lnL>
+                    <a:lnR w="12700" cap="flat" cmpd="sng" algn="ctr">
+                      <a:solidFill>
+                        <a:srgbClr val="000000"/>
+                      </a:solidFill>
+                      <a:prstDash val="solid"/>
+                      <a:round/>
+                      <a:headEnd type="none" w="med" len="med"/>
+                      <a:tailEnd type="none" w="med" len="med"/>
+                    </a:lnR>
+                    <a:lnT w="12700" cap="flat" cmpd="sng" algn="ctr">
+                      <a:solidFill>
+                        <a:srgbClr val="000000"/>
+                      </a:solidFill>
+                      <a:prstDash val="solid"/>
+                      <a:round/>
+                      <a:headEnd type="none" w="med" len="med"/>
+                      <a:tailEnd type="none" w="med" len="med"/>
+                    </a:lnT>
+                    <a:lnB w="12700" cap="flat" cmpd="sng" algn="ctr">
+                      <a:solidFill>
+                        <a:srgbClr val="000000"/>
+                      </a:solidFill>
+                      <a:prstDash val="solid"/>
+                      <a:round/>
+                      <a:headEnd type="none" w="med" len="med"/>
+                      <a:tailEnd type="none" w="med" len="med"/>
+                    </a:lnB>
+                  </a:tcPr>
+                </a:tc>
+                <a:tc>
+                  <a:txBody>
+                    <a:bodyPr/>
+                    <a:lstStyle/>
+                    <a:p>
+                      <a:pPr algn="ctr">
+                        <a:spcAft>
+                          <a:spcPts val="0"/>
+                        </a:spcAft>
+                      </a:pPr>
+                      <a:r>
+                        <a:rPr lang="pt-BR" sz="1600" dirty="0">
+                          <a:effectLst/>
+                          <a:latin typeface="Times New Roman" panose="02020603050405020304" pitchFamily="18" charset="0"/>
+                          <a:ea typeface="Times New Roman" panose="02020603050405020304" pitchFamily="18" charset="0"/>
+                        </a:rPr>
+                        <a:t>11,1%</a:t>
+                      </a:r>
+                    </a:p>
+                    <a:p>
+                      <a:pPr algn="ctr">
+                        <a:spcAft>
+                          <a:spcPts val="0"/>
+                        </a:spcAft>
+                      </a:pPr>
+                      <a:r>
+                        <a:rPr lang="pt-BR" sz="1600" dirty="0">
+                          <a:effectLst/>
+                          <a:latin typeface="Times New Roman" panose="02020603050405020304" pitchFamily="18" charset="0"/>
+                          <a:ea typeface="Times New Roman" panose="02020603050405020304" pitchFamily="18" charset="0"/>
+                        </a:rPr>
+                        <a:t>11,1%</a:t>
+                      </a:r>
+                    </a:p>
+                    <a:p>
+                      <a:pPr algn="ctr">
+                        <a:spcAft>
+                          <a:spcPts val="0"/>
+                        </a:spcAft>
+                      </a:pPr>
+                      <a:r>
+                        <a:rPr lang="pt-BR" sz="1600" dirty="0">
+                          <a:effectLst/>
+                          <a:latin typeface="Times New Roman" panose="02020603050405020304" pitchFamily="18" charset="0"/>
+                          <a:ea typeface="Times New Roman" panose="02020603050405020304" pitchFamily="18" charset="0"/>
+                        </a:rPr>
+                        <a:t>44,4%</a:t>
+                      </a:r>
+                    </a:p>
+                    <a:p>
+                      <a:pPr algn="ctr">
+                        <a:spcAft>
+                          <a:spcPts val="0"/>
+                        </a:spcAft>
+                      </a:pPr>
+                      <a:r>
+                        <a:rPr lang="pt-BR" sz="1600" dirty="0">
+                          <a:effectLst/>
+                          <a:latin typeface="Times New Roman" panose="02020603050405020304" pitchFamily="18" charset="0"/>
+                          <a:ea typeface="Times New Roman" panose="02020603050405020304" pitchFamily="18" charset="0"/>
+                        </a:rPr>
+                        <a:t>11,1%</a:t>
+                      </a:r>
+                    </a:p>
+                    <a:p>
+                      <a:pPr algn="ctr">
+                        <a:spcAft>
+                          <a:spcPts val="0"/>
+                        </a:spcAft>
+                      </a:pPr>
+                      <a:r>
+                        <a:rPr lang="pt-BR" sz="1600" dirty="0">
+                          <a:effectLst/>
+                          <a:latin typeface="Times New Roman" panose="02020603050405020304" pitchFamily="18" charset="0"/>
+                          <a:ea typeface="Times New Roman" panose="02020603050405020304" pitchFamily="18" charset="0"/>
+                        </a:rPr>
+                        <a:t>11,1%</a:t>
+                      </a:r>
+                    </a:p>
+                    <a:p>
+                      <a:pPr algn="ctr">
+                        <a:spcAft>
+                          <a:spcPts val="0"/>
+                        </a:spcAft>
+                      </a:pPr>
+                      <a:r>
+                        <a:rPr lang="pt-BR" sz="1600" dirty="0">
+                          <a:effectLst/>
+                          <a:latin typeface="Times New Roman" panose="02020603050405020304" pitchFamily="18" charset="0"/>
+                          <a:ea typeface="Times New Roman" panose="02020603050405020304" pitchFamily="18" charset="0"/>
+                        </a:rPr>
+                        <a:t>11,1%</a:t>
+                      </a:r>
+                    </a:p>
+                  </a:txBody>
+                  <a:tcPr marL="68580" marR="68580" marT="0" marB="0">
+                    <a:lnL w="12700" cap="flat" cmpd="sng" algn="ctr">
+                      <a:solidFill>
+                        <a:srgbClr val="000000"/>
+                      </a:solidFill>
+                      <a:prstDash val="solid"/>
+                      <a:round/>
+                      <a:headEnd type="none" w="med" len="med"/>
+                      <a:tailEnd type="none" w="med" len="med"/>
+                    </a:lnL>
+                    <a:lnR>
+                      <a:noFill/>
+                    </a:lnR>
+                    <a:lnT w="12700" cap="flat" cmpd="sng" algn="ctr">
+                      <a:solidFill>
+                        <a:srgbClr val="000000"/>
+                      </a:solidFill>
+                      <a:prstDash val="solid"/>
+                      <a:round/>
+                      <a:headEnd type="none" w="med" len="med"/>
+                      <a:tailEnd type="none" w="med" len="med"/>
+                    </a:lnT>
+                    <a:lnB w="12700" cap="flat" cmpd="sng" algn="ctr">
+                      <a:solidFill>
+                        <a:srgbClr val="000000"/>
+                      </a:solidFill>
+                      <a:prstDash val="solid"/>
+                      <a:round/>
+                      <a:headEnd type="none" w="med" len="med"/>
+                      <a:tailEnd type="none" w="med" len="med"/>
+                    </a:lnB>
+                  </a:tcPr>
+                </a:tc>
+                <a:extLst>
+                  <a:ext uri="{0D108BD9-81ED-4DB2-BD59-A6C34878D82A}">
+                    <a16:rowId xmlns:a16="http://schemas.microsoft.com/office/drawing/2014/main" val="1930219058"/>
+                  </a:ext>
+                </a:extLst>
+              </a:tr>
+              <a:tr h="378271">
+                <a:tc>
+                  <a:txBody>
+                    <a:bodyPr/>
+                    <a:lstStyle/>
+                    <a:p>
+                      <a:pPr algn="ctr">
+                        <a:spcAft>
+                          <a:spcPts val="0"/>
+                        </a:spcAft>
+                      </a:pPr>
+                      <a:r>
+                        <a:rPr lang="pt-BR" sz="1600" dirty="0">
+                          <a:effectLst/>
+                          <a:latin typeface="Times New Roman" panose="02020603050405020304" pitchFamily="18" charset="0"/>
+                          <a:ea typeface="Times New Roman" panose="02020603050405020304" pitchFamily="18" charset="0"/>
+                        </a:rPr>
+                        <a:t>Grau de escolaridade</a:t>
+                      </a:r>
+                    </a:p>
+                  </a:txBody>
+                  <a:tcPr marL="68580" marR="68580" marT="0" marB="0">
+                    <a:lnL>
+                      <a:noFill/>
+                    </a:lnL>
+                    <a:lnR w="12700" cap="flat" cmpd="sng" algn="ctr">
+                      <a:solidFill>
+                        <a:srgbClr val="000000"/>
+                      </a:solidFill>
+                      <a:prstDash val="solid"/>
+                      <a:round/>
+                      <a:headEnd type="none" w="med" len="med"/>
+                      <a:tailEnd type="none" w="med" len="med"/>
+                    </a:lnR>
+                    <a:lnT w="12700" cap="flat" cmpd="sng" algn="ctr">
+                      <a:solidFill>
+                        <a:srgbClr val="000000"/>
+                      </a:solidFill>
+                      <a:prstDash val="solid"/>
+                      <a:round/>
+                      <a:headEnd type="none" w="med" len="med"/>
+                      <a:tailEnd type="none" w="med" len="med"/>
+                    </a:lnT>
+                    <a:lnB w="12700" cap="flat" cmpd="sng" algn="ctr">
+                      <a:solidFill>
+                        <a:srgbClr val="000000"/>
+                      </a:solidFill>
+                      <a:prstDash val="solid"/>
+                      <a:round/>
+                      <a:headEnd type="none" w="med" len="med"/>
+                      <a:tailEnd type="none" w="med" len="med"/>
+                    </a:lnB>
+                  </a:tcPr>
+                </a:tc>
+                <a:tc>
+                  <a:txBody>
+                    <a:bodyPr/>
+                    <a:lstStyle/>
+                    <a:p>
+                      <a:pPr algn="ctr">
+                        <a:spcAft>
+                          <a:spcPts val="0"/>
+                        </a:spcAft>
+                      </a:pPr>
+                      <a:r>
+                        <a:rPr lang="pt-BR" sz="1600">
+                          <a:solidFill>
+                            <a:srgbClr val="000000"/>
+                          </a:solidFill>
+                          <a:effectLst/>
+                          <a:latin typeface="Arial" panose="020B0604020202020204" pitchFamily="34" charset="0"/>
+                          <a:ea typeface="Times New Roman" panose="02020603050405020304" pitchFamily="18" charset="0"/>
+                        </a:rPr>
+                        <a:t>Ensino superior incompleto</a:t>
+                      </a:r>
+                      <a:endParaRPr lang="pt-BR" sz="1600">
+                        <a:effectLst/>
+                        <a:latin typeface="Times New Roman" panose="02020603050405020304" pitchFamily="18" charset="0"/>
+                        <a:ea typeface="Times New Roman" panose="02020603050405020304" pitchFamily="18" charset="0"/>
+                      </a:endParaRPr>
+                    </a:p>
+                    <a:p>
+                      <a:pPr algn="ctr">
+                        <a:spcAft>
+                          <a:spcPts val="0"/>
+                        </a:spcAft>
+                      </a:pPr>
+                      <a:r>
+                        <a:rPr lang="pt-BR" sz="1600">
+                          <a:solidFill>
+                            <a:srgbClr val="000000"/>
+                          </a:solidFill>
+                          <a:effectLst/>
+                          <a:latin typeface="Arial" panose="020B0604020202020204" pitchFamily="34" charset="0"/>
+                          <a:ea typeface="Times New Roman" panose="02020603050405020304" pitchFamily="18" charset="0"/>
+                        </a:rPr>
+                        <a:t>Ensino superior completo</a:t>
+                      </a:r>
+                      <a:endParaRPr lang="pt-BR" sz="1600">
+                        <a:effectLst/>
+                        <a:latin typeface="Times New Roman" panose="02020603050405020304" pitchFamily="18" charset="0"/>
+                        <a:ea typeface="Times New Roman" panose="02020603050405020304" pitchFamily="18" charset="0"/>
+                      </a:endParaRPr>
+                    </a:p>
+                  </a:txBody>
+                  <a:tcPr marL="68580" marR="68580" marT="0" marB="0">
+                    <a:lnL w="12700" cap="flat" cmpd="sng" algn="ctr">
+                      <a:solidFill>
+                        <a:srgbClr val="000000"/>
+                      </a:solidFill>
+                      <a:prstDash val="solid"/>
+                      <a:round/>
+                      <a:headEnd type="none" w="med" len="med"/>
+                      <a:tailEnd type="none" w="med" len="med"/>
+                    </a:lnL>
+                    <a:lnR w="12700" cap="flat" cmpd="sng" algn="ctr">
+                      <a:solidFill>
+                        <a:srgbClr val="000000"/>
+                      </a:solidFill>
+                      <a:prstDash val="solid"/>
+                      <a:round/>
+                      <a:headEnd type="none" w="med" len="med"/>
+                      <a:tailEnd type="none" w="med" len="med"/>
+                    </a:lnR>
+                    <a:lnT w="12700" cap="flat" cmpd="sng" algn="ctr">
+                      <a:solidFill>
+                        <a:srgbClr val="000000"/>
+                      </a:solidFill>
+                      <a:prstDash val="solid"/>
+                      <a:round/>
+                      <a:headEnd type="none" w="med" len="med"/>
+                      <a:tailEnd type="none" w="med" len="med"/>
+                    </a:lnT>
+                    <a:lnB w="12700" cap="flat" cmpd="sng" algn="ctr">
+                      <a:solidFill>
+                        <a:srgbClr val="000000"/>
+                      </a:solidFill>
+                      <a:prstDash val="solid"/>
+                      <a:round/>
+                      <a:headEnd type="none" w="med" len="med"/>
+                      <a:tailEnd type="none" w="med" len="med"/>
+                    </a:lnB>
+                  </a:tcPr>
+                </a:tc>
+                <a:tc>
+                  <a:txBody>
+                    <a:bodyPr/>
+                    <a:lstStyle/>
+                    <a:p>
+                      <a:pPr algn="ctr">
+                        <a:spcAft>
+                          <a:spcPts val="0"/>
+                        </a:spcAft>
+                      </a:pPr>
+                      <a:r>
+                        <a:rPr lang="pt-BR" sz="1600">
+                          <a:solidFill>
+                            <a:srgbClr val="000000"/>
+                          </a:solidFill>
+                          <a:effectLst/>
+                          <a:latin typeface="Arial" panose="020B0604020202020204" pitchFamily="34" charset="0"/>
+                          <a:ea typeface="Times New Roman" panose="02020603050405020304" pitchFamily="18" charset="0"/>
+                        </a:rPr>
+                        <a:t> 88,9% </a:t>
+                      </a:r>
+                      <a:endParaRPr lang="pt-BR" sz="1600">
+                        <a:effectLst/>
+                        <a:latin typeface="Times New Roman" panose="02020603050405020304" pitchFamily="18" charset="0"/>
+                        <a:ea typeface="Times New Roman" panose="02020603050405020304" pitchFamily="18" charset="0"/>
+                      </a:endParaRPr>
+                    </a:p>
+                    <a:p>
+                      <a:pPr algn="ctr">
+                        <a:spcAft>
+                          <a:spcPts val="0"/>
+                        </a:spcAft>
+                      </a:pPr>
+                      <a:r>
+                        <a:rPr lang="pt-BR" sz="1600">
+                          <a:solidFill>
+                            <a:srgbClr val="000000"/>
+                          </a:solidFill>
+                          <a:effectLst/>
+                          <a:latin typeface="Arial" panose="020B0604020202020204" pitchFamily="34" charset="0"/>
+                          <a:ea typeface="Times New Roman" panose="02020603050405020304" pitchFamily="18" charset="0"/>
+                        </a:rPr>
+                        <a:t>11,1% </a:t>
+                      </a:r>
+                      <a:endParaRPr lang="pt-BR" sz="1600">
+                        <a:effectLst/>
+                        <a:latin typeface="Times New Roman" panose="02020603050405020304" pitchFamily="18" charset="0"/>
+                        <a:ea typeface="Times New Roman" panose="02020603050405020304" pitchFamily="18" charset="0"/>
+                      </a:endParaRPr>
+                    </a:p>
+                  </a:txBody>
+                  <a:tcPr marL="68580" marR="68580" marT="0" marB="0">
+                    <a:lnL w="12700" cap="flat" cmpd="sng" algn="ctr">
+                      <a:solidFill>
+                        <a:srgbClr val="000000"/>
+                      </a:solidFill>
+                      <a:prstDash val="solid"/>
+                      <a:round/>
+                      <a:headEnd type="none" w="med" len="med"/>
+                      <a:tailEnd type="none" w="med" len="med"/>
+                    </a:lnL>
+                    <a:lnR>
+                      <a:noFill/>
+                    </a:lnR>
+                    <a:lnT w="12700" cap="flat" cmpd="sng" algn="ctr">
+                      <a:solidFill>
+                        <a:srgbClr val="000000"/>
+                      </a:solidFill>
+                      <a:prstDash val="solid"/>
+                      <a:round/>
+                      <a:headEnd type="none" w="med" len="med"/>
+                      <a:tailEnd type="none" w="med" len="med"/>
+                    </a:lnT>
+                    <a:lnB w="12700" cap="flat" cmpd="sng" algn="ctr">
+                      <a:solidFill>
+                        <a:srgbClr val="000000"/>
+                      </a:solidFill>
+                      <a:prstDash val="solid"/>
+                      <a:round/>
+                      <a:headEnd type="none" w="med" len="med"/>
+                      <a:tailEnd type="none" w="med" len="med"/>
+                    </a:lnB>
+                  </a:tcPr>
+                </a:tc>
+                <a:extLst>
+                  <a:ext uri="{0D108BD9-81ED-4DB2-BD59-A6C34878D82A}">
+                    <a16:rowId xmlns:a16="http://schemas.microsoft.com/office/drawing/2014/main" val="331737751"/>
+                  </a:ext>
+                </a:extLst>
+              </a:tr>
+              <a:tr h="420301">
+                <a:tc>
+                  <a:txBody>
+                    <a:bodyPr/>
+                    <a:lstStyle/>
+                    <a:p>
+                      <a:pPr algn="ctr">
+                        <a:spcAft>
+                          <a:spcPts val="0"/>
+                        </a:spcAft>
+                      </a:pPr>
+                      <a:r>
+                        <a:rPr lang="pt-BR" sz="1600" dirty="0">
+                          <a:effectLst/>
+                          <a:latin typeface="Times New Roman" panose="02020603050405020304" pitchFamily="18" charset="0"/>
+                          <a:ea typeface="Times New Roman" panose="02020603050405020304" pitchFamily="18" charset="0"/>
+                        </a:rPr>
+                        <a:t>Utiliza dispositivos móveis com frequência</a:t>
+                      </a:r>
+                    </a:p>
+                  </a:txBody>
+                  <a:tcPr marL="68580" marR="68580" marT="0" marB="0">
+                    <a:lnL>
+                      <a:noFill/>
+                    </a:lnL>
+                    <a:lnR w="12700" cap="flat" cmpd="sng" algn="ctr">
+                      <a:solidFill>
+                        <a:srgbClr val="000000"/>
+                      </a:solidFill>
+                      <a:prstDash val="solid"/>
+                      <a:round/>
+                      <a:headEnd type="none" w="med" len="med"/>
+                      <a:tailEnd type="none" w="med" len="med"/>
+                    </a:lnR>
+                    <a:lnT w="12700" cap="flat" cmpd="sng" algn="ctr">
+                      <a:solidFill>
+                        <a:srgbClr val="000000"/>
+                      </a:solidFill>
+                      <a:prstDash val="solid"/>
+                      <a:round/>
+                      <a:headEnd type="none" w="med" len="med"/>
+                      <a:tailEnd type="none" w="med" len="med"/>
+                    </a:lnT>
+                    <a:lnB w="12700" cap="flat" cmpd="sng" algn="ctr">
+                      <a:solidFill>
+                        <a:srgbClr val="000000"/>
+                      </a:solidFill>
+                      <a:prstDash val="solid"/>
+                      <a:round/>
+                      <a:headEnd type="none" w="med" len="med"/>
+                      <a:tailEnd type="none" w="med" len="med"/>
+                    </a:lnB>
+                  </a:tcPr>
+                </a:tc>
+                <a:tc>
+                  <a:txBody>
+                    <a:bodyPr/>
+                    <a:lstStyle/>
+                    <a:p>
+                      <a:pPr algn="ctr">
+                        <a:spcAft>
+                          <a:spcPts val="0"/>
+                        </a:spcAft>
+                      </a:pPr>
+                      <a:r>
+                        <a:rPr lang="pt-BR" sz="1600">
+                          <a:solidFill>
+                            <a:srgbClr val="000000"/>
+                          </a:solidFill>
+                          <a:effectLst/>
+                          <a:latin typeface="Arial" panose="020B0604020202020204" pitchFamily="34" charset="0"/>
+                          <a:ea typeface="Times New Roman" panose="02020603050405020304" pitchFamily="18" charset="0"/>
+                        </a:rPr>
+                        <a:t>Frequentemente</a:t>
+                      </a:r>
+                      <a:endParaRPr lang="pt-BR" sz="1600">
+                        <a:effectLst/>
+                        <a:latin typeface="Times New Roman" panose="02020603050405020304" pitchFamily="18" charset="0"/>
+                        <a:ea typeface="Times New Roman" panose="02020603050405020304" pitchFamily="18" charset="0"/>
+                      </a:endParaRPr>
+                    </a:p>
+                  </a:txBody>
+                  <a:tcPr marL="68580" marR="68580" marT="0" marB="0">
+                    <a:lnL w="12700" cap="flat" cmpd="sng" algn="ctr">
+                      <a:solidFill>
+                        <a:srgbClr val="000000"/>
+                      </a:solidFill>
+                      <a:prstDash val="solid"/>
+                      <a:round/>
+                      <a:headEnd type="none" w="med" len="med"/>
+                      <a:tailEnd type="none" w="med" len="med"/>
+                    </a:lnL>
+                    <a:lnR w="12700" cap="flat" cmpd="sng" algn="ctr">
+                      <a:solidFill>
+                        <a:srgbClr val="000000"/>
+                      </a:solidFill>
+                      <a:prstDash val="solid"/>
+                      <a:round/>
+                      <a:headEnd type="none" w="med" len="med"/>
+                      <a:tailEnd type="none" w="med" len="med"/>
+                    </a:lnR>
+                    <a:lnT w="12700" cap="flat" cmpd="sng" algn="ctr">
+                      <a:solidFill>
+                        <a:srgbClr val="000000"/>
+                      </a:solidFill>
+                      <a:prstDash val="solid"/>
+                      <a:round/>
+                      <a:headEnd type="none" w="med" len="med"/>
+                      <a:tailEnd type="none" w="med" len="med"/>
+                    </a:lnT>
+                    <a:lnB w="12700" cap="flat" cmpd="sng" algn="ctr">
+                      <a:solidFill>
+                        <a:srgbClr val="000000"/>
+                      </a:solidFill>
+                      <a:prstDash val="solid"/>
+                      <a:round/>
+                      <a:headEnd type="none" w="med" len="med"/>
+                      <a:tailEnd type="none" w="med" len="med"/>
+                    </a:lnB>
+                  </a:tcPr>
+                </a:tc>
+                <a:tc>
+                  <a:txBody>
+                    <a:bodyPr/>
+                    <a:lstStyle/>
+                    <a:p>
+                      <a:pPr algn="ctr">
+                        <a:spcAft>
+                          <a:spcPts val="0"/>
+                        </a:spcAft>
+                      </a:pPr>
+                      <a:r>
+                        <a:rPr lang="pt-BR" sz="1600">
+                          <a:solidFill>
+                            <a:srgbClr val="000000"/>
+                          </a:solidFill>
+                          <a:effectLst/>
+                          <a:latin typeface="Arial" panose="020B0604020202020204" pitchFamily="34" charset="0"/>
+                          <a:ea typeface="Times New Roman" panose="02020603050405020304" pitchFamily="18" charset="0"/>
+                        </a:rPr>
+                        <a:t>100%</a:t>
+                      </a:r>
+                      <a:endParaRPr lang="pt-BR" sz="1600">
+                        <a:effectLst/>
+                        <a:latin typeface="Times New Roman" panose="02020603050405020304" pitchFamily="18" charset="0"/>
+                        <a:ea typeface="Times New Roman" panose="02020603050405020304" pitchFamily="18" charset="0"/>
+                      </a:endParaRPr>
+                    </a:p>
+                  </a:txBody>
+                  <a:tcPr marL="68580" marR="68580" marT="0" marB="0">
+                    <a:lnL w="12700" cap="flat" cmpd="sng" algn="ctr">
+                      <a:solidFill>
+                        <a:srgbClr val="000000"/>
+                      </a:solidFill>
+                      <a:prstDash val="solid"/>
+                      <a:round/>
+                      <a:headEnd type="none" w="med" len="med"/>
+                      <a:tailEnd type="none" w="med" len="med"/>
+                    </a:lnL>
+                    <a:lnR>
+                      <a:noFill/>
+                    </a:lnR>
+                    <a:lnT w="12700" cap="flat" cmpd="sng" algn="ctr">
+                      <a:solidFill>
+                        <a:srgbClr val="000000"/>
+                      </a:solidFill>
+                      <a:prstDash val="solid"/>
+                      <a:round/>
+                      <a:headEnd type="none" w="med" len="med"/>
+                      <a:tailEnd type="none" w="med" len="med"/>
+                    </a:lnT>
+                    <a:lnB w="12700" cap="flat" cmpd="sng" algn="ctr">
+                      <a:solidFill>
+                        <a:srgbClr val="000000"/>
+                      </a:solidFill>
+                      <a:prstDash val="solid"/>
+                      <a:round/>
+                      <a:headEnd type="none" w="med" len="med"/>
+                      <a:tailEnd type="none" w="med" len="med"/>
+                    </a:lnB>
+                  </a:tcPr>
+                </a:tc>
+                <a:extLst>
+                  <a:ext uri="{0D108BD9-81ED-4DB2-BD59-A6C34878D82A}">
+                    <a16:rowId xmlns:a16="http://schemas.microsoft.com/office/drawing/2014/main" val="4007042179"/>
+                  </a:ext>
+                </a:extLst>
+              </a:tr>
+              <a:tr h="420301">
+                <a:tc>
+                  <a:txBody>
+                    <a:bodyPr/>
+                    <a:lstStyle/>
+                    <a:p>
+                      <a:pPr algn="ctr">
+                        <a:spcAft>
+                          <a:spcPts val="0"/>
+                        </a:spcAft>
+                      </a:pPr>
+                      <a:r>
+                        <a:rPr lang="pt-BR" sz="1600">
+                          <a:effectLst/>
+                          <a:latin typeface="Times New Roman" panose="02020603050405020304" pitchFamily="18" charset="0"/>
+                          <a:ea typeface="Times New Roman" panose="02020603050405020304" pitchFamily="18" charset="0"/>
+                        </a:rPr>
+                        <a:t>Já utilizou aplicações com Realidade Aumentada</a:t>
+                      </a:r>
+                    </a:p>
+                  </a:txBody>
+                  <a:tcPr marL="68580" marR="68580" marT="0" marB="0">
+                    <a:lnL>
+                      <a:noFill/>
+                    </a:lnL>
+                    <a:lnR w="12700" cap="flat" cmpd="sng" algn="ctr">
+                      <a:solidFill>
+                        <a:srgbClr val="000000"/>
+                      </a:solidFill>
+                      <a:prstDash val="solid"/>
+                      <a:round/>
+                      <a:headEnd type="none" w="med" len="med"/>
+                      <a:tailEnd type="none" w="med" len="med"/>
+                    </a:lnR>
+                    <a:lnT w="12700" cap="flat" cmpd="sng" algn="ctr">
+                      <a:solidFill>
+                        <a:srgbClr val="000000"/>
+                      </a:solidFill>
+                      <a:prstDash val="solid"/>
+                      <a:round/>
+                      <a:headEnd type="none" w="med" len="med"/>
+                      <a:tailEnd type="none" w="med" len="med"/>
+                    </a:lnT>
+                    <a:lnB w="12700" cap="flat" cmpd="sng" algn="ctr">
+                      <a:solidFill>
+                        <a:srgbClr val="000000"/>
+                      </a:solidFill>
+                      <a:prstDash val="solid"/>
+                      <a:round/>
+                      <a:headEnd type="none" w="med" len="med"/>
+                      <a:tailEnd type="none" w="med" len="med"/>
+                    </a:lnB>
+                  </a:tcPr>
+                </a:tc>
+                <a:tc>
+                  <a:txBody>
+                    <a:bodyPr/>
+                    <a:lstStyle/>
+                    <a:p>
+                      <a:pPr algn="ctr">
+                        <a:spcAft>
+                          <a:spcPts val="0"/>
+                        </a:spcAft>
+                      </a:pPr>
+                      <a:r>
+                        <a:rPr lang="pt-BR" sz="1600">
+                          <a:effectLst/>
+                          <a:latin typeface="Times New Roman" panose="02020603050405020304" pitchFamily="18" charset="0"/>
+                          <a:ea typeface="Times New Roman" panose="02020603050405020304" pitchFamily="18" charset="0"/>
+                        </a:rPr>
+                        <a:t>Sim</a:t>
+                      </a:r>
+                    </a:p>
+                    <a:p>
+                      <a:pPr algn="ctr">
+                        <a:spcAft>
+                          <a:spcPts val="0"/>
+                        </a:spcAft>
+                      </a:pPr>
+                      <a:r>
+                        <a:rPr lang="pt-BR" sz="1600">
+                          <a:effectLst/>
+                          <a:latin typeface="Times New Roman" panose="02020603050405020304" pitchFamily="18" charset="0"/>
+                          <a:ea typeface="Times New Roman" panose="02020603050405020304" pitchFamily="18" charset="0"/>
+                        </a:rPr>
+                        <a:t>Não</a:t>
+                      </a:r>
+                    </a:p>
+                  </a:txBody>
+                  <a:tcPr marL="68580" marR="68580" marT="0" marB="0">
+                    <a:lnL w="12700" cap="flat" cmpd="sng" algn="ctr">
+                      <a:solidFill>
+                        <a:srgbClr val="000000"/>
+                      </a:solidFill>
+                      <a:prstDash val="solid"/>
+                      <a:round/>
+                      <a:headEnd type="none" w="med" len="med"/>
+                      <a:tailEnd type="none" w="med" len="med"/>
+                    </a:lnL>
+                    <a:lnR w="12700" cap="flat" cmpd="sng" algn="ctr">
+                      <a:solidFill>
+                        <a:srgbClr val="000000"/>
+                      </a:solidFill>
+                      <a:prstDash val="solid"/>
+                      <a:round/>
+                      <a:headEnd type="none" w="med" len="med"/>
+                      <a:tailEnd type="none" w="med" len="med"/>
+                    </a:lnR>
+                    <a:lnT w="12700" cap="flat" cmpd="sng" algn="ctr">
+                      <a:solidFill>
+                        <a:srgbClr val="000000"/>
+                      </a:solidFill>
+                      <a:prstDash val="solid"/>
+                      <a:round/>
+                      <a:headEnd type="none" w="med" len="med"/>
+                      <a:tailEnd type="none" w="med" len="med"/>
+                    </a:lnT>
+                    <a:lnB w="12700" cap="flat" cmpd="sng" algn="ctr">
+                      <a:solidFill>
+                        <a:srgbClr val="000000"/>
+                      </a:solidFill>
+                      <a:prstDash val="solid"/>
+                      <a:round/>
+                      <a:headEnd type="none" w="med" len="med"/>
+                      <a:tailEnd type="none" w="med" len="med"/>
+                    </a:lnB>
+                  </a:tcPr>
+                </a:tc>
+                <a:tc>
+                  <a:txBody>
+                    <a:bodyPr/>
+                    <a:lstStyle/>
+                    <a:p>
+                      <a:pPr algn="ctr">
+                        <a:spcAft>
+                          <a:spcPts val="0"/>
+                        </a:spcAft>
+                      </a:pPr>
+                      <a:r>
+                        <a:rPr lang="pt-BR" sz="1600" dirty="0">
+                          <a:effectLst/>
+                          <a:latin typeface="Times New Roman" panose="02020603050405020304" pitchFamily="18" charset="0"/>
+                          <a:ea typeface="Times New Roman" panose="02020603050405020304" pitchFamily="18" charset="0"/>
+                        </a:rPr>
+                        <a:t>55,6%</a:t>
+                      </a:r>
+                    </a:p>
+                    <a:p>
+                      <a:pPr algn="ctr">
+                        <a:spcAft>
+                          <a:spcPts val="0"/>
+                        </a:spcAft>
+                      </a:pPr>
+                      <a:r>
+                        <a:rPr lang="pt-BR" sz="1600" dirty="0">
+                          <a:effectLst/>
+                          <a:latin typeface="Times New Roman" panose="02020603050405020304" pitchFamily="18" charset="0"/>
+                          <a:ea typeface="Times New Roman" panose="02020603050405020304" pitchFamily="18" charset="0"/>
+                        </a:rPr>
+                        <a:t>44,4%</a:t>
+                      </a:r>
+                    </a:p>
+                  </a:txBody>
+                  <a:tcPr marL="68580" marR="68580" marT="0" marB="0">
+                    <a:lnL w="12700" cap="flat" cmpd="sng" algn="ctr">
+                      <a:solidFill>
+                        <a:srgbClr val="000000"/>
+                      </a:solidFill>
+                      <a:prstDash val="solid"/>
+                      <a:round/>
+                      <a:headEnd type="none" w="med" len="med"/>
+                      <a:tailEnd type="none" w="med" len="med"/>
+                    </a:lnL>
+                    <a:lnR>
+                      <a:noFill/>
+                    </a:lnR>
+                    <a:lnT w="12700" cap="flat" cmpd="sng" algn="ctr">
+                      <a:solidFill>
+                        <a:srgbClr val="000000"/>
+                      </a:solidFill>
+                      <a:prstDash val="solid"/>
+                      <a:round/>
+                      <a:headEnd type="none" w="med" len="med"/>
+                      <a:tailEnd type="none" w="med" len="med"/>
+                    </a:lnT>
+                    <a:lnB w="12700" cap="flat" cmpd="sng" algn="ctr">
+                      <a:solidFill>
+                        <a:srgbClr val="000000"/>
+                      </a:solidFill>
+                      <a:prstDash val="solid"/>
+                      <a:round/>
+                      <a:headEnd type="none" w="med" len="med"/>
+                      <a:tailEnd type="none" w="med" len="med"/>
+                    </a:lnB>
+                  </a:tcPr>
+                </a:tc>
+                <a:extLst>
+                  <a:ext uri="{0D108BD9-81ED-4DB2-BD59-A6C34878D82A}">
+                    <a16:rowId xmlns:a16="http://schemas.microsoft.com/office/drawing/2014/main" val="2329947245"/>
+                  </a:ext>
+                </a:extLst>
+              </a:tr>
+            </a:tbl>
+          </a:graphicData>
+        </a:graphic>
+      </p:graphicFrame>
+    </p:spTree>
+    <p:extLst>
+      <p:ext uri="{BB962C8B-B14F-4D97-AF65-F5344CB8AC3E}">
+        <p14:creationId xmlns:p14="http://schemas.microsoft.com/office/powerpoint/2010/main" val="417767748"/>
+      </p:ext>
+    </p:extLst>
+  </p:cSld>
+  <p:clrMapOvr>
+    <a:masterClrMapping/>
+  </p:clrMapOvr>
+  <p:timing>
+    <p:tnLst>
+      <p:par>
+        <p:cTn id="1" dur="indefinite" restart="never" nodeType="tmRoot"/>
+      </p:par>
+    </p:tnLst>
+  </p:timing>
+</p:sld>
+</file>
+
+<file path=ppt/slides/slide22.xml><?xml version="1.0" encoding="utf-8"?>
+<p:sld xmlns:a="http://schemas.openxmlformats.org/drawingml/2006/main" xmlns:r="http://schemas.openxmlformats.org/officeDocument/2006/relationships" xmlns:p="http://schemas.openxmlformats.org/presentationml/2006/main">
+  <p:cSld>
+    <p:spTree>
+      <p:nvGrpSpPr>
+        <p:cNvPr id="1" name=""/>
+        <p:cNvGrpSpPr/>
+        <p:nvPr/>
+      </p:nvGrpSpPr>
+      <p:grpSpPr>
+        <a:xfrm>
+          <a:off x="0" y="0"/>
+          <a:ext cx="0" cy="0"/>
+          <a:chOff x="0" y="0"/>
+          <a:chExt cx="0" cy="0"/>
+        </a:xfrm>
+      </p:grpSpPr>
+      <p:sp>
+        <p:nvSpPr>
+          <p:cNvPr id="2" name="Title 1"/>
+          <p:cNvSpPr>
+            <a:spLocks noGrp="1"/>
+          </p:cNvSpPr>
+          <p:nvPr>
+            <p:ph type="title"/>
+          </p:nvPr>
+        </p:nvSpPr>
+        <p:spPr>
+          <a:xfrm>
+            <a:off x="395536" y="404664"/>
+            <a:ext cx="8229600" cy="1143000"/>
+          </a:xfrm>
+        </p:spPr>
+        <p:txBody>
+          <a:bodyPr/>
+          <a:lstStyle/>
+          <a:p>
+            <a:r>
+              <a:rPr lang="pt-BR" dirty="0"/>
+              <a:t>Opinião dos entrevistados sobre o aplicativo</a:t>
+            </a:r>
+          </a:p>
+        </p:txBody>
+      </p:sp>
+      <p:graphicFrame>
+        <p:nvGraphicFramePr>
+          <p:cNvPr id="4" name="Table 3"/>
+          <p:cNvGraphicFramePr>
+            <a:graphicFrameLocks noGrp="1"/>
+          </p:cNvGraphicFramePr>
+          <p:nvPr>
+            <p:extLst>
+              <p:ext uri="{D42A27DB-BD31-4B8C-83A1-F6EECF244321}">
+                <p14:modId xmlns:p14="http://schemas.microsoft.com/office/powerpoint/2010/main" val="2647120330"/>
+              </p:ext>
+            </p:extLst>
+          </p:nvPr>
+        </p:nvGraphicFramePr>
+        <p:xfrm>
+          <a:off x="539552" y="2132856"/>
+          <a:ext cx="7941568" cy="2743200"/>
+        </p:xfrm>
+        <a:graphic>
+          <a:graphicData uri="http://schemas.openxmlformats.org/drawingml/2006/table">
+            <a:tbl>
+              <a:tblPr firstRow="1" firstCol="1" bandRow="1"/>
+              <a:tblGrid>
+                <a:gridCol w="2717804">
+                  <a:extLst>
+                    <a:ext uri="{9D8B030D-6E8A-4147-A177-3AD203B41FA5}">
+                      <a16:colId xmlns:a16="http://schemas.microsoft.com/office/drawing/2014/main" val="3646506280"/>
+                    </a:ext>
+                  </a:extLst>
+                </a:gridCol>
+                <a:gridCol w="2576230">
+                  <a:extLst>
+                    <a:ext uri="{9D8B030D-6E8A-4147-A177-3AD203B41FA5}">
+                      <a16:colId xmlns:a16="http://schemas.microsoft.com/office/drawing/2014/main" val="659390818"/>
+                    </a:ext>
+                  </a:extLst>
+                </a:gridCol>
+                <a:gridCol w="2647534">
+                  <a:extLst>
+                    <a:ext uri="{9D8B030D-6E8A-4147-A177-3AD203B41FA5}">
+                      <a16:colId xmlns:a16="http://schemas.microsoft.com/office/drawing/2014/main" val="1908125645"/>
+                    </a:ext>
+                  </a:extLst>
+                </a:gridCol>
+              </a:tblGrid>
+              <a:tr h="458470">
+                <a:tc>
+                  <a:txBody>
+                    <a:bodyPr/>
+                    <a:lstStyle/>
+                    <a:p>
+                      <a:pPr algn="ctr">
+                        <a:spcAft>
+                          <a:spcPts val="0"/>
+                        </a:spcAft>
+                      </a:pPr>
+                      <a:r>
+                        <a:rPr lang="pt-BR" sz="1800">
+                          <a:effectLst/>
+                          <a:latin typeface="Times New Roman" panose="02020603050405020304" pitchFamily="18" charset="0"/>
+                          <a:ea typeface="Times New Roman" panose="02020603050405020304" pitchFamily="18" charset="0"/>
+                        </a:rPr>
+                        <a:t>Usabilidade de manipular a cena</a:t>
+                      </a:r>
+                    </a:p>
+                  </a:txBody>
+                  <a:tcPr marL="68580" marR="68580" marT="0" marB="0">
+                    <a:lnL>
+                      <a:noFill/>
+                    </a:lnL>
+                    <a:lnR w="12700" cap="flat" cmpd="sng" algn="ctr">
+                      <a:solidFill>
+                        <a:srgbClr val="000000"/>
+                      </a:solidFill>
+                      <a:prstDash val="solid"/>
+                      <a:round/>
+                      <a:headEnd type="none" w="med" len="med"/>
+                      <a:tailEnd type="none" w="med" len="med"/>
+                    </a:lnR>
+                    <a:lnT w="12700" cap="flat" cmpd="sng" algn="ctr">
+                      <a:solidFill>
+                        <a:srgbClr val="000000"/>
+                      </a:solidFill>
+                      <a:prstDash val="solid"/>
+                      <a:round/>
+                      <a:headEnd type="none" w="med" len="med"/>
+                      <a:tailEnd type="none" w="med" len="med"/>
+                    </a:lnT>
+                    <a:lnB w="12700" cap="flat" cmpd="sng" algn="ctr">
+                      <a:solidFill>
+                        <a:srgbClr val="000000"/>
+                      </a:solidFill>
+                      <a:prstDash val="solid"/>
+                      <a:round/>
+                      <a:headEnd type="none" w="med" len="med"/>
+                      <a:tailEnd type="none" w="med" len="med"/>
+                    </a:lnB>
+                  </a:tcPr>
+                </a:tc>
+                <a:tc>
+                  <a:txBody>
+                    <a:bodyPr/>
+                    <a:lstStyle/>
+                    <a:p>
+                      <a:pPr algn="ctr">
+                        <a:spcAft>
+                          <a:spcPts val="0"/>
+                        </a:spcAft>
+                      </a:pPr>
+                      <a:r>
+                        <a:rPr lang="pt-BR" sz="1800">
+                          <a:effectLst/>
+                          <a:latin typeface="Times New Roman" panose="02020603050405020304" pitchFamily="18" charset="0"/>
+                          <a:ea typeface="Times New Roman" panose="02020603050405020304" pitchFamily="18" charset="0"/>
+                        </a:rPr>
+                        <a:t>3</a:t>
+                      </a:r>
+                    </a:p>
+                    <a:p>
+                      <a:pPr algn="ctr">
+                        <a:spcAft>
+                          <a:spcPts val="0"/>
+                        </a:spcAft>
+                      </a:pPr>
+                      <a:r>
+                        <a:rPr lang="pt-BR" sz="1800">
+                          <a:effectLst/>
+                          <a:latin typeface="Times New Roman" panose="02020603050405020304" pitchFamily="18" charset="0"/>
+                          <a:ea typeface="Times New Roman" panose="02020603050405020304" pitchFamily="18" charset="0"/>
+                        </a:rPr>
+                        <a:t>4</a:t>
+                      </a:r>
+                    </a:p>
+                    <a:p>
+                      <a:pPr algn="ctr">
+                        <a:spcAft>
+                          <a:spcPts val="0"/>
+                        </a:spcAft>
+                      </a:pPr>
+                      <a:r>
+                        <a:rPr lang="pt-BR" sz="1800">
+                          <a:effectLst/>
+                          <a:latin typeface="Times New Roman" panose="02020603050405020304" pitchFamily="18" charset="0"/>
+                          <a:ea typeface="Times New Roman" panose="02020603050405020304" pitchFamily="18" charset="0"/>
+                        </a:rPr>
+                        <a:t>5</a:t>
+                      </a:r>
+                    </a:p>
+                  </a:txBody>
+                  <a:tcPr marL="68580" marR="68580" marT="0" marB="0">
+                    <a:lnL w="12700" cap="flat" cmpd="sng" algn="ctr">
+                      <a:solidFill>
+                        <a:srgbClr val="000000"/>
+                      </a:solidFill>
+                      <a:prstDash val="solid"/>
+                      <a:round/>
+                      <a:headEnd type="none" w="med" len="med"/>
+                      <a:tailEnd type="none" w="med" len="med"/>
+                    </a:lnL>
+                    <a:lnR w="12700" cap="flat" cmpd="sng" algn="ctr">
+                      <a:solidFill>
+                        <a:srgbClr val="000000"/>
+                      </a:solidFill>
+                      <a:prstDash val="solid"/>
+                      <a:round/>
+                      <a:headEnd type="none" w="med" len="med"/>
+                      <a:tailEnd type="none" w="med" len="med"/>
+                    </a:lnR>
+                    <a:lnT w="12700" cap="flat" cmpd="sng" algn="ctr">
+                      <a:solidFill>
+                        <a:srgbClr val="000000"/>
+                      </a:solidFill>
+                      <a:prstDash val="solid"/>
+                      <a:round/>
+                      <a:headEnd type="none" w="med" len="med"/>
+                      <a:tailEnd type="none" w="med" len="med"/>
+                    </a:lnT>
+                    <a:lnB w="12700" cap="flat" cmpd="sng" algn="ctr">
+                      <a:solidFill>
+                        <a:srgbClr val="000000"/>
+                      </a:solidFill>
+                      <a:prstDash val="solid"/>
+                      <a:round/>
+                      <a:headEnd type="none" w="med" len="med"/>
+                      <a:tailEnd type="none" w="med" len="med"/>
+                    </a:lnB>
+                  </a:tcPr>
+                </a:tc>
+                <a:tc>
+                  <a:txBody>
+                    <a:bodyPr/>
+                    <a:lstStyle/>
+                    <a:p>
+                      <a:pPr algn="ctr">
+                        <a:spcAft>
+                          <a:spcPts val="0"/>
+                        </a:spcAft>
+                      </a:pPr>
+                      <a:r>
+                        <a:rPr lang="pt-BR" sz="1800">
+                          <a:effectLst/>
+                          <a:latin typeface="Times New Roman" panose="02020603050405020304" pitchFamily="18" charset="0"/>
+                          <a:ea typeface="Times New Roman" panose="02020603050405020304" pitchFamily="18" charset="0"/>
+                        </a:rPr>
+                        <a:t>11,1%</a:t>
+                      </a:r>
+                    </a:p>
+                    <a:p>
+                      <a:pPr algn="ctr">
+                        <a:spcAft>
+                          <a:spcPts val="0"/>
+                        </a:spcAft>
+                      </a:pPr>
+                      <a:r>
+                        <a:rPr lang="pt-BR" sz="1800">
+                          <a:effectLst/>
+                          <a:latin typeface="Times New Roman" panose="02020603050405020304" pitchFamily="18" charset="0"/>
+                          <a:ea typeface="Times New Roman" panose="02020603050405020304" pitchFamily="18" charset="0"/>
+                        </a:rPr>
+                        <a:t>33,3%</a:t>
+                      </a:r>
+                    </a:p>
+                    <a:p>
+                      <a:pPr algn="ctr">
+                        <a:spcAft>
+                          <a:spcPts val="0"/>
+                        </a:spcAft>
+                      </a:pPr>
+                      <a:r>
+                        <a:rPr lang="pt-BR" sz="1800">
+                          <a:effectLst/>
+                          <a:latin typeface="Times New Roman" panose="02020603050405020304" pitchFamily="18" charset="0"/>
+                          <a:ea typeface="Times New Roman" panose="02020603050405020304" pitchFamily="18" charset="0"/>
+                        </a:rPr>
+                        <a:t>55,6%</a:t>
+                      </a:r>
+                    </a:p>
+                  </a:txBody>
+                  <a:tcPr marL="68580" marR="68580" marT="0" marB="0">
+                    <a:lnL w="12700" cap="flat" cmpd="sng" algn="ctr">
+                      <a:solidFill>
+                        <a:srgbClr val="000000"/>
+                      </a:solidFill>
+                      <a:prstDash val="solid"/>
+                      <a:round/>
+                      <a:headEnd type="none" w="med" len="med"/>
+                      <a:tailEnd type="none" w="med" len="med"/>
+                    </a:lnL>
+                    <a:lnR>
+                      <a:noFill/>
+                    </a:lnR>
+                    <a:lnT w="12700" cap="flat" cmpd="sng" algn="ctr">
+                      <a:solidFill>
+                        <a:srgbClr val="000000"/>
+                      </a:solidFill>
+                      <a:prstDash val="solid"/>
+                      <a:round/>
+                      <a:headEnd type="none" w="med" len="med"/>
+                      <a:tailEnd type="none" w="med" len="med"/>
+                    </a:lnT>
+                    <a:lnB w="12700" cap="flat" cmpd="sng" algn="ctr">
+                      <a:solidFill>
+                        <a:srgbClr val="000000"/>
+                      </a:solidFill>
+                      <a:prstDash val="solid"/>
+                      <a:round/>
+                      <a:headEnd type="none" w="med" len="med"/>
+                      <a:tailEnd type="none" w="med" len="med"/>
+                    </a:lnB>
+                  </a:tcPr>
+                </a:tc>
+                <a:extLst>
+                  <a:ext uri="{0D108BD9-81ED-4DB2-BD59-A6C34878D82A}">
+                    <a16:rowId xmlns:a16="http://schemas.microsoft.com/office/drawing/2014/main" val="613907487"/>
+                  </a:ext>
+                </a:extLst>
+              </a:tr>
+              <a:tr h="194945">
+                <a:tc>
+                  <a:txBody>
+                    <a:bodyPr/>
+                    <a:lstStyle/>
+                    <a:p>
+                      <a:pPr algn="ctr">
+                        <a:spcAft>
+                          <a:spcPts val="0"/>
+                        </a:spcAft>
+                      </a:pPr>
+                      <a:r>
+                        <a:rPr lang="pt-BR" sz="1800" dirty="0">
+                          <a:effectLst/>
+                          <a:latin typeface="Times New Roman" panose="02020603050405020304" pitchFamily="18" charset="0"/>
+                          <a:ea typeface="Times New Roman" panose="02020603050405020304" pitchFamily="18" charset="0"/>
+                        </a:rPr>
+                        <a:t>Usabilidade do aplicativo em </a:t>
+                      </a:r>
+                    </a:p>
+                    <a:p>
+                      <a:pPr algn="ctr">
+                        <a:spcAft>
+                          <a:spcPts val="0"/>
+                        </a:spcAft>
+                      </a:pPr>
+                      <a:r>
+                        <a:rPr lang="pt-BR" sz="1800" dirty="0">
+                          <a:effectLst/>
+                          <a:latin typeface="Times New Roman" panose="02020603050405020304" pitchFamily="18" charset="0"/>
+                          <a:ea typeface="Times New Roman" panose="02020603050405020304" pitchFamily="18" charset="0"/>
+                        </a:rPr>
+                        <a:t>geral</a:t>
+                      </a:r>
+                    </a:p>
+                  </a:txBody>
+                  <a:tcPr marL="68580" marR="68580" marT="0" marB="0">
+                    <a:lnL>
+                      <a:noFill/>
+                    </a:lnL>
+                    <a:lnR w="12700" cap="flat" cmpd="sng" algn="ctr">
+                      <a:solidFill>
+                        <a:srgbClr val="000000"/>
+                      </a:solidFill>
+                      <a:prstDash val="solid"/>
+                      <a:round/>
+                      <a:headEnd type="none" w="med" len="med"/>
+                      <a:tailEnd type="none" w="med" len="med"/>
+                    </a:lnR>
+                    <a:lnT w="12700" cap="flat" cmpd="sng" algn="ctr">
+                      <a:solidFill>
+                        <a:srgbClr val="000000"/>
+                      </a:solidFill>
+                      <a:prstDash val="solid"/>
+                      <a:round/>
+                      <a:headEnd type="none" w="med" len="med"/>
+                      <a:tailEnd type="none" w="med" len="med"/>
+                    </a:lnT>
+                    <a:lnB w="12700" cap="flat" cmpd="sng" algn="ctr">
+                      <a:solidFill>
+                        <a:srgbClr val="000000"/>
+                      </a:solidFill>
+                      <a:prstDash val="solid"/>
+                      <a:round/>
+                      <a:headEnd type="none" w="med" len="med"/>
+                      <a:tailEnd type="none" w="med" len="med"/>
+                    </a:lnB>
+                  </a:tcPr>
+                </a:tc>
+                <a:tc>
+                  <a:txBody>
+                    <a:bodyPr/>
+                    <a:lstStyle/>
+                    <a:p>
+                      <a:pPr algn="ctr">
+                        <a:spcAft>
+                          <a:spcPts val="0"/>
+                        </a:spcAft>
+                      </a:pPr>
+                      <a:r>
+                        <a:rPr lang="pt-BR" sz="1800" dirty="0">
+                          <a:effectLst/>
+                          <a:latin typeface="Times New Roman" panose="02020603050405020304" pitchFamily="18" charset="0"/>
+                          <a:ea typeface="Times New Roman" panose="02020603050405020304" pitchFamily="18" charset="0"/>
+                        </a:rPr>
+                        <a:t>3</a:t>
+                      </a:r>
+                    </a:p>
+                    <a:p>
+                      <a:pPr algn="ctr">
+                        <a:spcAft>
+                          <a:spcPts val="0"/>
+                        </a:spcAft>
+                      </a:pPr>
+                      <a:r>
+                        <a:rPr lang="pt-BR" sz="1800" dirty="0">
+                          <a:effectLst/>
+                          <a:latin typeface="Times New Roman" panose="02020603050405020304" pitchFamily="18" charset="0"/>
+                          <a:ea typeface="Times New Roman" panose="02020603050405020304" pitchFamily="18" charset="0"/>
+                        </a:rPr>
+                        <a:t>5</a:t>
+                      </a:r>
+                    </a:p>
+                  </a:txBody>
+                  <a:tcPr marL="68580" marR="68580" marT="0" marB="0">
+                    <a:lnL w="12700" cap="flat" cmpd="sng" algn="ctr">
+                      <a:solidFill>
+                        <a:srgbClr val="000000"/>
+                      </a:solidFill>
+                      <a:prstDash val="solid"/>
+                      <a:round/>
+                      <a:headEnd type="none" w="med" len="med"/>
+                      <a:tailEnd type="none" w="med" len="med"/>
+                    </a:lnL>
+                    <a:lnR w="12700" cap="flat" cmpd="sng" algn="ctr">
+                      <a:solidFill>
+                        <a:srgbClr val="000000"/>
+                      </a:solidFill>
+                      <a:prstDash val="solid"/>
+                      <a:round/>
+                      <a:headEnd type="none" w="med" len="med"/>
+                      <a:tailEnd type="none" w="med" len="med"/>
+                    </a:lnR>
+                    <a:lnT w="12700" cap="flat" cmpd="sng" algn="ctr">
+                      <a:solidFill>
+                        <a:srgbClr val="000000"/>
+                      </a:solidFill>
+                      <a:prstDash val="solid"/>
+                      <a:round/>
+                      <a:headEnd type="none" w="med" len="med"/>
+                      <a:tailEnd type="none" w="med" len="med"/>
+                    </a:lnT>
+                    <a:lnB w="12700" cap="flat" cmpd="sng" algn="ctr">
+                      <a:solidFill>
+                        <a:srgbClr val="000000"/>
+                      </a:solidFill>
+                      <a:prstDash val="solid"/>
+                      <a:round/>
+                      <a:headEnd type="none" w="med" len="med"/>
+                      <a:tailEnd type="none" w="med" len="med"/>
+                    </a:lnB>
+                  </a:tcPr>
+                </a:tc>
+                <a:tc>
+                  <a:txBody>
+                    <a:bodyPr/>
+                    <a:lstStyle/>
+                    <a:p>
+                      <a:pPr algn="ctr">
+                        <a:spcAft>
+                          <a:spcPts val="0"/>
+                        </a:spcAft>
+                      </a:pPr>
+                      <a:r>
+                        <a:rPr lang="pt-BR" sz="1800">
+                          <a:effectLst/>
+                          <a:latin typeface="Times New Roman" panose="02020603050405020304" pitchFamily="18" charset="0"/>
+                          <a:ea typeface="Times New Roman" panose="02020603050405020304" pitchFamily="18" charset="0"/>
+                        </a:rPr>
+                        <a:t>11,1%</a:t>
+                      </a:r>
+                    </a:p>
+                    <a:p>
+                      <a:pPr algn="ctr">
+                        <a:spcAft>
+                          <a:spcPts val="0"/>
+                        </a:spcAft>
+                      </a:pPr>
+                      <a:r>
+                        <a:rPr lang="pt-BR" sz="1800">
+                          <a:effectLst/>
+                          <a:latin typeface="Times New Roman" panose="02020603050405020304" pitchFamily="18" charset="0"/>
+                          <a:ea typeface="Times New Roman" panose="02020603050405020304" pitchFamily="18" charset="0"/>
+                        </a:rPr>
+                        <a:t>88,9%</a:t>
+                      </a:r>
+                    </a:p>
+                  </a:txBody>
+                  <a:tcPr marL="68580" marR="68580" marT="0" marB="0">
+                    <a:lnL w="12700" cap="flat" cmpd="sng" algn="ctr">
+                      <a:solidFill>
+                        <a:srgbClr val="000000"/>
+                      </a:solidFill>
+                      <a:prstDash val="solid"/>
+                      <a:round/>
+                      <a:headEnd type="none" w="med" len="med"/>
+                      <a:tailEnd type="none" w="med" len="med"/>
+                    </a:lnL>
+                    <a:lnR>
+                      <a:noFill/>
+                    </a:lnR>
+                    <a:lnT w="12700" cap="flat" cmpd="sng" algn="ctr">
+                      <a:solidFill>
+                        <a:srgbClr val="000000"/>
+                      </a:solidFill>
+                      <a:prstDash val="solid"/>
+                      <a:round/>
+                      <a:headEnd type="none" w="med" len="med"/>
+                      <a:tailEnd type="none" w="med" len="med"/>
+                    </a:lnT>
+                    <a:lnB w="12700" cap="flat" cmpd="sng" algn="ctr">
+                      <a:solidFill>
+                        <a:srgbClr val="000000"/>
+                      </a:solidFill>
+                      <a:prstDash val="solid"/>
+                      <a:round/>
+                      <a:headEnd type="none" w="med" len="med"/>
+                      <a:tailEnd type="none" w="med" len="med"/>
+                    </a:lnB>
+                  </a:tcPr>
+                </a:tc>
+                <a:extLst>
+                  <a:ext uri="{0D108BD9-81ED-4DB2-BD59-A6C34878D82A}">
+                    <a16:rowId xmlns:a16="http://schemas.microsoft.com/office/drawing/2014/main" val="1851112785"/>
+                  </a:ext>
+                </a:extLst>
+              </a:tr>
+              <a:tr h="253365">
+                <a:tc>
+                  <a:txBody>
+                    <a:bodyPr/>
+                    <a:lstStyle/>
+                    <a:p>
+                      <a:pPr algn="ctr">
+                        <a:spcAft>
+                          <a:spcPts val="0"/>
+                        </a:spcAft>
+                      </a:pPr>
+                      <a:r>
+                        <a:rPr lang="pt-BR" sz="1800">
+                          <a:effectLst/>
+                          <a:latin typeface="Times New Roman" panose="02020603050405020304" pitchFamily="18" charset="0"/>
+                          <a:ea typeface="Times New Roman" panose="02020603050405020304" pitchFamily="18" charset="0"/>
+                        </a:rPr>
+                        <a:t>Cumpriu seu objetivo de desenvolver um simulador de ecossistemas para dispositivos móveis</a:t>
+                      </a:r>
+                    </a:p>
+                  </a:txBody>
+                  <a:tcPr marL="68580" marR="68580" marT="0" marB="0">
+                    <a:lnL>
+                      <a:noFill/>
+                    </a:lnL>
+                    <a:lnR w="12700" cap="flat" cmpd="sng" algn="ctr">
+                      <a:solidFill>
+                        <a:srgbClr val="000000"/>
+                      </a:solidFill>
+                      <a:prstDash val="solid"/>
+                      <a:round/>
+                      <a:headEnd type="none" w="med" len="med"/>
+                      <a:tailEnd type="none" w="med" len="med"/>
+                    </a:lnR>
+                    <a:lnT w="12700" cap="flat" cmpd="sng" algn="ctr">
+                      <a:solidFill>
+                        <a:srgbClr val="000000"/>
+                      </a:solidFill>
+                      <a:prstDash val="solid"/>
+                      <a:round/>
+                      <a:headEnd type="none" w="med" len="med"/>
+                      <a:tailEnd type="none" w="med" len="med"/>
+                    </a:lnT>
+                    <a:lnB w="12700" cap="flat" cmpd="sng" algn="ctr">
+                      <a:solidFill>
+                        <a:srgbClr val="000000"/>
+                      </a:solidFill>
+                      <a:prstDash val="solid"/>
+                      <a:round/>
+                      <a:headEnd type="none" w="med" len="med"/>
+                      <a:tailEnd type="none" w="med" len="med"/>
+                    </a:lnB>
+                  </a:tcPr>
+                </a:tc>
+                <a:tc>
+                  <a:txBody>
+                    <a:bodyPr/>
+                    <a:lstStyle/>
+                    <a:p>
+                      <a:pPr algn="ctr">
+                        <a:spcAft>
+                          <a:spcPts val="0"/>
+                        </a:spcAft>
+                      </a:pPr>
+                      <a:r>
+                        <a:rPr lang="pt-BR" sz="1800">
+                          <a:effectLst/>
+                          <a:latin typeface="Times New Roman" panose="02020603050405020304" pitchFamily="18" charset="0"/>
+                          <a:ea typeface="Times New Roman" panose="02020603050405020304" pitchFamily="18" charset="0"/>
+                        </a:rPr>
+                        <a:t>2</a:t>
+                      </a:r>
+                    </a:p>
+                    <a:p>
+                      <a:pPr algn="ctr">
+                        <a:spcAft>
+                          <a:spcPts val="0"/>
+                        </a:spcAft>
+                      </a:pPr>
+                      <a:r>
+                        <a:rPr lang="pt-BR" sz="1800">
+                          <a:effectLst/>
+                          <a:latin typeface="Times New Roman" panose="02020603050405020304" pitchFamily="18" charset="0"/>
+                          <a:ea typeface="Times New Roman" panose="02020603050405020304" pitchFamily="18" charset="0"/>
+                        </a:rPr>
+                        <a:t>4</a:t>
+                      </a:r>
+                    </a:p>
+                    <a:p>
+                      <a:pPr algn="ctr">
+                        <a:spcAft>
+                          <a:spcPts val="0"/>
+                        </a:spcAft>
+                      </a:pPr>
+                      <a:r>
+                        <a:rPr lang="pt-BR" sz="1800">
+                          <a:effectLst/>
+                          <a:latin typeface="Times New Roman" panose="02020603050405020304" pitchFamily="18" charset="0"/>
+                          <a:ea typeface="Times New Roman" panose="02020603050405020304" pitchFamily="18" charset="0"/>
+                        </a:rPr>
+                        <a:t>5</a:t>
+                      </a:r>
+                    </a:p>
+                  </a:txBody>
+                  <a:tcPr marL="68580" marR="68580" marT="0" marB="0">
+                    <a:lnL w="12700" cap="flat" cmpd="sng" algn="ctr">
+                      <a:solidFill>
+                        <a:srgbClr val="000000"/>
+                      </a:solidFill>
+                      <a:prstDash val="solid"/>
+                      <a:round/>
+                      <a:headEnd type="none" w="med" len="med"/>
+                      <a:tailEnd type="none" w="med" len="med"/>
+                    </a:lnL>
+                    <a:lnR w="12700" cap="flat" cmpd="sng" algn="ctr">
+                      <a:solidFill>
+                        <a:srgbClr val="000000"/>
+                      </a:solidFill>
+                      <a:prstDash val="solid"/>
+                      <a:round/>
+                      <a:headEnd type="none" w="med" len="med"/>
+                      <a:tailEnd type="none" w="med" len="med"/>
+                    </a:lnR>
+                    <a:lnT w="12700" cap="flat" cmpd="sng" algn="ctr">
+                      <a:solidFill>
+                        <a:srgbClr val="000000"/>
+                      </a:solidFill>
+                      <a:prstDash val="solid"/>
+                      <a:round/>
+                      <a:headEnd type="none" w="med" len="med"/>
+                      <a:tailEnd type="none" w="med" len="med"/>
+                    </a:lnT>
+                    <a:lnB w="12700" cap="flat" cmpd="sng" algn="ctr">
+                      <a:solidFill>
+                        <a:srgbClr val="000000"/>
+                      </a:solidFill>
+                      <a:prstDash val="solid"/>
+                      <a:round/>
+                      <a:headEnd type="none" w="med" len="med"/>
+                      <a:tailEnd type="none" w="med" len="med"/>
+                    </a:lnB>
+                  </a:tcPr>
+                </a:tc>
+                <a:tc>
+                  <a:txBody>
+                    <a:bodyPr/>
+                    <a:lstStyle/>
+                    <a:p>
+                      <a:pPr algn="ctr">
+                        <a:spcAft>
+                          <a:spcPts val="0"/>
+                        </a:spcAft>
+                      </a:pPr>
+                      <a:r>
+                        <a:rPr lang="pt-BR" sz="1800" dirty="0">
+                          <a:effectLst/>
+                          <a:latin typeface="Times New Roman" panose="02020603050405020304" pitchFamily="18" charset="0"/>
+                          <a:ea typeface="Times New Roman" panose="02020603050405020304" pitchFamily="18" charset="0"/>
+                        </a:rPr>
+                        <a:t>11,1%</a:t>
+                      </a:r>
+                    </a:p>
+                    <a:p>
+                      <a:pPr algn="ctr">
+                        <a:spcAft>
+                          <a:spcPts val="0"/>
+                        </a:spcAft>
+                      </a:pPr>
+                      <a:r>
+                        <a:rPr lang="pt-BR" sz="1800" dirty="0">
+                          <a:effectLst/>
+                          <a:latin typeface="Times New Roman" panose="02020603050405020304" pitchFamily="18" charset="0"/>
+                          <a:ea typeface="Times New Roman" panose="02020603050405020304" pitchFamily="18" charset="0"/>
+                        </a:rPr>
+                        <a:t>11,1%</a:t>
+                      </a:r>
+                    </a:p>
+                    <a:p>
+                      <a:pPr algn="ctr">
+                        <a:spcAft>
+                          <a:spcPts val="0"/>
+                        </a:spcAft>
+                      </a:pPr>
+                      <a:r>
+                        <a:rPr lang="pt-BR" sz="1800" dirty="0">
+                          <a:effectLst/>
+                          <a:latin typeface="Times New Roman" panose="02020603050405020304" pitchFamily="18" charset="0"/>
+                          <a:ea typeface="Times New Roman" panose="02020603050405020304" pitchFamily="18" charset="0"/>
+                        </a:rPr>
+                        <a:t>77,8%</a:t>
+                      </a:r>
+                    </a:p>
+                  </a:txBody>
+                  <a:tcPr marL="68580" marR="68580" marT="0" marB="0">
+                    <a:lnL w="12700" cap="flat" cmpd="sng" algn="ctr">
+                      <a:solidFill>
+                        <a:srgbClr val="000000"/>
+                      </a:solidFill>
+                      <a:prstDash val="solid"/>
+                      <a:round/>
+                      <a:headEnd type="none" w="med" len="med"/>
+                      <a:tailEnd type="none" w="med" len="med"/>
+                    </a:lnL>
+                    <a:lnR>
+                      <a:noFill/>
+                    </a:lnR>
+                    <a:lnT w="12700" cap="flat" cmpd="sng" algn="ctr">
+                      <a:solidFill>
+                        <a:srgbClr val="000000"/>
+                      </a:solidFill>
+                      <a:prstDash val="solid"/>
+                      <a:round/>
+                      <a:headEnd type="none" w="med" len="med"/>
+                      <a:tailEnd type="none" w="med" len="med"/>
+                    </a:lnT>
+                    <a:lnB w="12700" cap="flat" cmpd="sng" algn="ctr">
+                      <a:solidFill>
+                        <a:srgbClr val="000000"/>
+                      </a:solidFill>
+                      <a:prstDash val="solid"/>
+                      <a:round/>
+                      <a:headEnd type="none" w="med" len="med"/>
+                      <a:tailEnd type="none" w="med" len="med"/>
+                    </a:lnB>
+                  </a:tcPr>
+                </a:tc>
+                <a:extLst>
+                  <a:ext uri="{0D108BD9-81ED-4DB2-BD59-A6C34878D82A}">
+                    <a16:rowId xmlns:a16="http://schemas.microsoft.com/office/drawing/2014/main" val="1635320245"/>
+                  </a:ext>
+                </a:extLst>
+              </a:tr>
+            </a:tbl>
+          </a:graphicData>
+        </a:graphic>
+      </p:graphicFrame>
+    </p:spTree>
+    <p:extLst>
+      <p:ext uri="{BB962C8B-B14F-4D97-AF65-F5344CB8AC3E}">
+        <p14:creationId xmlns:p14="http://schemas.microsoft.com/office/powerpoint/2010/main" val="2050482563"/>
+      </p:ext>
+    </p:extLst>
+  </p:cSld>
+  <p:clrMapOvr>
+    <a:masterClrMapping/>
+  </p:clrMapOvr>
+  <p:timing>
+    <p:tnLst>
+      <p:par>
+        <p:cTn id="1" dur="indefinite" restart="never" nodeType="tmRoot"/>
+      </p:par>
+    </p:tnLst>
+  </p:timing>
+</p:sld>
+</file>
+
+<file path=ppt/slides/slide23.xml><?xml version="1.0" encoding="utf-8"?>
+<p:sld xmlns:a="http://schemas.openxmlformats.org/drawingml/2006/main" xmlns:r="http://schemas.openxmlformats.org/officeDocument/2006/relationships" xmlns:p="http://schemas.openxmlformats.org/presentationml/2006/main">
+  <p:cSld>
+    <p:spTree>
+      <p:nvGrpSpPr>
+        <p:cNvPr id="1" name=""/>
+        <p:cNvGrpSpPr/>
+        <p:nvPr/>
+      </p:nvGrpSpPr>
+      <p:grpSpPr>
+        <a:xfrm>
+          <a:off x="0" y="0"/>
+          <a:ext cx="0" cy="0"/>
+          <a:chOff x="0" y="0"/>
+          <a:chExt cx="0" cy="0"/>
+        </a:xfrm>
+      </p:grpSpPr>
+      <p:sp>
+        <p:nvSpPr>
+          <p:cNvPr id="2" name="Título 1"/>
+          <p:cNvSpPr>
+            <a:spLocks noGrp="1"/>
+          </p:cNvSpPr>
+          <p:nvPr>
+            <p:ph type="title"/>
+          </p:nvPr>
+        </p:nvSpPr>
+        <p:spPr/>
+        <p:txBody>
+          <a:bodyPr/>
+          <a:lstStyle/>
+          <a:p>
+            <a:r>
+              <a:rPr lang="pt-BR" dirty="0" smtClean="0"/>
+              <a:t>Conclusões</a:t>
+            </a:r>
+            <a:endParaRPr lang="pt-BR" dirty="0"/>
+          </a:p>
+        </p:txBody>
+      </p:sp>
+      <p:sp>
+        <p:nvSpPr>
+          <p:cNvPr id="3" name="Espaço Reservado para Conteúdo 2"/>
+          <p:cNvSpPr>
+            <a:spLocks noGrp="1"/>
+          </p:cNvSpPr>
+          <p:nvPr>
+            <p:ph idx="1"/>
+          </p:nvPr>
+        </p:nvSpPr>
+        <p:spPr>
+          <a:xfrm>
+            <a:off x="348680" y="1124744"/>
+            <a:ext cx="8795320" cy="4680520"/>
+          </a:xfrm>
+        </p:spPr>
+        <p:txBody>
+          <a:bodyPr>
+            <a:normAutofit/>
+          </a:bodyPr>
+          <a:lstStyle/>
+          <a:p>
+            <a:r>
+              <a:rPr lang="pt-BR" dirty="0"/>
+              <a:t>Ferramentas utilizadas foram adequadas (Unity e Vuforia</a:t>
+            </a:r>
+            <a:r>
+              <a:rPr lang="pt-BR" dirty="0" smtClean="0"/>
+              <a:t>).</a:t>
+            </a:r>
+          </a:p>
+          <a:p>
+            <a:r>
+              <a:rPr lang="pt-BR" dirty="0"/>
+              <a:t>O objetivo de desenvolver um simulador de ecossistemas para dispositivos móveis foi </a:t>
+            </a:r>
+            <a:r>
+              <a:rPr lang="pt-BR" dirty="0" smtClean="0"/>
+              <a:t>atingido.</a:t>
+            </a:r>
+          </a:p>
+          <a:p>
+            <a:r>
+              <a:rPr lang="pt-BR" dirty="0" smtClean="0"/>
+              <a:t>Usuários </a:t>
+            </a:r>
+            <a:r>
+              <a:rPr lang="pt-BR" dirty="0"/>
+              <a:t>mostraram grande </a:t>
+            </a:r>
+            <a:r>
+              <a:rPr lang="pt-BR" dirty="0" smtClean="0"/>
+              <a:t>interesse na manipulação da cena.</a:t>
+            </a:r>
+          </a:p>
+          <a:p>
+            <a:r>
+              <a:rPr lang="pt-BR" dirty="0" smtClean="0"/>
+              <a:t>Uma ferramenta para auxiliar o ensino.</a:t>
+            </a:r>
+            <a:endParaRPr lang="pt-BR" dirty="0"/>
+          </a:p>
+        </p:txBody>
+      </p:sp>
+    </p:spTree>
+    <p:extLst>
+      <p:ext uri="{BB962C8B-B14F-4D97-AF65-F5344CB8AC3E}">
+        <p14:creationId xmlns:p14="http://schemas.microsoft.com/office/powerpoint/2010/main" val="2793539094"/>
+      </p:ext>
+    </p:extLst>
+  </p:cSld>
+  <p:clrMapOvr>
+    <a:masterClrMapping/>
+  </p:clrMapOvr>
+  <p:timing>
+    <p:tnLst>
+      <p:par>
+        <p:cTn id="1" dur="indefinite" restart="never" nodeType="tmRoot"/>
+      </p:par>
+    </p:tnLst>
+  </p:timing>
+</p:sld>
+</file>
+
+<file path=ppt/slides/slide24.xml><?xml version="1.0" encoding="utf-8"?>
+<p:sld xmlns:a="http://schemas.openxmlformats.org/drawingml/2006/main" xmlns:r="http://schemas.openxmlformats.org/officeDocument/2006/relationships" xmlns:p="http://schemas.openxmlformats.org/presentationml/2006/main">
+  <p:cSld>
+    <p:spTree>
+      <p:nvGrpSpPr>
+        <p:cNvPr id="1" name=""/>
+        <p:cNvGrpSpPr/>
+        <p:nvPr/>
+      </p:nvGrpSpPr>
+      <p:grpSpPr>
+        <a:xfrm>
+          <a:off x="0" y="0"/>
+          <a:ext cx="0" cy="0"/>
+          <a:chOff x="0" y="0"/>
+          <a:chExt cx="0" cy="0"/>
+        </a:xfrm>
+      </p:grpSpPr>
+      <p:sp>
+        <p:nvSpPr>
+          <p:cNvPr id="2" name="Título 1"/>
+          <p:cNvSpPr>
+            <a:spLocks noGrp="1"/>
+          </p:cNvSpPr>
+          <p:nvPr>
+            <p:ph type="title"/>
+          </p:nvPr>
+        </p:nvSpPr>
+        <p:spPr/>
+        <p:txBody>
+          <a:bodyPr/>
+          <a:lstStyle/>
+          <a:p>
+            <a:r>
+              <a:rPr lang="pt-BR" dirty="0"/>
+              <a:t>Extensões</a:t>
+            </a:r>
+            <a:endParaRPr lang="pt-BR" dirty="0"/>
+          </a:p>
+        </p:txBody>
+      </p:sp>
+      <p:sp>
+        <p:nvSpPr>
+          <p:cNvPr id="3" name="Espaço Reservado para Conteúdo 2"/>
+          <p:cNvSpPr>
+            <a:spLocks noGrp="1"/>
+          </p:cNvSpPr>
+          <p:nvPr>
+            <p:ph idx="1"/>
+          </p:nvPr>
+        </p:nvSpPr>
+        <p:spPr>
+          <a:xfrm>
+            <a:off x="348680" y="1124744"/>
+            <a:ext cx="8795320" cy="4680520"/>
+          </a:xfrm>
+        </p:spPr>
+        <p:txBody>
+          <a:bodyPr>
+            <a:normAutofit/>
+          </a:bodyPr>
+          <a:lstStyle/>
+          <a:p>
+            <a:r>
+              <a:rPr lang="pt-BR" dirty="0" smtClean="0"/>
+              <a:t>Adicionar </a:t>
+            </a:r>
+            <a:r>
+              <a:rPr lang="pt-BR" dirty="0"/>
+              <a:t>animais na simulação</a:t>
+            </a:r>
+            <a:r>
+              <a:rPr lang="pt-BR" dirty="0" smtClean="0"/>
+              <a:t>.</a:t>
+            </a:r>
+          </a:p>
+          <a:p>
+            <a:r>
+              <a:rPr lang="pt-BR" dirty="0" smtClean="0"/>
+              <a:t>Incrementar </a:t>
+            </a:r>
+            <a:r>
+              <a:rPr lang="pt-BR" dirty="0"/>
+              <a:t>a quantidade de terrenos </a:t>
+            </a:r>
+            <a:r>
+              <a:rPr lang="pt-BR" dirty="0" smtClean="0"/>
+              <a:t>possíveis.</a:t>
+            </a:r>
+          </a:p>
+          <a:p>
+            <a:r>
+              <a:rPr lang="pt-BR" dirty="0" smtClean="0"/>
+              <a:t>Simular </a:t>
+            </a:r>
+            <a:r>
+              <a:rPr lang="pt-BR" dirty="0"/>
+              <a:t>outras características do </a:t>
+            </a:r>
+            <a:r>
+              <a:rPr lang="pt-BR" dirty="0" smtClean="0"/>
+              <a:t>clima.</a:t>
+            </a:r>
+          </a:p>
+          <a:p>
+            <a:r>
+              <a:rPr lang="pt-BR" dirty="0" smtClean="0"/>
+              <a:t>Aumentar </a:t>
+            </a:r>
+            <a:r>
+              <a:rPr lang="pt-BR" dirty="0"/>
+              <a:t>a variedade de plantas na </a:t>
+            </a:r>
+            <a:r>
+              <a:rPr lang="pt-BR" dirty="0" smtClean="0"/>
+              <a:t>simulação.</a:t>
+            </a:r>
+          </a:p>
+          <a:p>
+            <a:r>
+              <a:rPr lang="pt-BR" dirty="0" smtClean="0"/>
+              <a:t>Incluir </a:t>
+            </a:r>
+            <a:r>
+              <a:rPr lang="pt-BR" dirty="0"/>
+              <a:t>novos meios de controle com </a:t>
+            </a:r>
+            <a:r>
+              <a:rPr lang="pt-BR" dirty="0" smtClean="0"/>
+              <a:t>IUT.</a:t>
+            </a:r>
+          </a:p>
+          <a:p>
+            <a:r>
+              <a:rPr lang="pt-BR" dirty="0" smtClean="0"/>
+              <a:t>Implementar </a:t>
+            </a:r>
+            <a:r>
+              <a:rPr lang="pt-BR" dirty="0"/>
+              <a:t>controles para a duração do </a:t>
+            </a:r>
+            <a:r>
+              <a:rPr lang="pt-BR" dirty="0" smtClean="0"/>
+              <a:t>dia.</a:t>
+            </a:r>
+            <a:endParaRPr lang="pt-BR" dirty="0"/>
+          </a:p>
+        </p:txBody>
+      </p:sp>
+    </p:spTree>
+    <p:extLst>
+      <p:ext uri="{BB962C8B-B14F-4D97-AF65-F5344CB8AC3E}">
+        <p14:creationId xmlns:p14="http://schemas.microsoft.com/office/powerpoint/2010/main" val="3015234122"/>
+      </p:ext>
+    </p:extLst>
+  </p:cSld>
+  <p:clrMapOvr>
+    <a:masterClrMapping/>
+  </p:clrMapOvr>
+  <p:timing>
+    <p:tnLst>
+      <p:par>
+        <p:cTn id="1" dur="indefinite" restart="never" nodeType="tmRoot"/>
+      </p:par>
+    </p:tnLst>
+  </p:timing>
+</p:sld>
+</file>
+
+<file path=ppt/slides/slide25.xml><?xml version="1.0" encoding="utf-8"?>
+<p:sld xmlns:a="http://schemas.openxmlformats.org/drawingml/2006/main" xmlns:r="http://schemas.openxmlformats.org/officeDocument/2006/relationships" xmlns:p="http://schemas.openxmlformats.org/presentationml/2006/main">
+  <p:cSld>
+    <p:spTree>
+      <p:nvGrpSpPr>
+        <p:cNvPr id="1" name=""/>
+        <p:cNvGrpSpPr/>
+        <p:nvPr/>
+      </p:nvGrpSpPr>
+      <p:grpSpPr>
+        <a:xfrm>
+          <a:off x="0" y="0"/>
+          <a:ext cx="0" cy="0"/>
+          <a:chOff x="0" y="0"/>
+          <a:chExt cx="0" cy="0"/>
+        </a:xfrm>
+      </p:grpSpPr>
+      <p:sp>
+        <p:nvSpPr>
+          <p:cNvPr id="2" name="Título 1"/>
+          <p:cNvSpPr>
+            <a:spLocks noGrp="1"/>
+          </p:cNvSpPr>
+          <p:nvPr>
+            <p:ph type="ctrTitle"/>
+          </p:nvPr>
+        </p:nvSpPr>
+        <p:spPr>
+          <a:xfrm>
+            <a:off x="395536" y="2204864"/>
+            <a:ext cx="8352928" cy="1470025"/>
+          </a:xfrm>
+        </p:spPr>
+        <p:txBody>
+          <a:bodyPr/>
+          <a:lstStyle/>
+          <a:p>
+            <a:r>
+              <a:rPr lang="pt-BR" dirty="0"/>
+              <a:t>Apresentação Prática</a:t>
+            </a:r>
+          </a:p>
+        </p:txBody>
+      </p:sp>
+    </p:spTree>
+    <p:extLst>
+      <p:ext uri="{BB962C8B-B14F-4D97-AF65-F5344CB8AC3E}">
+        <p14:creationId xmlns:p14="http://schemas.microsoft.com/office/powerpoint/2010/main" val="3799530391"/>
+      </p:ext>
+    </p:extLst>
+  </p:cSld>
+  <p:clrMapOvr>
+    <a:masterClrMapping/>
+  </p:clrMapOvr>
+</p:sld>
+</file>
+
+<file path=ppt/slides/slide26.xml><?xml version="1.0" encoding="utf-8"?>
+<p:sld xmlns:a="http://schemas.openxmlformats.org/drawingml/2006/main" xmlns:r="http://schemas.openxmlformats.org/officeDocument/2006/relationships" xmlns:p="http://schemas.openxmlformats.org/presentationml/2006/main">
+  <p:cSld>
+    <p:spTree>
+      <p:nvGrpSpPr>
+        <p:cNvPr id="1" name=""/>
+        <p:cNvGrpSpPr/>
+        <p:nvPr/>
+      </p:nvGrpSpPr>
+      <p:grpSpPr>
+        <a:xfrm>
+          <a:off x="0" y="0"/>
+          <a:ext cx="0" cy="0"/>
+          <a:chOff x="0" y="0"/>
+          <a:chExt cx="0" cy="0"/>
+        </a:xfrm>
+      </p:grpSpPr>
+      <p:sp>
+        <p:nvSpPr>
+          <p:cNvPr id="2" name="Título 1"/>
+          <p:cNvSpPr>
+            <a:spLocks noGrp="1"/>
+          </p:cNvSpPr>
+          <p:nvPr>
+            <p:ph type="ctrTitle"/>
+          </p:nvPr>
+        </p:nvSpPr>
+        <p:spPr>
+          <a:xfrm>
+            <a:off x="395536" y="1340768"/>
+            <a:ext cx="8352928" cy="1944216"/>
+          </a:xfrm>
+        </p:spPr>
+        <p:txBody>
+          <a:bodyPr/>
+          <a:lstStyle/>
+          <a:p>
+            <a:r>
+              <a:rPr lang="pt-BR" dirty="0" smtClean="0">
+                <a:effectLst/>
+              </a:rPr>
+              <a:t>EcosAR</a:t>
+            </a:r>
+            <a:r>
+              <a:rPr lang="pt-BR" dirty="0">
+                <a:effectLst/>
+              </a:rPr>
+              <a:t> – </a:t>
+            </a:r>
+            <a:r>
+              <a:rPr lang="pt-BR" dirty="0" smtClean="0">
+                <a:effectLst/>
+              </a:rPr>
+              <a:t>Simulador de Ecossistemas Utilizando Realidade Aumentada</a:t>
+            </a:r>
+            <a:r>
+              <a:rPr lang="pt-BR" dirty="0" smtClean="0"/>
+              <a:t> </a:t>
+            </a:r>
+            <a:endParaRPr lang="pt-BR" dirty="0"/>
+          </a:p>
+        </p:txBody>
+      </p:sp>
+      <p:sp>
+        <p:nvSpPr>
+          <p:cNvPr id="3" name="Subtítulo 2"/>
+          <p:cNvSpPr>
+            <a:spLocks noGrp="1"/>
+          </p:cNvSpPr>
+          <p:nvPr>
+            <p:ph type="subTitle" idx="1"/>
+          </p:nvPr>
+        </p:nvSpPr>
+        <p:spPr>
+          <a:xfrm>
+            <a:off x="1259632" y="3645024"/>
+            <a:ext cx="7088832" cy="1584176"/>
+          </a:xfrm>
+        </p:spPr>
+        <p:txBody>
+          <a:bodyPr>
+            <a:noAutofit/>
+          </a:bodyPr>
+          <a:lstStyle/>
+          <a:p>
+            <a:r>
+              <a:rPr lang="pt-BR" sz="2000" dirty="0" smtClean="0"/>
+              <a:t>Aluno: Rodrigo Wernke Pereira</a:t>
+            </a:r>
+            <a:endParaRPr lang="pt-BR" sz="2000" dirty="0"/>
+          </a:p>
+          <a:p>
+            <a:endParaRPr lang="pt-BR" sz="2000" dirty="0"/>
+          </a:p>
+          <a:p>
+            <a:r>
+              <a:rPr lang="pt-BR" sz="2000" dirty="0" smtClean="0"/>
+              <a:t>          Orientadores: Dalton Solano </a:t>
+            </a:r>
+            <a:r>
+              <a:rPr lang="pt-BR" sz="2000" dirty="0"/>
+              <a:t>dos </a:t>
+            </a:r>
+            <a:r>
+              <a:rPr lang="pt-BR" sz="2000" dirty="0" smtClean="0"/>
+              <a:t>Reis</a:t>
+            </a:r>
+          </a:p>
+          <a:p>
+            <a:r>
+              <a:rPr lang="pt-BR" sz="2000" dirty="0" smtClean="0"/>
+              <a:t>		           Roberta Andressa Pereira</a:t>
+            </a:r>
+            <a:endParaRPr lang="pt-BR" sz="2000" dirty="0"/>
+          </a:p>
+        </p:txBody>
+      </p:sp>
+    </p:spTree>
+    <p:extLst>
+      <p:ext uri="{BB962C8B-B14F-4D97-AF65-F5344CB8AC3E}">
+        <p14:creationId xmlns:p14="http://schemas.microsoft.com/office/powerpoint/2010/main" val="2210261753"/>
+      </p:ext>
+    </p:extLst>
+  </p:cSld>
+  <p:clrMapOvr>
+    <a:masterClrMapping/>
+  </p:clrMapOvr>
+  <p:timing>
+    <p:tnLst>
+      <p:par>
+        <p:cTn id="1" dur="indefinite" restart="never" nodeType="tmRoot"/>
+      </p:par>
+    </p:tnLst>
+  </p:timing>
 </p:sld>
 </file>
 
@@ -4743,7 +8081,7 @@
       </p:sp>
       <p:sp>
         <p:nvSpPr>
-          <p:cNvPr id="3" name="Espaço Reservado para Conteúdo 2"/>
+          <p:cNvPr id="8" name="Content Placeholder 2"/>
           <p:cNvSpPr>
             <a:spLocks noGrp="1"/>
           </p:cNvSpPr>
@@ -4751,29 +8089,98 @@
             <p:ph idx="1"/>
           </p:nvPr>
         </p:nvSpPr>
-        <p:spPr/>
+        <p:spPr>
+          <a:xfrm>
+            <a:off x="446374" y="1355197"/>
+            <a:ext cx="8446106" cy="3441956"/>
+          </a:xfrm>
+        </p:spPr>
         <p:txBody>
           <a:bodyPr>
             <a:normAutofit/>
           </a:bodyPr>
           <a:lstStyle/>
           <a:p>
-            <a:r>
-              <a:rPr lang="pt-BR" dirty="0"/>
-              <a:t>(Contextualizar o trabalho – Como ele surgiu? Por que é importante? Qual foi a motivação em desenvolver este trabalho?)</a:t>
-            </a:r>
-          </a:p>
-          <a:p>
-            <a:r>
-              <a:rPr lang="pt-BR" dirty="0"/>
-              <a:t>(Tempo estimado – 1 minuto)</a:t>
-            </a:r>
-          </a:p>
-          <a:p>
-            <a:endParaRPr lang="pt-BR" dirty="0"/>
-          </a:p>
-          <a:p>
-            <a:endParaRPr lang="pt-BR" dirty="0"/>
+            <a:pPr eaLnBrk="1" hangingPunct="1">
+              <a:defRPr/>
+            </a:pPr>
+            <a:r>
+              <a:rPr lang="pt-BR" sz="2800" dirty="0" smtClean="0"/>
+              <a:t>Várias formas de ensinar sobre o meio </a:t>
+            </a:r>
+            <a:r>
+              <a:rPr lang="pt-BR" sz="2800" dirty="0" smtClean="0"/>
+              <a:t>ambiente.</a:t>
+            </a:r>
+            <a:endParaRPr lang="pt-BR" sz="2800" dirty="0" smtClean="0"/>
+          </a:p>
+          <a:p>
+            <a:pPr lvl="1" eaLnBrk="1" hangingPunct="1">
+              <a:defRPr/>
+            </a:pPr>
+            <a:r>
+              <a:rPr lang="pt-BR" sz="2400" dirty="0" smtClean="0"/>
+              <a:t>Como utilizar a tecnologia para o ensino.</a:t>
+            </a:r>
+          </a:p>
+          <a:p>
+            <a:pPr marL="457200" lvl="1" indent="0" eaLnBrk="1" hangingPunct="1">
+              <a:buFontTx/>
+              <a:buNone/>
+              <a:defRPr/>
+            </a:pPr>
+            <a:r>
+              <a:rPr lang="pt-BR" sz="2400" dirty="0" smtClean="0"/>
+              <a:t>	</a:t>
+            </a:r>
+          </a:p>
+          <a:p>
+            <a:pPr marL="457200" lvl="1" indent="0" eaLnBrk="1" hangingPunct="1">
+              <a:buFontTx/>
+              <a:buNone/>
+              <a:defRPr/>
+            </a:pPr>
+            <a:endParaRPr lang="pt-BR" sz="2400" dirty="0" smtClean="0"/>
+          </a:p>
+          <a:p>
+            <a:pPr eaLnBrk="1" hangingPunct="1">
+              <a:buFont typeface="Arial" panose="020B0604020202020204" pitchFamily="34" charset="0"/>
+              <a:buChar char="•"/>
+              <a:defRPr/>
+            </a:pPr>
+            <a:r>
+              <a:rPr lang="pt-BR" sz="2800" dirty="0" smtClean="0"/>
+              <a:t>Realidade aumentada na </a:t>
+            </a:r>
+            <a:r>
+              <a:rPr lang="pt-BR" sz="2800" dirty="0" smtClean="0"/>
+              <a:t>educação.</a:t>
+            </a:r>
+            <a:endParaRPr lang="pt-BR" sz="2800" dirty="0" smtClean="0"/>
+          </a:p>
+          <a:p>
+            <a:pPr lvl="1" eaLnBrk="1" hangingPunct="1">
+              <a:defRPr/>
+            </a:pPr>
+            <a:r>
+              <a:rPr lang="pt-BR" sz="2400" dirty="0" smtClean="0"/>
+              <a:t>Aproxima o mundo real do virtual.</a:t>
+            </a:r>
+          </a:p>
+          <a:p>
+            <a:pPr lvl="1" eaLnBrk="1" hangingPunct="1">
+              <a:defRPr/>
+            </a:pPr>
+            <a:r>
+              <a:rPr lang="pt-BR" sz="2400" dirty="0" smtClean="0"/>
+              <a:t>Engaja o aluno com o estudo.</a:t>
+            </a:r>
+          </a:p>
+          <a:p>
+            <a:pPr lvl="1" eaLnBrk="1" hangingPunct="1">
+              <a:defRPr/>
+            </a:pPr>
+            <a:endParaRPr lang="pt-BR" sz="2400" dirty="0" smtClean="0"/>
           </a:p>
         </p:txBody>
       </p:sp>
@@ -4787,6 +8194,13 @@
   <p:clrMapOvr>
     <a:masterClrMapping/>
   </p:clrMapOvr>
+  <p:timing>
+    <p:tnLst>
+      <p:par>
+        <p:cTn id="1" dur="indefinite" restart="never" nodeType="tmRoot"/>
+      </p:par>
+    </p:tnLst>
+  </p:timing>
 </p:sld>
 </file>
 
@@ -4831,7 +8245,7 @@
       </p:sp>
       <p:sp>
         <p:nvSpPr>
-          <p:cNvPr id="3" name="Espaço Reservado para Conteúdo 2"/>
+          <p:cNvPr id="6" name="Content Placeholder 2"/>
           <p:cNvSpPr>
             <a:spLocks noGrp="1"/>
           </p:cNvSpPr>
@@ -4839,29 +8253,76 @@
             <p:ph idx="1"/>
           </p:nvPr>
         </p:nvSpPr>
-        <p:spPr/>
-        <p:txBody>
-          <a:bodyPr>
-            <a:normAutofit/>
-          </a:bodyPr>
+        <p:spPr>
+          <a:xfrm>
+            <a:off x="457200" y="1600200"/>
+            <a:ext cx="8229600" cy="4525963"/>
+          </a:xfrm>
+        </p:spPr>
+        <p:txBody>
+          <a:bodyPr/>
           <a:lstStyle/>
           <a:p>
-            <a:r>
-              <a:rPr lang="pt-BR" dirty="0"/>
-              <a:t>(Objetivo geral e específicos – cuidado para as letras não ficarem pequenas. Tamanho mínimo recomendado: 18)</a:t>
-            </a:r>
-          </a:p>
-          <a:p>
-            <a:r>
-              <a:rPr lang="pt-BR" dirty="0"/>
-              <a:t>(Tempo estimado – 1 minuto)</a:t>
-            </a:r>
-          </a:p>
-          <a:p>
-            <a:endParaRPr lang="pt-BR" dirty="0"/>
-          </a:p>
-          <a:p>
-            <a:endParaRPr lang="pt-BR" dirty="0"/>
+            <a:pPr eaLnBrk="1" hangingPunct="1"/>
+            <a:r>
+              <a:rPr lang="pt-BR" altLang="pt-BR" sz="2800" dirty="0" smtClean="0"/>
+              <a:t>Desenvolver um simulador de </a:t>
+            </a:r>
+            <a:r>
+              <a:rPr lang="pt-BR" altLang="pt-BR" sz="2800" dirty="0" smtClean="0"/>
+              <a:t>ecossistemas.</a:t>
+            </a:r>
+          </a:p>
+          <a:p>
+            <a:pPr eaLnBrk="1" hangingPunct="1"/>
+            <a:r>
+              <a:rPr lang="pt-BR" altLang="pt-BR" sz="2800" dirty="0" smtClean="0"/>
+              <a:t>Manipular elementos.</a:t>
+            </a:r>
+          </a:p>
+          <a:p>
+            <a:pPr eaLnBrk="1" hangingPunct="1"/>
+            <a:endParaRPr lang="pt-BR" altLang="pt-BR" sz="2800" dirty="0"/>
+          </a:p>
+          <a:p>
+            <a:pPr eaLnBrk="1" hangingPunct="1"/>
+            <a:endParaRPr lang="pt-BR" altLang="pt-BR" sz="2800" dirty="0" smtClean="0"/>
+          </a:p>
+          <a:p>
+            <a:pPr marL="0" indent="0" eaLnBrk="1" hangingPunct="1">
+              <a:buNone/>
+            </a:pPr>
+            <a:r>
+              <a:rPr lang="pt-BR" altLang="pt-BR" sz="2800" dirty="0" smtClean="0"/>
+              <a:t>    Objetivos específicos:</a:t>
+            </a:r>
+            <a:endParaRPr lang="pt-BR" altLang="pt-BR" sz="2800" dirty="0" smtClean="0"/>
+          </a:p>
+          <a:p>
+            <a:pPr lvl="1" eaLnBrk="1" hangingPunct="1"/>
+            <a:r>
+              <a:rPr lang="pt-BR" altLang="pt-BR" sz="2400" dirty="0" smtClean="0"/>
+              <a:t>Simular um ecossistema.</a:t>
+            </a:r>
+          </a:p>
+          <a:p>
+            <a:pPr lvl="1"/>
+            <a:r>
+              <a:rPr lang="pt-BR" altLang="pt-BR" sz="2400" dirty="0"/>
+              <a:t>Usar a interface de usuário tangível para manipular objetos virtuais </a:t>
+            </a:r>
+            <a:r>
+              <a:rPr lang="pt-BR" altLang="pt-BR" sz="2400" dirty="0" smtClean="0"/>
+              <a:t>utilizando </a:t>
+            </a:r>
+            <a:r>
+              <a:rPr lang="pt-BR" altLang="pt-BR" sz="2400" dirty="0"/>
+              <a:t>objetos do mundo real.</a:t>
+            </a:r>
+          </a:p>
+          <a:p>
+            <a:pPr lvl="1" eaLnBrk="1" hangingPunct="1"/>
+            <a:endParaRPr lang="pt-BR" altLang="pt-BR" sz="2400" dirty="0" smtClean="0"/>
           </a:p>
         </p:txBody>
       </p:sp>
@@ -4875,6 +8336,13 @@
   <p:clrMapOvr>
     <a:masterClrMapping/>
   </p:clrMapOvr>
+  <p:timing>
+    <p:tnLst>
+      <p:par>
+        <p:cTn id="1" dur="indefinite" restart="never" nodeType="tmRoot"/>
+      </p:par>
+    </p:tnLst>
+  </p:timing>
 </p:sld>
 </file>
 
@@ -4905,7 +8373,12 @@
             <p:ph type="title"/>
           </p:nvPr>
         </p:nvSpPr>
-        <p:spPr/>
+        <p:spPr>
+          <a:xfrm>
+            <a:off x="443299" y="2610036"/>
+            <a:ext cx="8229600" cy="1143000"/>
+          </a:xfrm>
+        </p:spPr>
         <p:txBody>
           <a:bodyPr/>
           <a:lstStyle/>
@@ -4932,18 +8405,15 @@
           <a:bodyPr/>
           <a:lstStyle/>
           <a:p>
-            <a:r>
-              <a:rPr lang="pt-BR" dirty="0"/>
-              <a:t>(Focar nos conceitos, técnicas e ferramentas mais relevantes para a compreensão do trabalho)</a:t>
-            </a:r>
-          </a:p>
-          <a:p>
-            <a:r>
-              <a:rPr lang="pt-BR" dirty="0"/>
-              <a:t>(Tempo estimado – 3 minutos)</a:t>
-            </a:r>
-          </a:p>
-          <a:p>
+            <a:pPr marL="0" indent="0">
+              <a:buNone/>
+            </a:pPr>
+            <a:endParaRPr lang="pt-BR" dirty="0"/>
+          </a:p>
+          <a:p>
+            <a:pPr marL="0" indent="0">
+              <a:buNone/>
+            </a:pPr>
             <a:endParaRPr lang="pt-BR" dirty="0"/>
           </a:p>
         </p:txBody>
@@ -4958,6 +8428,13 @@
   <p:clrMapOvr>
     <a:masterClrMapping/>
   </p:clrMapOvr>
+  <p:timing>
+    <p:tnLst>
+      <p:par>
+        <p:cTn id="1" dur="indefinite" restart="never" nodeType="tmRoot"/>
+      </p:par>
+    </p:tnLst>
+  </p:timing>
 </p:sld>
 </file>
 
@@ -4980,7 +8457,7 @@
       </p:grpSpPr>
       <p:sp>
         <p:nvSpPr>
-          <p:cNvPr id="2" name="Título 1"/>
+          <p:cNvPr id="2" name="Title 1"/>
           <p:cNvSpPr>
             <a:spLocks noGrp="1"/>
           </p:cNvSpPr>
@@ -4988,59 +8465,82 @@
             <p:ph type="title"/>
           </p:nvPr>
         </p:nvSpPr>
-        <p:spPr/>
+        <p:spPr>
+          <a:xfrm>
+            <a:off x="683568" y="134852"/>
+            <a:ext cx="8229600" cy="1143000"/>
+          </a:xfrm>
+        </p:spPr>
         <p:txBody>
           <a:bodyPr/>
           <a:lstStyle/>
           <a:p>
             <a:r>
-              <a:rPr lang="pt-BR" dirty="0"/>
-              <a:t>Trabalhos Correlatos 1</a:t>
-            </a:r>
-          </a:p>
-        </p:txBody>
-      </p:sp>
-      <p:sp>
-        <p:nvSpPr>
-          <p:cNvPr id="3" name="Espaço Reservado para Conteúdo 2"/>
-          <p:cNvSpPr>
-            <a:spLocks noGrp="1"/>
-          </p:cNvSpPr>
-          <p:nvPr>
-            <p:ph idx="1"/>
-          </p:nvPr>
-        </p:nvSpPr>
-        <p:spPr/>
-        <p:txBody>
-          <a:bodyPr/>
-          <a:lstStyle/>
-          <a:p>
-            <a:r>
-              <a:rPr lang="pt-BR" dirty="0"/>
-              <a:t>(Abordar as características essenciais dos correlatos)</a:t>
-            </a:r>
-          </a:p>
-          <a:p>
-            <a:r>
-              <a:rPr lang="pt-BR" dirty="0"/>
-              <a:t>(Tempo estimado – 2 minutos)</a:t>
-            </a:r>
-          </a:p>
-          <a:p>
+              <a:rPr lang="pt-BR" dirty="0" smtClean="0"/>
+              <a:t>Ecossistemas</a:t>
+            </a:r>
             <a:endParaRPr lang="pt-BR" dirty="0"/>
           </a:p>
         </p:txBody>
       </p:sp>
+      <p:pic>
+        <p:nvPicPr>
+          <p:cNvPr id="4098" name="Picture 2" descr="Image result for ecossistemas"/>
+          <p:cNvPicPr>
+            <a:picLocks noChangeAspect="1" noChangeArrowheads="1"/>
+          </p:cNvPicPr>
+          <p:nvPr/>
+        </p:nvPicPr>
+        <p:blipFill>
+          <a:blip r:embed="rId2">
+            <a:extLst>
+              <a:ext uri="{28A0092B-C50C-407E-A947-70E740481C1C}">
+                <a14:useLocalDpi xmlns:a14="http://schemas.microsoft.com/office/drawing/2010/main" val="0"/>
+              </a:ext>
+            </a:extLst>
+          </a:blip>
+          <a:srcRect/>
+          <a:stretch>
+            <a:fillRect/>
+          </a:stretch>
+        </p:blipFill>
+        <p:spPr bwMode="auto">
+          <a:xfrm>
+            <a:off x="2076835" y="1277852"/>
+            <a:ext cx="5443066" cy="3631587"/>
+          </a:xfrm>
+          <a:prstGeom prst="rect">
+            <a:avLst/>
+          </a:prstGeom>
+          <a:noFill/>
+          <a:extLst>
+            <a:ext uri="{909E8E84-426E-40DD-AFC4-6F175D3DCCD1}">
+              <a14:hiddenFill xmlns:a14="http://schemas.microsoft.com/office/drawing/2010/main">
+                <a:solidFill>
+                  <a:srgbClr val="FFFFFF"/>
+                </a:solidFill>
+              </a14:hiddenFill>
+            </a:ext>
+          </a:extLst>
+        </p:spPr>
+      </p:pic>
     </p:spTree>
     <p:extLst>
       <p:ext uri="{BB962C8B-B14F-4D97-AF65-F5344CB8AC3E}">
-        <p14:creationId xmlns:p14="http://schemas.microsoft.com/office/powerpoint/2010/main" val="1958979546"/>
+        <p14:creationId xmlns:p14="http://schemas.microsoft.com/office/powerpoint/2010/main" val="3190444952"/>
       </p:ext>
     </p:extLst>
   </p:cSld>
   <p:clrMapOvr>
     <a:masterClrMapping/>
   </p:clrMapOvr>
+  <p:timing>
+    <p:tnLst>
+      <p:par>
+        <p:cTn id="1" dur="indefinite" restart="never" nodeType="tmRoot"/>
+      </p:par>
+    </p:tnLst>
+  </p:timing>
 </p:sld>
 </file>
 
@@ -5063,7 +8563,7 @@
       </p:grpSpPr>
       <p:sp>
         <p:nvSpPr>
-          <p:cNvPr id="2" name="Título 1"/>
+          <p:cNvPr id="2" name="Title 1"/>
           <p:cNvSpPr>
             <a:spLocks noGrp="1"/>
           </p:cNvSpPr>
@@ -5077,53 +8577,71 @@
           <a:lstStyle/>
           <a:p>
             <a:r>
-              <a:rPr lang="pt-BR" dirty="0"/>
-              <a:t>Trabalhos Correlatos 2</a:t>
-            </a:r>
-          </a:p>
-        </p:txBody>
-      </p:sp>
-      <p:sp>
-        <p:nvSpPr>
-          <p:cNvPr id="3" name="Espaço Reservado para Conteúdo 2"/>
-          <p:cNvSpPr>
-            <a:spLocks noGrp="1"/>
-          </p:cNvSpPr>
-          <p:nvPr>
-            <p:ph idx="1"/>
-          </p:nvPr>
-        </p:nvSpPr>
-        <p:spPr/>
-        <p:txBody>
-          <a:bodyPr/>
-          <a:lstStyle/>
-          <a:p>
-            <a:r>
-              <a:rPr lang="pt-BR" dirty="0"/>
-              <a:t>(Abordar as características essenciais dos correlatos)</a:t>
-            </a:r>
-          </a:p>
-          <a:p>
-            <a:r>
-              <a:rPr lang="pt-BR" dirty="0"/>
-              <a:t>(Tempo estimado – 2 minutos)</a:t>
-            </a:r>
-          </a:p>
-          <a:p>
+              <a:rPr lang="pt-BR" dirty="0" smtClean="0"/>
+              <a:t>Realidade Aumentada</a:t>
+            </a:r>
             <a:endParaRPr lang="pt-BR" dirty="0"/>
           </a:p>
         </p:txBody>
       </p:sp>
+      <p:pic>
+        <p:nvPicPr>
+          <p:cNvPr id="5122" name="Picture 2" descr="Image result for realidade aumentada"/>
+          <p:cNvPicPr>
+            <a:picLocks noChangeAspect="1" noChangeArrowheads="1"/>
+          </p:cNvPicPr>
+          <p:nvPr/>
+        </p:nvPicPr>
+        <p:blipFill>
+          <a:blip r:embed="rId2">
+            <a:extLst>
+              <a:ext uri="{28A0092B-C50C-407E-A947-70E740481C1C}">
+                <a14:useLocalDpi xmlns:a14="http://schemas.microsoft.com/office/drawing/2010/main" val="0"/>
+              </a:ext>
+            </a:extLst>
+          </a:blip>
+          <a:srcRect/>
+          <a:stretch>
+            <a:fillRect/>
+          </a:stretch>
+        </p:blipFill>
+        <p:spPr bwMode="auto">
+          <a:xfrm>
+            <a:off x="897005" y="1844824"/>
+            <a:ext cx="7370678" cy="3240360"/>
+          </a:xfrm>
+          <a:prstGeom prst="rect">
+            <a:avLst/>
+          </a:prstGeom>
+          <a:noFill/>
+          <a:extLst>
+            <a:ext uri="{909E8E84-426E-40DD-AFC4-6F175D3DCCD1}">
+              <a14:hiddenFill xmlns:a14="http://schemas.microsoft.com/office/drawing/2010/main">
+                <a:solidFill>
+                  <a:srgbClr val="FFFFFF"/>
+                </a:solidFill>
+              </a14:hiddenFill>
+            </a:ext>
+          </a:extLst>
+        </p:spPr>
+      </p:pic>
     </p:spTree>
     <p:extLst>
       <p:ext uri="{BB962C8B-B14F-4D97-AF65-F5344CB8AC3E}">
-        <p14:creationId xmlns:p14="http://schemas.microsoft.com/office/powerpoint/2010/main" val="3009681044"/>
+        <p14:creationId xmlns:p14="http://schemas.microsoft.com/office/powerpoint/2010/main" val="2889746367"/>
       </p:ext>
     </p:extLst>
   </p:cSld>
   <p:clrMapOvr>
     <a:masterClrMapping/>
   </p:clrMapOvr>
+  <p:timing>
+    <p:tnLst>
+      <p:par>
+        <p:cTn id="1" dur="indefinite" restart="never" nodeType="tmRoot"/>
+      </p:par>
+    </p:tnLst>
+  </p:timing>
 </p:sld>
 </file>
 
@@ -5146,7 +8664,7 @@
       </p:grpSpPr>
       <p:sp>
         <p:nvSpPr>
-          <p:cNvPr id="2" name="Título 1"/>
+          <p:cNvPr id="2" name="Title 1"/>
           <p:cNvSpPr>
             <a:spLocks noGrp="1"/>
           </p:cNvSpPr>
@@ -5160,53 +8678,71 @@
           <a:lstStyle/>
           <a:p>
             <a:r>
-              <a:rPr lang="pt-BR" dirty="0"/>
-              <a:t>Trabalhos Correlatos 3</a:t>
-            </a:r>
-          </a:p>
-        </p:txBody>
-      </p:sp>
-      <p:sp>
-        <p:nvSpPr>
-          <p:cNvPr id="3" name="Espaço Reservado para Conteúdo 2"/>
-          <p:cNvSpPr>
-            <a:spLocks noGrp="1"/>
-          </p:cNvSpPr>
-          <p:nvPr>
-            <p:ph idx="1"/>
-          </p:nvPr>
-        </p:nvSpPr>
-        <p:spPr/>
-        <p:txBody>
-          <a:bodyPr/>
-          <a:lstStyle/>
-          <a:p>
-            <a:r>
-              <a:rPr lang="pt-BR" dirty="0"/>
-              <a:t>(Abordar as características essenciais dos correlatos)</a:t>
-            </a:r>
-          </a:p>
-          <a:p>
-            <a:r>
-              <a:rPr lang="pt-BR" dirty="0"/>
-              <a:t>(Tempo estimado – 2 minutos)</a:t>
-            </a:r>
-          </a:p>
-          <a:p>
+              <a:rPr lang="pt-BR" dirty="0" smtClean="0"/>
+              <a:t>Animação Comportamental</a:t>
+            </a:r>
             <a:endParaRPr lang="pt-BR" dirty="0"/>
           </a:p>
         </p:txBody>
       </p:sp>
+      <p:pic>
+        <p:nvPicPr>
+          <p:cNvPr id="6150" name="Picture 6" descr="https://github.com/rodrigowernke/TCC/raw/master/EcosAR-Gif.gif"/>
+          <p:cNvPicPr>
+            <a:picLocks noChangeAspect="1" noChangeArrowheads="1" noCrop="1"/>
+          </p:cNvPicPr>
+          <p:nvPr/>
+        </p:nvPicPr>
+        <p:blipFill>
+          <a:blip r:embed="rId2">
+            <a:extLst>
+              <a:ext uri="{28A0092B-C50C-407E-A947-70E740481C1C}">
+                <a14:useLocalDpi xmlns:a14="http://schemas.microsoft.com/office/drawing/2010/main" val="0"/>
+              </a:ext>
+            </a:extLst>
+          </a:blip>
+          <a:srcRect/>
+          <a:stretch>
+            <a:fillRect/>
+          </a:stretch>
+        </p:blipFill>
+        <p:spPr bwMode="auto">
+          <a:xfrm>
+            <a:off x="1574011" y="1772816"/>
+            <a:ext cx="6016666" cy="3384376"/>
+          </a:xfrm>
+          <a:prstGeom prst="rect">
+            <a:avLst/>
+          </a:prstGeom>
+          <a:noFill/>
+          <a:extLst>
+            <a:ext uri="{909E8E84-426E-40DD-AFC4-6F175D3DCCD1}">
+              <a14:hiddenFill xmlns:a14="http://schemas.microsoft.com/office/drawing/2010/main">
+                <a:solidFill>
+                  <a:srgbClr val="FFFFFF"/>
+                </a:solidFill>
+              </a14:hiddenFill>
+            </a:ext>
+          </a:extLst>
+        </p:spPr>
+      </p:pic>
     </p:spTree>
     <p:extLst>
       <p:ext uri="{BB962C8B-B14F-4D97-AF65-F5344CB8AC3E}">
-        <p14:creationId xmlns:p14="http://schemas.microsoft.com/office/powerpoint/2010/main" val="261013987"/>
+        <p14:creationId xmlns:p14="http://schemas.microsoft.com/office/powerpoint/2010/main" val="3675173168"/>
       </p:ext>
     </p:extLst>
   </p:cSld>
   <p:clrMapOvr>
     <a:masterClrMapping/>
   </p:clrMapOvr>
+  <p:timing>
+    <p:tnLst>
+      <p:par>
+        <p:cTn id="1" dur="indefinite" restart="never" nodeType="tmRoot"/>
+      </p:par>
+    </p:tnLst>
+  </p:timing>
 </p:sld>
 </file>
 
@@ -5237,63 +8773,89 @@
             <p:ph type="title"/>
           </p:nvPr>
         </p:nvSpPr>
-        <p:spPr/>
+        <p:spPr>
+          <a:xfrm>
+            <a:off x="395536" y="476672"/>
+            <a:ext cx="8229600" cy="1872208"/>
+          </a:xfrm>
+        </p:spPr>
         <p:txBody>
           <a:bodyPr/>
           <a:lstStyle/>
           <a:p>
             <a:r>
-              <a:rPr lang="pt-BR" dirty="0"/>
-              <a:t>Trabalhos Atual</a:t>
-            </a:r>
-            <a:r>
-              <a:rPr lang="pt-BR" sz="2000" dirty="0"/>
-              <a:t> (se for o caso)</a:t>
-            </a:r>
-          </a:p>
-        </p:txBody>
-      </p:sp>
-      <p:sp>
-        <p:nvSpPr>
-          <p:cNvPr id="3" name="Espaço Reservado para Conteúdo 2"/>
-          <p:cNvSpPr>
-            <a:spLocks noGrp="1"/>
-          </p:cNvSpPr>
-          <p:nvPr>
-            <p:ph idx="1"/>
-          </p:nvPr>
-        </p:nvSpPr>
-        <p:spPr/>
-        <p:txBody>
-          <a:bodyPr/>
-          <a:lstStyle/>
-          <a:p>
-            <a:r>
-              <a:rPr lang="pt-BR" dirty="0"/>
-              <a:t>(Abordar as características essenciais dos correlatos)</a:t>
-            </a:r>
-          </a:p>
-          <a:p>
-            <a:r>
-              <a:rPr lang="pt-BR" dirty="0"/>
-              <a:t>(Tempo estimado – 2 minutos)</a:t>
-            </a:r>
-          </a:p>
-          <a:p>
-            <a:endParaRPr lang="pt-BR" dirty="0"/>
-          </a:p>
-        </p:txBody>
-      </p:sp>
+              <a:rPr lang="pt-BR" sz="2800" dirty="0"/>
+              <a:t>Animar: Desenvolvimento de uma Ferramenta para Criação de Animações com Realidade Aumentada e Interface Tangível </a:t>
+            </a:r>
+            <a:endParaRPr lang="pt-BR" sz="2800" dirty="0"/>
+          </a:p>
+        </p:txBody>
+      </p:sp>
+      <p:pic>
+        <p:nvPicPr>
+          <p:cNvPr id="6" name="Picture 5"/>
+          <p:cNvPicPr>
+            <a:picLocks noChangeAspect="1"/>
+          </p:cNvPicPr>
+          <p:nvPr/>
+        </p:nvPicPr>
+        <p:blipFill>
+          <a:blip r:embed="rId2"/>
+          <a:stretch>
+            <a:fillRect/>
+          </a:stretch>
+        </p:blipFill>
+        <p:spPr>
+          <a:xfrm>
+            <a:off x="1475656" y="2891118"/>
+            <a:ext cx="1797621" cy="2562894"/>
+          </a:xfrm>
+          <a:prstGeom prst="rect">
+            <a:avLst/>
+          </a:prstGeom>
+        </p:spPr>
+      </p:pic>
+      <p:pic>
+        <p:nvPicPr>
+          <p:cNvPr id="7" name="Picture 6"/>
+          <p:cNvPicPr>
+            <a:picLocks noChangeAspect="1"/>
+          </p:cNvPicPr>
+          <p:nvPr/>
+        </p:nvPicPr>
+        <p:blipFill>
+          <a:blip r:embed="rId3"/>
+          <a:stretch>
+            <a:fillRect/>
+          </a:stretch>
+        </p:blipFill>
+        <p:spPr>
+          <a:xfrm>
+            <a:off x="4860032" y="2911951"/>
+            <a:ext cx="3235677" cy="2615303"/>
+          </a:xfrm>
+          <a:prstGeom prst="rect">
+            <a:avLst/>
+          </a:prstGeom>
+        </p:spPr>
+      </p:pic>
     </p:spTree>
     <p:extLst>
       <p:ext uri="{BB962C8B-B14F-4D97-AF65-F5344CB8AC3E}">
-        <p14:creationId xmlns:p14="http://schemas.microsoft.com/office/powerpoint/2010/main" val="398994047"/>
+        <p14:creationId xmlns:p14="http://schemas.microsoft.com/office/powerpoint/2010/main" val="1958979546"/>
       </p:ext>
     </p:extLst>
   </p:cSld>
   <p:clrMapOvr>
     <a:masterClrMapping/>
   </p:clrMapOvr>
+  <p:timing>
+    <p:tnLst>
+      <p:par>
+        <p:cTn id="1" dur="indefinite" restart="never" nodeType="tmRoot"/>
+      </p:par>
+    </p:tnLst>
+  </p:timing>
 </p:sld>
 </file>
 

--- a/Apresentação/EcosAR.pptx
+++ b/Apresentação/EcosAR.pptx
@@ -291,7 +291,7 @@
           <a:p>
             <a:fld id="{1AE0DBA0-2A5E-934F-AFB6-CE0A428C4F0C}" type="datetimeFigureOut">
               <a:rPr lang="en-US" smtClean="0"/>
-              <a:t>7/5/2019</a:t>
+              <a:t>7/6/2019</a:t>
             </a:fld>
             <a:endParaRPr lang="en-US"/>
           </a:p>
@@ -512,7 +512,7 @@
           <a:p>
             <a:fld id="{3F2BE2F7-640C-064B-9A80-C6E726BCF742}" type="datetimeFigureOut">
               <a:rPr lang="en-US" smtClean="0"/>
-              <a:t>7/5/2019</a:t>
+              <a:t>7/6/2019</a:t>
             </a:fld>
             <a:endParaRPr lang="en-US"/>
           </a:p>
@@ -4288,7 +4288,7 @@
         </p:blipFill>
         <p:spPr bwMode="auto">
           <a:xfrm>
-            <a:off x="1259632" y="2420888"/>
+            <a:off x="1043608" y="1844824"/>
             <a:ext cx="3158330" cy="2736304"/>
           </a:xfrm>
           <a:prstGeom prst="rect">
@@ -4368,8 +4368,8 @@
         </p:blipFill>
         <p:spPr bwMode="auto">
           <a:xfrm>
-            <a:off x="4582345" y="2420888"/>
-            <a:ext cx="3302024" cy="2679241"/>
+            <a:off x="4767179" y="1844824"/>
+            <a:ext cx="3372351" cy="2736304"/>
           </a:xfrm>
           <a:prstGeom prst="rect">
             <a:avLst/>
@@ -8382,19 +8382,29 @@
           <a:p>
             <a:pPr lvl="1" eaLnBrk="1" hangingPunct="1"/>
             <a:r>
-              <a:rPr lang="pt-BR" altLang="pt-BR" sz="2400" dirty="0"/>
-              <a:t>Simular um ecossistema.</a:t>
-            </a:r>
+              <a:rPr lang="pt-BR" sz="2400" dirty="0" smtClean="0"/>
+              <a:t>Disponibilizar </a:t>
+            </a:r>
+            <a:r>
+              <a:rPr lang="pt-BR" sz="2400" dirty="0"/>
+              <a:t>um aplicativo que seja capaz de simular um ecossistema</a:t>
+            </a:r>
+            <a:r>
+              <a:rPr lang="pt-BR" altLang="pt-BR" sz="2400" dirty="0" smtClean="0"/>
+              <a:t>.</a:t>
+            </a:r>
+            <a:endParaRPr lang="pt-BR" altLang="pt-BR" sz="2400" dirty="0"/>
           </a:p>
           <a:p>
             <a:pPr lvl="1"/>
             <a:r>
-              <a:rPr lang="pt-BR" altLang="pt-BR" sz="2400" dirty="0"/>
-              <a:t>Usar a interface de usuário tangível para manipular objetos virtuais utilizando objetos do mundo real.</a:t>
-            </a:r>
-          </a:p>
-          <a:p>
-            <a:pPr lvl="1" eaLnBrk="1" hangingPunct="1"/>
+              <a:rPr lang="pt-BR" sz="2400" dirty="0" smtClean="0"/>
+              <a:t>Permitir </a:t>
+            </a:r>
+            <a:r>
+              <a:rPr lang="pt-BR" sz="2400" dirty="0"/>
+              <a:t>o controle da simulação com algum meio de interface tangível.</a:t>
+            </a:r>
             <a:endParaRPr lang="pt-BR" altLang="pt-BR" sz="2400" dirty="0"/>
           </a:p>
         </p:txBody>
@@ -8578,7 +8588,7 @@
         </p:blipFill>
         <p:spPr bwMode="auto">
           <a:xfrm>
-            <a:off x="3563888" y="2780928"/>
+            <a:off x="4139952" y="2564904"/>
             <a:ext cx="4255875" cy="2839499"/>
           </a:xfrm>
           <a:prstGeom prst="rect">
@@ -8604,8 +8614,8 @@
         </p:nvSpPr>
         <p:spPr>
           <a:xfrm>
-            <a:off x="1403648" y="1340768"/>
-            <a:ext cx="5832648" cy="3385542"/>
+            <a:off x="251520" y="1340768"/>
+            <a:ext cx="8280920" cy="3385542"/>
           </a:xfrm>
           <a:prstGeom prst="rect">
             <a:avLst/>
@@ -8643,7 +8653,18 @@
             </a:endParaRPr>
           </a:p>
           <a:p>
-            <a:pPr marL="285750" indent="-285750">
+            <a:r>
+              <a:rPr lang="pt-BR" sz="2800" dirty="0" smtClean="0">
+                <a:latin typeface="+mn-lt"/>
+              </a:rPr>
+              <a:t>Componentes Básicos:</a:t>
+            </a:r>
+            <a:endParaRPr lang="pt-BR" sz="2800" dirty="0">
+              <a:latin typeface="+mn-lt"/>
+            </a:endParaRPr>
+          </a:p>
+          <a:p>
+            <a:pPr marL="457200" indent="-457200">
               <a:buFont typeface="Arial" panose="020B0604020202020204" pitchFamily="34" charset="0"/>
               <a:buChar char="•"/>
             </a:pPr>
@@ -8653,9 +8674,12 @@
               </a:rPr>
               <a:t>Biótico</a:t>
             </a:r>
-          </a:p>
-          <a:p>
-            <a:pPr marL="285750" indent="-285750">
+            <a:endParaRPr lang="pt-BR" sz="2800" dirty="0">
+              <a:latin typeface="+mn-lt"/>
+            </a:endParaRPr>
+          </a:p>
+          <a:p>
+            <a:pPr marL="457200" indent="-457200">
               <a:buFont typeface="Arial" panose="020B0604020202020204" pitchFamily="34" charset="0"/>
               <a:buChar char="•"/>
             </a:pPr>
@@ -8665,6 +8689,9 @@
               </a:rPr>
               <a:t>Abiótico</a:t>
             </a:r>
+            <a:endParaRPr lang="pt-BR" sz="2800" dirty="0" smtClean="0">
+              <a:latin typeface="+mn-lt"/>
+            </a:endParaRPr>
           </a:p>
           <a:p>
             <a:endParaRPr lang="pt-BR" dirty="0">

--- a/Apresentação/EcosAR.pptx
+++ b/Apresentação/EcosAR.pptx
@@ -369,7 +369,7 @@
           <a:p>
             <a:fld id="{FB8EF20B-5F7D-364B-8658-1A6A1914C3F8}" type="slidenum">
               <a:rPr lang="en-US" smtClean="0"/>
-              <a:t>‹#›</a:t>
+              <a:t>‹nº›</a:t>
             </a:fld>
             <a:endParaRPr lang="en-US"/>
           </a:p>
@@ -670,7 +670,7 @@
           <a:p>
             <a:fld id="{691B8179-957A-0D41-B147-BE7F3D78F1C4}" type="slidenum">
               <a:rPr lang="en-US" smtClean="0"/>
-              <a:t>‹#›</a:t>
+              <a:t>‹nº›</a:t>
             </a:fld>
             <a:endParaRPr lang="en-US"/>
           </a:p>
@@ -1037,7 +1037,7 @@
             <a:fld id="{83751E00-8267-4604-A477-06D690F3831A}" type="slidenum">
               <a:rPr lang="pt-BR" smtClean="0"/>
               <a:pPr/>
-              <a:t>‹#›</a:t>
+              <a:t>‹nº›</a:t>
             </a:fld>
             <a:endParaRPr lang="pt-BR" dirty="0"/>
           </a:p>
@@ -1209,7 +1209,7 @@
             <a:fld id="{3DBB5B2E-7B09-42BA-B78A-718198AF4022}" type="slidenum">
               <a:rPr lang="pt-BR"/>
               <a:pPr/>
-              <a:t>‹#›</a:t>
+              <a:t>‹nº›</a:t>
             </a:fld>
             <a:endParaRPr lang="pt-BR"/>
           </a:p>
@@ -1391,7 +1391,7 @@
             <a:fld id="{A3A41635-D202-4D10-8FA9-DA258B96F66E}" type="slidenum">
               <a:rPr lang="pt-BR"/>
               <a:pPr/>
-              <a:t>‹#›</a:t>
+              <a:t>‹nº›</a:t>
             </a:fld>
             <a:endParaRPr lang="pt-BR"/>
           </a:p>
@@ -1585,7 +1585,7 @@
             <a:fld id="{6568E297-6CBE-4718-A55E-559A2615A1B7}" type="slidenum">
               <a:rPr lang="pt-BR"/>
               <a:pPr/>
-              <a:t>‹#›</a:t>
+              <a:t>‹nº›</a:t>
             </a:fld>
             <a:endParaRPr lang="pt-BR"/>
           </a:p>
@@ -1780,7 +1780,7 @@
             <a:fld id="{E556A142-61B5-4E3D-90E3-37CCCA5B8200}" type="slidenum">
               <a:rPr lang="pt-BR"/>
               <a:pPr/>
-              <a:t>‹#›</a:t>
+              <a:t>‹nº›</a:t>
             </a:fld>
             <a:endParaRPr lang="pt-BR"/>
           </a:p>
@@ -2069,7 +2069,7 @@
             <a:fld id="{8446EF70-771F-4125-BD92-2CF85D34D26F}" type="slidenum">
               <a:rPr lang="pt-BR"/>
               <a:pPr/>
-              <a:t>‹#›</a:t>
+              <a:t>‹nº›</a:t>
             </a:fld>
             <a:endParaRPr lang="pt-BR"/>
           </a:p>
@@ -2492,7 +2492,7 @@
             <a:fld id="{93E55F65-09CC-47BE-B43C-09A283D2E9B2}" type="slidenum">
               <a:rPr lang="pt-BR"/>
               <a:pPr/>
-              <a:t>‹#›</a:t>
+              <a:t>‹nº›</a:t>
             </a:fld>
             <a:endParaRPr lang="pt-BR"/>
           </a:p>
@@ -2613,7 +2613,7 @@
             <a:fld id="{6802316F-EB17-4252-8A8C-611AED72FBAB}" type="slidenum">
               <a:rPr lang="pt-BR"/>
               <a:pPr/>
-              <a:t>‹#›</a:t>
+              <a:t>‹nº›</a:t>
             </a:fld>
             <a:endParaRPr lang="pt-BR"/>
           </a:p>
@@ -2712,7 +2712,7 @@
             <a:fld id="{FFB138E0-A9D7-4867-995F-585EB895710D}" type="slidenum">
               <a:rPr lang="pt-BR"/>
               <a:pPr/>
-              <a:t>‹#›</a:t>
+              <a:t>‹nº›</a:t>
             </a:fld>
             <a:endParaRPr lang="pt-BR"/>
           </a:p>
@@ -2991,7 +2991,7 @@
             <a:fld id="{43CF3198-B843-4265-ABF0-65946D3BF37C}" type="slidenum">
               <a:rPr lang="pt-BR"/>
               <a:pPr/>
-              <a:t>‹#›</a:t>
+              <a:t>‹nº›</a:t>
             </a:fld>
             <a:endParaRPr lang="pt-BR"/>
           </a:p>
@@ -3247,7 +3247,7 @@
             <a:fld id="{1F0879FC-8726-479C-A2CE-57C987F54908}" type="slidenum">
               <a:rPr lang="pt-BR"/>
               <a:pPr/>
-              <a:t>‹#›</a:t>
+              <a:t>‹nº›</a:t>
             </a:fld>
             <a:endParaRPr lang="pt-BR"/>
           </a:p>
@@ -3563,7 +3563,7 @@
             <a:fld id="{38F5D6D9-064D-480F-AE44-1D22C9D85F98}" type="slidenum">
               <a:rPr lang="pt-BR"/>
               <a:pPr/>
-              <a:t>‹#›</a:t>
+              <a:t>‹nº›</a:t>
             </a:fld>
             <a:endParaRPr lang="pt-BR"/>
           </a:p>
@@ -4104,13 +4104,6 @@
   <p:clrMapOvr>
     <a:masterClrMapping/>
   </p:clrMapOvr>
-  <p:timing>
-    <p:tnLst>
-      <p:par>
-        <p:cTn id="1" dur="indefinite" restart="never" nodeType="tmRoot"/>
-      </p:par>
-    </p:tnLst>
-  </p:timing>
 </p:sld>
 </file>
 
@@ -4174,7 +4167,7 @@
         </p:blipFill>
         <p:spPr>
           <a:xfrm>
-            <a:off x="827584" y="2924944"/>
+            <a:off x="4572000" y="4069234"/>
             <a:ext cx="3301817" cy="1618109"/>
           </a:xfrm>
           <a:prstGeom prst="rect">
@@ -4198,14 +4191,557 @@
         </p:blipFill>
         <p:spPr>
           <a:xfrm>
-            <a:off x="4355976" y="2924944"/>
-            <a:ext cx="3960490" cy="1796889"/>
+            <a:off x="4510336" y="2269799"/>
+            <a:ext cx="3538993" cy="1605654"/>
           </a:xfrm>
           <a:prstGeom prst="rect">
             <a:avLst/>
           </a:prstGeom>
         </p:spPr>
       </p:pic>
+      <p:graphicFrame>
+        <p:nvGraphicFramePr>
+          <p:cNvPr id="4" name="Tabela 3">
+            <a:extLst>
+              <a:ext uri="{FF2B5EF4-FFF2-40B4-BE49-F238E27FC236}">
+                <a16:creationId xmlns:a16="http://schemas.microsoft.com/office/drawing/2014/main" id="{E66A2D45-CC8E-4813-B4CC-D6E4141E2A7B}"/>
+              </a:ext>
+            </a:extLst>
+          </p:cNvPr>
+          <p:cNvGraphicFramePr>
+            <a:graphicFrameLocks noGrp="1"/>
+          </p:cNvGraphicFramePr>
+          <p:nvPr>
+            <p:extLst>
+              <p:ext uri="{D42A27DB-BD31-4B8C-83A1-F6EECF244321}">
+                <p14:modId xmlns:p14="http://schemas.microsoft.com/office/powerpoint/2010/main" val="2315390216"/>
+              </p:ext>
+            </p:extLst>
+          </p:nvPr>
+        </p:nvGraphicFramePr>
+        <p:xfrm>
+          <a:off x="539552" y="2184942"/>
+          <a:ext cx="3538993" cy="3237897"/>
+        </p:xfrm>
+        <a:graphic>
+          <a:graphicData uri="http://schemas.openxmlformats.org/drawingml/2006/table">
+            <a:tbl>
+              <a:tblPr firstRow="1" firstCol="1" bandRow="1"/>
+              <a:tblGrid>
+                <a:gridCol w="3538993">
+                  <a:extLst>
+                    <a:ext uri="{9D8B030D-6E8A-4147-A177-3AD203B41FA5}">
+                      <a16:colId xmlns:a16="http://schemas.microsoft.com/office/drawing/2014/main" val="3404702805"/>
+                    </a:ext>
+                  </a:extLst>
+                </a:gridCol>
+              </a:tblGrid>
+              <a:tr h="351201">
+                <a:tc>
+                  <a:txBody>
+                    <a:bodyPr/>
+                    <a:lstStyle/>
+                    <a:p>
+                      <a:pPr algn="ctr">
+                        <a:lnSpc>
+                          <a:spcPct val="107000"/>
+                        </a:lnSpc>
+                        <a:spcAft>
+                          <a:spcPts val="0"/>
+                        </a:spcAft>
+                      </a:pPr>
+                      <a:r>
+                        <a:rPr lang="pt-BR" sz="1600" b="1" dirty="0">
+                          <a:solidFill>
+                            <a:srgbClr val="222222"/>
+                          </a:solidFill>
+                          <a:effectLst/>
+                          <a:latin typeface="+mn-lt"/>
+                          <a:ea typeface="Calibri" panose="020F0502020204030204" pitchFamily="34" charset="0"/>
+                          <a:cs typeface="Arial" panose="020B0604020202020204" pitchFamily="34" charset="0"/>
+                        </a:rPr>
+                        <a:t>Características</a:t>
+                      </a:r>
+                      <a:endParaRPr lang="pt-BR" sz="1600" dirty="0">
+                        <a:effectLst/>
+                        <a:latin typeface="+mn-lt"/>
+                        <a:ea typeface="Calibri" panose="020F0502020204030204" pitchFamily="34" charset="0"/>
+                        <a:cs typeface="Arial" panose="020B0604020202020204" pitchFamily="34" charset="0"/>
+                      </a:endParaRPr>
+                    </a:p>
+                  </a:txBody>
+                  <a:tcPr marL="68580" marR="68580" marT="0" marB="0">
+                    <a:lnL w="12700" cap="flat" cmpd="sng" algn="ctr">
+                      <a:solidFill>
+                        <a:srgbClr val="000000"/>
+                      </a:solidFill>
+                      <a:prstDash val="solid"/>
+                      <a:round/>
+                      <a:headEnd type="none" w="med" len="med"/>
+                      <a:tailEnd type="none" w="med" len="med"/>
+                    </a:lnL>
+                    <a:lnR w="12700" cap="flat" cmpd="sng" algn="ctr">
+                      <a:solidFill>
+                        <a:srgbClr val="000000"/>
+                      </a:solidFill>
+                      <a:prstDash val="solid"/>
+                      <a:round/>
+                      <a:headEnd type="none" w="med" len="med"/>
+                      <a:tailEnd type="none" w="med" len="med"/>
+                    </a:lnR>
+                    <a:lnT w="12700" cap="flat" cmpd="sng" algn="ctr">
+                      <a:solidFill>
+                        <a:srgbClr val="000000"/>
+                      </a:solidFill>
+                      <a:prstDash val="solid"/>
+                      <a:round/>
+                      <a:headEnd type="none" w="med" len="med"/>
+                      <a:tailEnd type="none" w="med" len="med"/>
+                    </a:lnT>
+                    <a:lnB w="12700" cap="flat" cmpd="sng" algn="ctr">
+                      <a:solidFill>
+                        <a:srgbClr val="000000"/>
+                      </a:solidFill>
+                      <a:prstDash val="solid"/>
+                      <a:round/>
+                      <a:headEnd type="none" w="med" len="med"/>
+                      <a:tailEnd type="none" w="med" len="med"/>
+                    </a:lnB>
+                  </a:tcPr>
+                </a:tc>
+                <a:extLst>
+                  <a:ext uri="{0D108BD9-81ED-4DB2-BD59-A6C34878D82A}">
+                    <a16:rowId xmlns:a16="http://schemas.microsoft.com/office/drawing/2014/main" val="3670042986"/>
+                  </a:ext>
+                </a:extLst>
+              </a:tr>
+              <a:tr h="353425">
+                <a:tc>
+                  <a:txBody>
+                    <a:bodyPr/>
+                    <a:lstStyle/>
+                    <a:p>
+                      <a:pPr>
+                        <a:lnSpc>
+                          <a:spcPct val="107000"/>
+                        </a:lnSpc>
+                        <a:spcAft>
+                          <a:spcPts val="0"/>
+                        </a:spcAft>
+                      </a:pPr>
+                      <a:r>
+                        <a:rPr lang="pt-BR" sz="1600" dirty="0">
+                          <a:effectLst/>
+                          <a:latin typeface="+mn-lt"/>
+                          <a:ea typeface="Calibri" panose="020F0502020204030204" pitchFamily="34" charset="0"/>
+                          <a:cs typeface="Arial" panose="020B0604020202020204" pitchFamily="34" charset="0"/>
+                        </a:rPr>
+                        <a:t>Utiliza o elemento </a:t>
+                      </a:r>
+                      <a:r>
+                        <a:rPr lang="pt-BR" sz="1600" dirty="0" err="1">
+                          <a:effectLst/>
+                          <a:latin typeface="+mn-lt"/>
+                          <a:ea typeface="Calibri" panose="020F0502020204030204" pitchFamily="34" charset="0"/>
+                          <a:cs typeface="Arial" panose="020B0604020202020204" pitchFamily="34" charset="0"/>
+                        </a:rPr>
+                        <a:t>canvas</a:t>
+                      </a:r>
+                      <a:r>
+                        <a:rPr lang="pt-BR" sz="1600" dirty="0">
+                          <a:effectLst/>
+                          <a:latin typeface="+mn-lt"/>
+                          <a:ea typeface="Calibri" panose="020F0502020204030204" pitchFamily="34" charset="0"/>
+                          <a:cs typeface="Arial" panose="020B0604020202020204" pitchFamily="34" charset="0"/>
+                        </a:rPr>
+                        <a:t> do HTML5.</a:t>
+                      </a:r>
+                    </a:p>
+                  </a:txBody>
+                  <a:tcPr marL="68580" marR="68580" marT="0" marB="0">
+                    <a:lnL w="12700" cap="flat" cmpd="sng" algn="ctr">
+                      <a:solidFill>
+                        <a:srgbClr val="000000"/>
+                      </a:solidFill>
+                      <a:prstDash val="solid"/>
+                      <a:round/>
+                      <a:headEnd type="none" w="med" len="med"/>
+                      <a:tailEnd type="none" w="med" len="med"/>
+                    </a:lnL>
+                    <a:lnR w="12700" cap="flat" cmpd="sng" algn="ctr">
+                      <a:solidFill>
+                        <a:srgbClr val="000000"/>
+                      </a:solidFill>
+                      <a:prstDash val="solid"/>
+                      <a:round/>
+                      <a:headEnd type="none" w="med" len="med"/>
+                      <a:tailEnd type="none" w="med" len="med"/>
+                    </a:lnR>
+                    <a:lnT w="12700" cap="flat" cmpd="sng" algn="ctr">
+                      <a:solidFill>
+                        <a:srgbClr val="000000"/>
+                      </a:solidFill>
+                      <a:prstDash val="solid"/>
+                      <a:round/>
+                      <a:headEnd type="none" w="med" len="med"/>
+                      <a:tailEnd type="none" w="med" len="med"/>
+                    </a:lnT>
+                    <a:lnB w="12700" cap="flat" cmpd="sng" algn="ctr">
+                      <a:solidFill>
+                        <a:srgbClr val="000000"/>
+                      </a:solidFill>
+                      <a:prstDash val="solid"/>
+                      <a:round/>
+                      <a:headEnd type="none" w="med" len="med"/>
+                      <a:tailEnd type="none" w="med" len="med"/>
+                    </a:lnB>
+                  </a:tcPr>
+                </a:tc>
+                <a:extLst>
+                  <a:ext uri="{0D108BD9-81ED-4DB2-BD59-A6C34878D82A}">
+                    <a16:rowId xmlns:a16="http://schemas.microsoft.com/office/drawing/2014/main" val="3235847443"/>
+                  </a:ext>
+                </a:extLst>
+              </a:tr>
+              <a:tr h="723214">
+                <a:tc>
+                  <a:txBody>
+                    <a:bodyPr/>
+                    <a:lstStyle/>
+                    <a:p>
+                      <a:pPr>
+                        <a:lnSpc>
+                          <a:spcPct val="107000"/>
+                        </a:lnSpc>
+                        <a:spcAft>
+                          <a:spcPts val="0"/>
+                        </a:spcAft>
+                      </a:pPr>
+                      <a:r>
+                        <a:rPr lang="pt-BR" sz="1600" dirty="0">
+                          <a:effectLst/>
+                          <a:latin typeface="+mn-lt"/>
+                          <a:ea typeface="Calibri" panose="020F0502020204030204" pitchFamily="34" charset="0"/>
+                          <a:cs typeface="Arial" panose="020B0604020202020204" pitchFamily="34" charset="0"/>
+                        </a:rPr>
+                        <a:t>Utiliza o interpretador Jason para o desenvolvimento de agentes sob</a:t>
+                      </a:r>
+                    </a:p>
+                    <a:p>
+                      <a:pPr>
+                        <a:lnSpc>
+                          <a:spcPct val="107000"/>
+                        </a:lnSpc>
+                        <a:spcAft>
+                          <a:spcPts val="0"/>
+                        </a:spcAft>
+                      </a:pPr>
+                      <a:r>
+                        <a:rPr lang="pt-BR" sz="1600" dirty="0">
+                          <a:effectLst/>
+                          <a:latin typeface="+mn-lt"/>
+                          <a:ea typeface="Calibri" panose="020F0502020204030204" pitchFamily="34" charset="0"/>
+                          <a:cs typeface="Arial" panose="020B0604020202020204" pitchFamily="34" charset="0"/>
+                        </a:rPr>
+                        <a:t>o modelo BDI, utilizando a linguagem </a:t>
+                      </a:r>
+                      <a:r>
+                        <a:rPr lang="pt-BR" sz="1600" dirty="0" err="1">
+                          <a:effectLst/>
+                          <a:latin typeface="+mn-lt"/>
+                          <a:ea typeface="Calibri" panose="020F0502020204030204" pitchFamily="34" charset="0"/>
+                          <a:cs typeface="Arial" panose="020B0604020202020204" pitchFamily="34" charset="0"/>
+                        </a:rPr>
+                        <a:t>AgentSpeak</a:t>
+                      </a:r>
+                      <a:r>
+                        <a:rPr lang="pt-BR" sz="1600" dirty="0">
+                          <a:effectLst/>
+                          <a:latin typeface="+mn-lt"/>
+                          <a:ea typeface="Calibri" panose="020F0502020204030204" pitchFamily="34" charset="0"/>
+                          <a:cs typeface="Arial" panose="020B0604020202020204" pitchFamily="34" charset="0"/>
+                        </a:rPr>
+                        <a:t>.</a:t>
+                      </a:r>
+                    </a:p>
+                  </a:txBody>
+                  <a:tcPr marL="68580" marR="68580" marT="0" marB="0">
+                    <a:lnL w="12700" cap="flat" cmpd="sng" algn="ctr">
+                      <a:solidFill>
+                        <a:srgbClr val="000000"/>
+                      </a:solidFill>
+                      <a:prstDash val="solid"/>
+                      <a:round/>
+                      <a:headEnd type="none" w="med" len="med"/>
+                      <a:tailEnd type="none" w="med" len="med"/>
+                    </a:lnL>
+                    <a:lnR w="12700" cap="flat" cmpd="sng" algn="ctr">
+                      <a:solidFill>
+                        <a:srgbClr val="000000"/>
+                      </a:solidFill>
+                      <a:prstDash val="solid"/>
+                      <a:round/>
+                      <a:headEnd type="none" w="med" len="med"/>
+                      <a:tailEnd type="none" w="med" len="med"/>
+                    </a:lnR>
+                    <a:lnT w="12700" cap="flat" cmpd="sng" algn="ctr">
+                      <a:solidFill>
+                        <a:srgbClr val="000000"/>
+                      </a:solidFill>
+                      <a:prstDash val="solid"/>
+                      <a:round/>
+                      <a:headEnd type="none" w="med" len="med"/>
+                      <a:tailEnd type="none" w="med" len="med"/>
+                    </a:lnT>
+                    <a:lnB w="12700" cap="flat" cmpd="sng" algn="ctr">
+                      <a:solidFill>
+                        <a:srgbClr val="000000"/>
+                      </a:solidFill>
+                      <a:prstDash val="solid"/>
+                      <a:round/>
+                      <a:headEnd type="none" w="med" len="med"/>
+                      <a:tailEnd type="none" w="med" len="med"/>
+                    </a:lnB>
+                  </a:tcPr>
+                </a:tc>
+                <a:extLst>
+                  <a:ext uri="{0D108BD9-81ED-4DB2-BD59-A6C34878D82A}">
+                    <a16:rowId xmlns:a16="http://schemas.microsoft.com/office/drawing/2014/main" val="2375752759"/>
+                  </a:ext>
+                </a:extLst>
+              </a:tr>
+              <a:tr h="353425">
+                <a:tc>
+                  <a:txBody>
+                    <a:bodyPr/>
+                    <a:lstStyle/>
+                    <a:p>
+                      <a:pPr>
+                        <a:lnSpc>
+                          <a:spcPct val="107000"/>
+                        </a:lnSpc>
+                        <a:spcAft>
+                          <a:spcPts val="0"/>
+                        </a:spcAft>
+                      </a:pPr>
+                      <a:r>
+                        <a:rPr lang="pt-BR" sz="1600" dirty="0">
+                          <a:effectLst/>
+                          <a:latin typeface="+mn-lt"/>
+                          <a:ea typeface="Calibri" panose="020F0502020204030204" pitchFamily="34" charset="0"/>
+                          <a:cs typeface="Arial" panose="020B0604020202020204" pitchFamily="34" charset="0"/>
+                        </a:rPr>
+                        <a:t>Implementou os comportamentos explorar, fugir, perseguir e comer.</a:t>
+                      </a:r>
+                    </a:p>
+                  </a:txBody>
+                  <a:tcPr marL="68580" marR="68580" marT="0" marB="0">
+                    <a:lnL w="12700" cap="flat" cmpd="sng" algn="ctr">
+                      <a:solidFill>
+                        <a:srgbClr val="000000"/>
+                      </a:solidFill>
+                      <a:prstDash val="solid"/>
+                      <a:round/>
+                      <a:headEnd type="none" w="med" len="med"/>
+                      <a:tailEnd type="none" w="med" len="med"/>
+                    </a:lnL>
+                    <a:lnR w="12700" cap="flat" cmpd="sng" algn="ctr">
+                      <a:solidFill>
+                        <a:srgbClr val="000000"/>
+                      </a:solidFill>
+                      <a:prstDash val="solid"/>
+                      <a:round/>
+                      <a:headEnd type="none" w="med" len="med"/>
+                      <a:tailEnd type="none" w="med" len="med"/>
+                    </a:lnR>
+                    <a:lnT w="12700" cap="flat" cmpd="sng" algn="ctr">
+                      <a:solidFill>
+                        <a:srgbClr val="000000"/>
+                      </a:solidFill>
+                      <a:prstDash val="solid"/>
+                      <a:round/>
+                      <a:headEnd type="none" w="med" len="med"/>
+                      <a:tailEnd type="none" w="med" len="med"/>
+                    </a:lnT>
+                    <a:lnB w="12700" cap="flat" cmpd="sng" algn="ctr">
+                      <a:solidFill>
+                        <a:srgbClr val="000000"/>
+                      </a:solidFill>
+                      <a:prstDash val="solid"/>
+                      <a:round/>
+                      <a:headEnd type="none" w="med" len="med"/>
+                      <a:tailEnd type="none" w="med" len="med"/>
+                    </a:lnB>
+                  </a:tcPr>
+                </a:tc>
+                <a:extLst>
+                  <a:ext uri="{0D108BD9-81ED-4DB2-BD59-A6C34878D82A}">
+                    <a16:rowId xmlns:a16="http://schemas.microsoft.com/office/drawing/2014/main" val="1532729824"/>
+                  </a:ext>
+                </a:extLst>
+              </a:tr>
+              <a:tr h="353425">
+                <a:tc>
+                  <a:txBody>
+                    <a:bodyPr/>
+                    <a:lstStyle/>
+                    <a:p>
+                      <a:pPr>
+                        <a:lnSpc>
+                          <a:spcPct val="107000"/>
+                        </a:lnSpc>
+                        <a:spcAft>
+                          <a:spcPts val="0"/>
+                        </a:spcAft>
+                      </a:pPr>
+                      <a:r>
+                        <a:rPr lang="pt-BR" sz="1600" dirty="0">
+                          <a:effectLst/>
+                          <a:latin typeface="+mn-lt"/>
+                          <a:ea typeface="Calibri" panose="020F0502020204030204" pitchFamily="34" charset="0"/>
+                          <a:cs typeface="Arial" panose="020B0604020202020204" pitchFamily="34" charset="0"/>
+                        </a:rPr>
+                        <a:t>Câmera secundária mostrando a visão do peixe.</a:t>
+                      </a:r>
+                    </a:p>
+                  </a:txBody>
+                  <a:tcPr marL="68580" marR="68580" marT="0" marB="0">
+                    <a:lnL w="12700" cap="flat" cmpd="sng" algn="ctr">
+                      <a:solidFill>
+                        <a:srgbClr val="000000"/>
+                      </a:solidFill>
+                      <a:prstDash val="solid"/>
+                      <a:round/>
+                      <a:headEnd type="none" w="med" len="med"/>
+                      <a:tailEnd type="none" w="med" len="med"/>
+                    </a:lnL>
+                    <a:lnR w="12700" cap="flat" cmpd="sng" algn="ctr">
+                      <a:solidFill>
+                        <a:srgbClr val="000000"/>
+                      </a:solidFill>
+                      <a:prstDash val="solid"/>
+                      <a:round/>
+                      <a:headEnd type="none" w="med" len="med"/>
+                      <a:tailEnd type="none" w="med" len="med"/>
+                    </a:lnR>
+                    <a:lnT w="12700" cap="flat" cmpd="sng" algn="ctr">
+                      <a:solidFill>
+                        <a:srgbClr val="000000"/>
+                      </a:solidFill>
+                      <a:prstDash val="solid"/>
+                      <a:round/>
+                      <a:headEnd type="none" w="med" len="med"/>
+                      <a:tailEnd type="none" w="med" len="med"/>
+                    </a:lnT>
+                    <a:lnB w="12700" cap="flat" cmpd="sng" algn="ctr">
+                      <a:solidFill>
+                        <a:srgbClr val="000000"/>
+                      </a:solidFill>
+                      <a:prstDash val="solid"/>
+                      <a:round/>
+                      <a:headEnd type="none" w="med" len="med"/>
+                      <a:tailEnd type="none" w="med" len="med"/>
+                    </a:lnB>
+                  </a:tcPr>
+                </a:tc>
+                <a:extLst>
+                  <a:ext uri="{0D108BD9-81ED-4DB2-BD59-A6C34878D82A}">
+                    <a16:rowId xmlns:a16="http://schemas.microsoft.com/office/drawing/2014/main" val="473281976"/>
+                  </a:ext>
+                </a:extLst>
+              </a:tr>
+              <a:tr h="353425">
+                <a:tc>
+                  <a:txBody>
+                    <a:bodyPr/>
+                    <a:lstStyle/>
+                    <a:p>
+                      <a:pPr>
+                        <a:lnSpc>
+                          <a:spcPct val="107000"/>
+                        </a:lnSpc>
+                        <a:spcAft>
+                          <a:spcPts val="0"/>
+                        </a:spcAft>
+                      </a:pPr>
+                      <a:r>
+                        <a:rPr lang="pt-BR" sz="1600" dirty="0">
+                          <a:effectLst/>
+                          <a:latin typeface="+mn-lt"/>
+                          <a:ea typeface="Calibri" panose="020F0502020204030204" pitchFamily="34" charset="0"/>
+                          <a:cs typeface="Arial" panose="020B0604020202020204" pitchFamily="34" charset="0"/>
+                        </a:rPr>
+                        <a:t>Desenvolvida com biblioteca gráfica </a:t>
+                      </a:r>
+                      <a:r>
+                        <a:rPr lang="pt-BR" sz="1600" dirty="0" err="1">
+                          <a:effectLst/>
+                          <a:latin typeface="+mn-lt"/>
+                          <a:ea typeface="Calibri" panose="020F0502020204030204" pitchFamily="34" charset="0"/>
+                          <a:cs typeface="Arial" panose="020B0604020202020204" pitchFamily="34" charset="0"/>
+                        </a:rPr>
+                        <a:t>ThreeJS</a:t>
+                      </a:r>
+                      <a:r>
+                        <a:rPr lang="pt-BR" sz="1600" dirty="0">
+                          <a:effectLst/>
+                          <a:latin typeface="+mn-lt"/>
+                          <a:ea typeface="Calibri" panose="020F0502020204030204" pitchFamily="34" charset="0"/>
+                          <a:cs typeface="Arial" panose="020B0604020202020204" pitchFamily="34" charset="0"/>
+                        </a:rPr>
+                        <a:t>.</a:t>
+                      </a:r>
+                    </a:p>
+                  </a:txBody>
+                  <a:tcPr marL="68580" marR="68580" marT="0" marB="0">
+                    <a:lnL w="12700" cap="flat" cmpd="sng" algn="ctr">
+                      <a:solidFill>
+                        <a:srgbClr val="000000"/>
+                      </a:solidFill>
+                      <a:prstDash val="solid"/>
+                      <a:round/>
+                      <a:headEnd type="none" w="med" len="med"/>
+                      <a:tailEnd type="none" w="med" len="med"/>
+                    </a:lnL>
+                    <a:lnR w="12700" cap="flat" cmpd="sng" algn="ctr">
+                      <a:solidFill>
+                        <a:srgbClr val="000000"/>
+                      </a:solidFill>
+                      <a:prstDash val="solid"/>
+                      <a:round/>
+                      <a:headEnd type="none" w="med" len="med"/>
+                      <a:tailEnd type="none" w="med" len="med"/>
+                    </a:lnR>
+                    <a:lnT w="12700" cap="flat" cmpd="sng" algn="ctr">
+                      <a:solidFill>
+                        <a:srgbClr val="000000"/>
+                      </a:solidFill>
+                      <a:prstDash val="solid"/>
+                      <a:round/>
+                      <a:headEnd type="none" w="med" len="med"/>
+                      <a:tailEnd type="none" w="med" len="med"/>
+                    </a:lnT>
+                    <a:lnB w="12700" cap="flat" cmpd="sng" algn="ctr">
+                      <a:solidFill>
+                        <a:srgbClr val="000000"/>
+                      </a:solidFill>
+                      <a:prstDash val="solid"/>
+                      <a:round/>
+                      <a:headEnd type="none" w="med" len="med"/>
+                      <a:tailEnd type="none" w="med" len="med"/>
+                    </a:lnB>
+                  </a:tcPr>
+                </a:tc>
+                <a:extLst>
+                  <a:ext uri="{0D108BD9-81ED-4DB2-BD59-A6C34878D82A}">
+                    <a16:rowId xmlns:a16="http://schemas.microsoft.com/office/drawing/2014/main" val="1348508541"/>
+                  </a:ext>
+                </a:extLst>
+              </a:tr>
+            </a:tbl>
+          </a:graphicData>
+        </a:graphic>
+      </p:graphicFrame>
     </p:spTree>
     <p:extLst>
       <p:ext uri="{BB962C8B-B14F-4D97-AF65-F5344CB8AC3E}">
@@ -4216,13 +4752,6 @@
   <p:clrMapOvr>
     <a:masterClrMapping/>
   </p:clrMapOvr>
-  <p:timing>
-    <p:tnLst>
-      <p:par>
-        <p:cTn id="1" dur="indefinite" restart="never" nodeType="tmRoot"/>
-      </p:par>
-    </p:tnLst>
-  </p:timing>
 </p:sld>
 </file>
 
@@ -4288,8 +4817,8 @@
         </p:blipFill>
         <p:spPr bwMode="auto">
           <a:xfrm>
-            <a:off x="1043608" y="1844824"/>
-            <a:ext cx="3158330" cy="2736304"/>
+            <a:off x="5967827" y="1524296"/>
+            <a:ext cx="2339388" cy="2026792"/>
           </a:xfrm>
           <a:prstGeom prst="rect">
             <a:avLst/>
@@ -4368,8 +4897,8 @@
         </p:blipFill>
         <p:spPr bwMode="auto">
           <a:xfrm>
-            <a:off x="4767179" y="1844824"/>
-            <a:ext cx="3372351" cy="2736304"/>
+            <a:off x="5967828" y="3551088"/>
+            <a:ext cx="2339388" cy="2026793"/>
           </a:xfrm>
           <a:prstGeom prst="rect">
             <a:avLst/>
@@ -4386,6 +4915,476 @@
           </a:extLst>
         </p:spPr>
       </p:pic>
+      <p:graphicFrame>
+        <p:nvGraphicFramePr>
+          <p:cNvPr id="7" name="Tabela 6">
+            <a:extLst>
+              <a:ext uri="{FF2B5EF4-FFF2-40B4-BE49-F238E27FC236}">
+                <a16:creationId xmlns:a16="http://schemas.microsoft.com/office/drawing/2014/main" id="{42BC287D-F598-40C2-8D9A-22AF28A09D81}"/>
+              </a:ext>
+            </a:extLst>
+          </p:cNvPr>
+          <p:cNvGraphicFramePr>
+            <a:graphicFrameLocks noGrp="1"/>
+          </p:cNvGraphicFramePr>
+          <p:nvPr>
+            <p:extLst>
+              <p:ext uri="{D42A27DB-BD31-4B8C-83A1-F6EECF244321}">
+                <p14:modId xmlns:p14="http://schemas.microsoft.com/office/powerpoint/2010/main" val="2293383975"/>
+              </p:ext>
+            </p:extLst>
+          </p:nvPr>
+        </p:nvGraphicFramePr>
+        <p:xfrm>
+          <a:off x="656457" y="2090738"/>
+          <a:ext cx="5039432" cy="3284364"/>
+        </p:xfrm>
+        <a:graphic>
+          <a:graphicData uri="http://schemas.openxmlformats.org/drawingml/2006/table">
+            <a:tbl>
+              <a:tblPr firstRow="1" firstCol="1" bandRow="1"/>
+              <a:tblGrid>
+                <a:gridCol w="5039432">
+                  <a:extLst>
+                    <a:ext uri="{9D8B030D-6E8A-4147-A177-3AD203B41FA5}">
+                      <a16:colId xmlns:a16="http://schemas.microsoft.com/office/drawing/2014/main" val="3689648113"/>
+                    </a:ext>
+                  </a:extLst>
+                </a:gridCol>
+              </a:tblGrid>
+              <a:tr h="355626">
+                <a:tc>
+                  <a:txBody>
+                    <a:bodyPr/>
+                    <a:lstStyle/>
+                    <a:p>
+                      <a:pPr algn="ctr">
+                        <a:lnSpc>
+                          <a:spcPct val="107000"/>
+                        </a:lnSpc>
+                        <a:spcAft>
+                          <a:spcPts val="0"/>
+                        </a:spcAft>
+                      </a:pPr>
+                      <a:r>
+                        <a:rPr lang="pt-BR" sz="1600" b="1" dirty="0">
+                          <a:solidFill>
+                            <a:srgbClr val="222222"/>
+                          </a:solidFill>
+                          <a:effectLst/>
+                          <a:latin typeface="+mn-lt"/>
+                          <a:ea typeface="Calibri" panose="020F0502020204030204" pitchFamily="34" charset="0"/>
+                          <a:cs typeface="Arial" panose="020B0604020202020204" pitchFamily="34" charset="0"/>
+                        </a:rPr>
+                        <a:t>Características</a:t>
+                      </a:r>
+                      <a:endParaRPr lang="pt-BR" sz="1600" dirty="0">
+                        <a:effectLst/>
+                        <a:latin typeface="+mn-lt"/>
+                        <a:ea typeface="Calibri" panose="020F0502020204030204" pitchFamily="34" charset="0"/>
+                        <a:cs typeface="Arial" panose="020B0604020202020204" pitchFamily="34" charset="0"/>
+                      </a:endParaRPr>
+                    </a:p>
+                  </a:txBody>
+                  <a:tcPr marL="68580" marR="68580" marT="0" marB="0">
+                    <a:lnL w="12700" cap="flat" cmpd="sng" algn="ctr">
+                      <a:solidFill>
+                        <a:srgbClr val="000000"/>
+                      </a:solidFill>
+                      <a:prstDash val="solid"/>
+                      <a:round/>
+                      <a:headEnd type="none" w="med" len="med"/>
+                      <a:tailEnd type="none" w="med" len="med"/>
+                    </a:lnL>
+                    <a:lnR w="12700" cap="flat" cmpd="sng" algn="ctr">
+                      <a:solidFill>
+                        <a:srgbClr val="000000"/>
+                      </a:solidFill>
+                      <a:prstDash val="solid"/>
+                      <a:round/>
+                      <a:headEnd type="none" w="med" len="med"/>
+                      <a:tailEnd type="none" w="med" len="med"/>
+                    </a:lnR>
+                    <a:lnT w="12700" cap="flat" cmpd="sng" algn="ctr">
+                      <a:solidFill>
+                        <a:srgbClr val="000000"/>
+                      </a:solidFill>
+                      <a:prstDash val="solid"/>
+                      <a:round/>
+                      <a:headEnd type="none" w="med" len="med"/>
+                      <a:tailEnd type="none" w="med" len="med"/>
+                    </a:lnT>
+                    <a:lnB w="12700" cap="flat" cmpd="sng" algn="ctr">
+                      <a:solidFill>
+                        <a:srgbClr val="000000"/>
+                      </a:solidFill>
+                      <a:prstDash val="solid"/>
+                      <a:round/>
+                      <a:headEnd type="none" w="med" len="med"/>
+                      <a:tailEnd type="none" w="med" len="med"/>
+                    </a:lnB>
+                  </a:tcPr>
+                </a:tc>
+                <a:extLst>
+                  <a:ext uri="{0D108BD9-81ED-4DB2-BD59-A6C34878D82A}">
+                    <a16:rowId xmlns:a16="http://schemas.microsoft.com/office/drawing/2014/main" val="3581556175"/>
+                  </a:ext>
+                </a:extLst>
+              </a:tr>
+              <a:tr h="355626">
+                <a:tc>
+                  <a:txBody>
+                    <a:bodyPr/>
+                    <a:lstStyle/>
+                    <a:p>
+                      <a:pPr>
+                        <a:lnSpc>
+                          <a:spcPct val="107000"/>
+                        </a:lnSpc>
+                        <a:spcAft>
+                          <a:spcPts val="0"/>
+                        </a:spcAft>
+                      </a:pPr>
+                      <a:r>
+                        <a:rPr lang="pt-BR" sz="1600" dirty="0">
+                          <a:effectLst/>
+                          <a:latin typeface="+mn-lt"/>
+                          <a:ea typeface="Calibri" panose="020F0502020204030204" pitchFamily="34" charset="0"/>
+                          <a:cs typeface="Arial" panose="020B0604020202020204" pitchFamily="34" charset="0"/>
+                        </a:rPr>
+                        <a:t>Explorar os elementos do clima.</a:t>
+                      </a:r>
+                    </a:p>
+                  </a:txBody>
+                  <a:tcPr marL="68580" marR="68580" marT="0" marB="0">
+                    <a:lnL w="12700" cap="flat" cmpd="sng" algn="ctr">
+                      <a:solidFill>
+                        <a:srgbClr val="000000"/>
+                      </a:solidFill>
+                      <a:prstDash val="solid"/>
+                      <a:round/>
+                      <a:headEnd type="none" w="med" len="med"/>
+                      <a:tailEnd type="none" w="med" len="med"/>
+                    </a:lnL>
+                    <a:lnR w="12700" cap="flat" cmpd="sng" algn="ctr">
+                      <a:solidFill>
+                        <a:srgbClr val="000000"/>
+                      </a:solidFill>
+                      <a:prstDash val="solid"/>
+                      <a:round/>
+                      <a:headEnd type="none" w="med" len="med"/>
+                      <a:tailEnd type="none" w="med" len="med"/>
+                    </a:lnR>
+                    <a:lnT w="12700" cap="flat" cmpd="sng" algn="ctr">
+                      <a:solidFill>
+                        <a:srgbClr val="000000"/>
+                      </a:solidFill>
+                      <a:prstDash val="solid"/>
+                      <a:round/>
+                      <a:headEnd type="none" w="med" len="med"/>
+                      <a:tailEnd type="none" w="med" len="med"/>
+                    </a:lnT>
+                    <a:lnB w="12700" cap="flat" cmpd="sng" algn="ctr">
+                      <a:solidFill>
+                        <a:srgbClr val="000000"/>
+                      </a:solidFill>
+                      <a:prstDash val="solid"/>
+                      <a:round/>
+                      <a:headEnd type="none" w="med" len="med"/>
+                      <a:tailEnd type="none" w="med" len="med"/>
+                    </a:lnB>
+                  </a:tcPr>
+                </a:tc>
+                <a:extLst>
+                  <a:ext uri="{0D108BD9-81ED-4DB2-BD59-A6C34878D82A}">
+                    <a16:rowId xmlns:a16="http://schemas.microsoft.com/office/drawing/2014/main" val="1174864766"/>
+                  </a:ext>
+                </a:extLst>
+              </a:tr>
+              <a:tr h="739162">
+                <a:tc>
+                  <a:txBody>
+                    <a:bodyPr/>
+                    <a:lstStyle/>
+                    <a:p>
+                      <a:pPr>
+                        <a:lnSpc>
+                          <a:spcPct val="107000"/>
+                        </a:lnSpc>
+                        <a:spcAft>
+                          <a:spcPts val="0"/>
+                        </a:spcAft>
+                      </a:pPr>
+                      <a:r>
+                        <a:rPr lang="pt-BR" sz="1600" dirty="0">
+                          <a:effectLst/>
+                          <a:latin typeface="+mn-lt"/>
+                          <a:ea typeface="Calibri" panose="020F0502020204030204" pitchFamily="34" charset="0"/>
+                          <a:cs typeface="Arial" panose="020B0604020202020204" pitchFamily="34" charset="0"/>
+                        </a:rPr>
+                        <a:t>Aprender como o sol, vento e a precipitação interagem.</a:t>
+                      </a:r>
+                    </a:p>
+                  </a:txBody>
+                  <a:tcPr marL="68580" marR="68580" marT="0" marB="0">
+                    <a:lnL w="12700" cap="flat" cmpd="sng" algn="ctr">
+                      <a:solidFill>
+                        <a:srgbClr val="000000"/>
+                      </a:solidFill>
+                      <a:prstDash val="solid"/>
+                      <a:round/>
+                      <a:headEnd type="none" w="med" len="med"/>
+                      <a:tailEnd type="none" w="med" len="med"/>
+                    </a:lnL>
+                    <a:lnR w="12700" cap="flat" cmpd="sng" algn="ctr">
+                      <a:solidFill>
+                        <a:srgbClr val="000000"/>
+                      </a:solidFill>
+                      <a:prstDash val="solid"/>
+                      <a:round/>
+                      <a:headEnd type="none" w="med" len="med"/>
+                      <a:tailEnd type="none" w="med" len="med"/>
+                    </a:lnR>
+                    <a:lnT w="12700" cap="flat" cmpd="sng" algn="ctr">
+                      <a:solidFill>
+                        <a:srgbClr val="000000"/>
+                      </a:solidFill>
+                      <a:prstDash val="solid"/>
+                      <a:round/>
+                      <a:headEnd type="none" w="med" len="med"/>
+                      <a:tailEnd type="none" w="med" len="med"/>
+                    </a:lnT>
+                    <a:lnB w="12700" cap="flat" cmpd="sng" algn="ctr">
+                      <a:solidFill>
+                        <a:srgbClr val="000000"/>
+                      </a:solidFill>
+                      <a:prstDash val="solid"/>
+                      <a:round/>
+                      <a:headEnd type="none" w="med" len="med"/>
+                      <a:tailEnd type="none" w="med" len="med"/>
+                    </a:lnB>
+                  </a:tcPr>
+                </a:tc>
+                <a:extLst>
+                  <a:ext uri="{0D108BD9-81ED-4DB2-BD59-A6C34878D82A}">
+                    <a16:rowId xmlns:a16="http://schemas.microsoft.com/office/drawing/2014/main" val="3216509204"/>
+                  </a:ext>
+                </a:extLst>
+              </a:tr>
+              <a:tr h="739162">
+                <a:tc>
+                  <a:txBody>
+                    <a:bodyPr/>
+                    <a:lstStyle/>
+                    <a:p>
+                      <a:pPr>
+                        <a:lnSpc>
+                          <a:spcPct val="107000"/>
+                        </a:lnSpc>
+                        <a:spcAft>
+                          <a:spcPts val="0"/>
+                        </a:spcAft>
+                      </a:pPr>
+                      <a:r>
+                        <a:rPr lang="pt-BR" sz="1600" dirty="0">
+                          <a:effectLst/>
+                          <a:latin typeface="+mn-lt"/>
+                          <a:ea typeface="Calibri" panose="020F0502020204030204" pitchFamily="34" charset="0"/>
+                          <a:cs typeface="Arial" panose="020B0604020202020204" pitchFamily="34" charset="0"/>
+                        </a:rPr>
+                        <a:t>Desenhar nuvens e ver como elas mudam em diferentes altitudes.</a:t>
+                      </a:r>
+                    </a:p>
+                  </a:txBody>
+                  <a:tcPr marL="68580" marR="68580" marT="0" marB="0">
+                    <a:lnL w="12700" cap="flat" cmpd="sng" algn="ctr">
+                      <a:solidFill>
+                        <a:srgbClr val="000000"/>
+                      </a:solidFill>
+                      <a:prstDash val="solid"/>
+                      <a:round/>
+                      <a:headEnd type="none" w="med" len="med"/>
+                      <a:tailEnd type="none" w="med" len="med"/>
+                    </a:lnL>
+                    <a:lnR w="12700" cap="flat" cmpd="sng" algn="ctr">
+                      <a:solidFill>
+                        <a:srgbClr val="000000"/>
+                      </a:solidFill>
+                      <a:prstDash val="solid"/>
+                      <a:round/>
+                      <a:headEnd type="none" w="med" len="med"/>
+                      <a:tailEnd type="none" w="med" len="med"/>
+                    </a:lnR>
+                    <a:lnT w="12700" cap="flat" cmpd="sng" algn="ctr">
+                      <a:solidFill>
+                        <a:srgbClr val="000000"/>
+                      </a:solidFill>
+                      <a:prstDash val="solid"/>
+                      <a:round/>
+                      <a:headEnd type="none" w="med" len="med"/>
+                      <a:tailEnd type="none" w="med" len="med"/>
+                    </a:lnT>
+                    <a:lnB w="12700" cap="flat" cmpd="sng" algn="ctr">
+                      <a:solidFill>
+                        <a:srgbClr val="000000"/>
+                      </a:solidFill>
+                      <a:prstDash val="solid"/>
+                      <a:round/>
+                      <a:headEnd type="none" w="med" len="med"/>
+                      <a:tailEnd type="none" w="med" len="med"/>
+                    </a:lnB>
+                  </a:tcPr>
+                </a:tc>
+                <a:extLst>
+                  <a:ext uri="{0D108BD9-81ED-4DB2-BD59-A6C34878D82A}">
+                    <a16:rowId xmlns:a16="http://schemas.microsoft.com/office/drawing/2014/main" val="3642992530"/>
+                  </a:ext>
+                </a:extLst>
+              </a:tr>
+              <a:tr h="739162">
+                <a:tc>
+                  <a:txBody>
+                    <a:bodyPr/>
+                    <a:lstStyle/>
+                    <a:p>
+                      <a:pPr>
+                        <a:lnSpc>
+                          <a:spcPct val="107000"/>
+                        </a:lnSpc>
+                        <a:spcAft>
+                          <a:spcPts val="0"/>
+                        </a:spcAft>
+                      </a:pPr>
+                      <a:r>
+                        <a:rPr lang="pt-BR" sz="1600" dirty="0">
+                          <a:effectLst/>
+                          <a:latin typeface="+mn-lt"/>
+                          <a:ea typeface="Calibri" panose="020F0502020204030204" pitchFamily="34" charset="0"/>
+                          <a:cs typeface="Arial" panose="020B0604020202020204" pitchFamily="34" charset="0"/>
+                        </a:rPr>
+                        <a:t>Alterar a temperatura e visualizar como o calor e o frio afetam a precipitação, as plantas e os animais.</a:t>
+                      </a:r>
+                    </a:p>
+                  </a:txBody>
+                  <a:tcPr marL="68580" marR="68580" marT="0" marB="0">
+                    <a:lnL w="12700" cap="flat" cmpd="sng" algn="ctr">
+                      <a:solidFill>
+                        <a:srgbClr val="000000"/>
+                      </a:solidFill>
+                      <a:prstDash val="solid"/>
+                      <a:round/>
+                      <a:headEnd type="none" w="med" len="med"/>
+                      <a:tailEnd type="none" w="med" len="med"/>
+                    </a:lnL>
+                    <a:lnR w="12700" cap="flat" cmpd="sng" algn="ctr">
+                      <a:solidFill>
+                        <a:srgbClr val="000000"/>
+                      </a:solidFill>
+                      <a:prstDash val="solid"/>
+                      <a:round/>
+                      <a:headEnd type="none" w="med" len="med"/>
+                      <a:tailEnd type="none" w="med" len="med"/>
+                    </a:lnR>
+                    <a:lnT w="12700" cap="flat" cmpd="sng" algn="ctr">
+                      <a:solidFill>
+                        <a:srgbClr val="000000"/>
+                      </a:solidFill>
+                      <a:prstDash val="solid"/>
+                      <a:round/>
+                      <a:headEnd type="none" w="med" len="med"/>
+                      <a:tailEnd type="none" w="med" len="med"/>
+                    </a:lnT>
+                    <a:lnB w="12700" cap="flat" cmpd="sng" algn="ctr">
+                      <a:solidFill>
+                        <a:srgbClr val="000000"/>
+                      </a:solidFill>
+                      <a:prstDash val="solid"/>
+                      <a:round/>
+                      <a:headEnd type="none" w="med" len="med"/>
+                      <a:tailEnd type="none" w="med" len="med"/>
+                    </a:lnB>
+                  </a:tcPr>
+                </a:tc>
+                <a:extLst>
+                  <a:ext uri="{0D108BD9-81ED-4DB2-BD59-A6C34878D82A}">
+                    <a16:rowId xmlns:a16="http://schemas.microsoft.com/office/drawing/2014/main" val="3552216589"/>
+                  </a:ext>
+                </a:extLst>
+              </a:tr>
+              <a:tr h="355626">
+                <a:tc>
+                  <a:txBody>
+                    <a:bodyPr/>
+                    <a:lstStyle/>
+                    <a:p>
+                      <a:pPr>
+                        <a:lnSpc>
+                          <a:spcPct val="107000"/>
+                        </a:lnSpc>
+                        <a:spcAft>
+                          <a:spcPts val="0"/>
+                        </a:spcAft>
+                      </a:pPr>
+                      <a:r>
+                        <a:rPr lang="pt-BR" sz="1600" dirty="0">
+                          <a:effectLst/>
+                          <a:latin typeface="+mn-lt"/>
+                          <a:ea typeface="Calibri" panose="020F0502020204030204" pitchFamily="34" charset="0"/>
+                          <a:cs typeface="Arial" panose="020B0604020202020204" pitchFamily="34" charset="0"/>
+                        </a:rPr>
+                        <a:t>Aplicativo intuitivo, seguro e para crianças..</a:t>
+                      </a:r>
+                    </a:p>
+                  </a:txBody>
+                  <a:tcPr marL="68580" marR="68580" marT="0" marB="0">
+                    <a:lnL w="12700" cap="flat" cmpd="sng" algn="ctr">
+                      <a:solidFill>
+                        <a:srgbClr val="000000"/>
+                      </a:solidFill>
+                      <a:prstDash val="solid"/>
+                      <a:round/>
+                      <a:headEnd type="none" w="med" len="med"/>
+                      <a:tailEnd type="none" w="med" len="med"/>
+                    </a:lnL>
+                    <a:lnR w="12700" cap="flat" cmpd="sng" algn="ctr">
+                      <a:solidFill>
+                        <a:srgbClr val="000000"/>
+                      </a:solidFill>
+                      <a:prstDash val="solid"/>
+                      <a:round/>
+                      <a:headEnd type="none" w="med" len="med"/>
+                      <a:tailEnd type="none" w="med" len="med"/>
+                    </a:lnR>
+                    <a:lnT w="12700" cap="flat" cmpd="sng" algn="ctr">
+                      <a:solidFill>
+                        <a:srgbClr val="000000"/>
+                      </a:solidFill>
+                      <a:prstDash val="solid"/>
+                      <a:round/>
+                      <a:headEnd type="none" w="med" len="med"/>
+                      <a:tailEnd type="none" w="med" len="med"/>
+                    </a:lnT>
+                    <a:lnB w="12700" cap="flat" cmpd="sng" algn="ctr">
+                      <a:solidFill>
+                        <a:srgbClr val="000000"/>
+                      </a:solidFill>
+                      <a:prstDash val="solid"/>
+                      <a:round/>
+                      <a:headEnd type="none" w="med" len="med"/>
+                      <a:tailEnd type="none" w="med" len="med"/>
+                    </a:lnB>
+                  </a:tcPr>
+                </a:tc>
+                <a:extLst>
+                  <a:ext uri="{0D108BD9-81ED-4DB2-BD59-A6C34878D82A}">
+                    <a16:rowId xmlns:a16="http://schemas.microsoft.com/office/drawing/2014/main" val="2555845671"/>
+                  </a:ext>
+                </a:extLst>
+              </a:tr>
+            </a:tbl>
+          </a:graphicData>
+        </a:graphic>
+      </p:graphicFrame>
     </p:spTree>
     <p:extLst>
       <p:ext uri="{BB962C8B-B14F-4D97-AF65-F5344CB8AC3E}">
@@ -4396,13 +5395,6 @@
   <p:clrMapOvr>
     <a:masterClrMapping/>
   </p:clrMapOvr>
-  <p:timing>
-    <p:tnLst>
-      <p:par>
-        <p:cTn id="1" dur="indefinite" restart="never" nodeType="tmRoot"/>
-      </p:par>
-    </p:tnLst>
-  </p:timing>
 </p:sld>
 </file>
 
@@ -4514,13 +5506,6 @@
   <p:clrMapOvr>
     <a:masterClrMapping/>
   </p:clrMapOvr>
-  <p:timing>
-    <p:tnLst>
-      <p:par>
-        <p:cTn id="1" dur="indefinite" restart="never" nodeType="tmRoot"/>
-      </p:par>
-    </p:tnLst>
-  </p:timing>
 </p:sld>
 </file>
 
@@ -4632,13 +5617,6 @@
   <p:clrMapOvr>
     <a:masterClrMapping/>
   </p:clrMapOvr>
-  <p:timing>
-    <p:tnLst>
-      <p:par>
-        <p:cTn id="1" dur="indefinite" restart="never" nodeType="tmRoot"/>
-      </p:par>
-    </p:tnLst>
-  </p:timing>
 </p:sld>
 </file>
 
@@ -4696,13 +5674,6 @@
   <p:clrMapOvr>
     <a:masterClrMapping/>
   </p:clrMapOvr>
-  <p:timing>
-    <p:tnLst>
-      <p:par>
-        <p:cTn id="1" dur="indefinite" restart="never" nodeType="tmRoot"/>
-      </p:par>
-    </p:tnLst>
-  </p:timing>
 </p:sld>
 </file>
 
@@ -4763,13 +5734,6 @@
   <p:clrMapOvr>
     <a:masterClrMapping/>
   </p:clrMapOvr>
-  <p:timing>
-    <p:tnLst>
-      <p:par>
-        <p:cTn id="1" dur="indefinite" restart="never" nodeType="tmRoot"/>
-      </p:par>
-    </p:tnLst>
-  </p:timing>
 </p:sld>
 </file>
 
@@ -4852,13 +5816,6 @@
   <p:clrMapOvr>
     <a:masterClrMapping/>
   </p:clrMapOvr>
-  <p:timing>
-    <p:tnLst>
-      <p:par>
-        <p:cTn id="1" dur="indefinite" restart="never" nodeType="tmRoot"/>
-      </p:par>
-    </p:tnLst>
-  </p:timing>
 </p:sld>
 </file>
 
@@ -4941,13 +5898,6 @@
   <p:clrMapOvr>
     <a:masterClrMapping/>
   </p:clrMapOvr>
-  <p:timing>
-    <p:tnLst>
-      <p:par>
-        <p:cTn id="1" dur="indefinite" restart="never" nodeType="tmRoot"/>
-      </p:par>
-    </p:tnLst>
-  </p:timing>
 </p:sld>
 </file>
 
@@ -5030,13 +5980,6 @@
   <p:clrMapOvr>
     <a:masterClrMapping/>
   </p:clrMapOvr>
-  <p:timing>
-    <p:tnLst>
-      <p:par>
-        <p:cTn id="1" dur="indefinite" restart="never" nodeType="tmRoot"/>
-      </p:par>
-    </p:tnLst>
-  </p:timing>
 </p:sld>
 </file>
 
@@ -5119,13 +6062,6 @@
   <p:clrMapOvr>
     <a:masterClrMapping/>
   </p:clrMapOvr>
-  <p:timing>
-    <p:tnLst>
-      <p:par>
-        <p:cTn id="1" dur="indefinite" restart="never" nodeType="tmRoot"/>
-      </p:par>
-    </p:tnLst>
-  </p:timing>
 </p:sld>
 </file>
 
@@ -5239,19 +6175,19 @@
           </a:p>
           <a:p>
             <a:r>
-              <a:rPr lang="pt-BR" dirty="0" smtClean="0"/>
+              <a:rPr lang="pt-BR" dirty="0"/>
               <a:t>Conclusões</a:t>
             </a:r>
           </a:p>
           <a:p>
             <a:r>
-              <a:rPr lang="pt-BR" dirty="0" smtClean="0"/>
+              <a:rPr lang="pt-BR" dirty="0"/>
               <a:t>Extenções</a:t>
             </a:r>
           </a:p>
           <a:p>
             <a:r>
-              <a:rPr lang="pt-BR" dirty="0" smtClean="0"/>
+              <a:rPr lang="pt-BR" dirty="0"/>
               <a:t>Apresentação Prática</a:t>
             </a:r>
           </a:p>
@@ -5270,13 +6206,6 @@
   <p:clrMapOvr>
     <a:masterClrMapping/>
   </p:clrMapOvr>
-  <p:timing>
-    <p:tnLst>
-      <p:par>
-        <p:cTn id="1" dur="indefinite" restart="never" nodeType="tmRoot"/>
-      </p:par>
-    </p:tnLst>
-  </p:timing>
 </p:sld>
 </file>
 
@@ -5383,13 +6312,6 @@
   <p:clrMapOvr>
     <a:masterClrMapping/>
   </p:clrMapOvr>
-  <p:timing>
-    <p:tnLst>
-      <p:par>
-        <p:cTn id="1" dur="indefinite" restart="never" nodeType="tmRoot"/>
-      </p:par>
-    </p:tnLst>
-  </p:timing>
 </p:sld>
 </file>
 
@@ -5503,13 +6425,6 @@
   <p:clrMapOvr>
     <a:masterClrMapping/>
   </p:clrMapOvr>
-  <p:timing>
-    <p:tnLst>
-      <p:par>
-        <p:cTn id="1" dur="indefinite" restart="never" nodeType="tmRoot"/>
-      </p:par>
-    </p:tnLst>
-  </p:timing>
 </p:sld>
 </file>
 
@@ -5637,13 +6552,6 @@
   <p:clrMapOvr>
     <a:masterClrMapping/>
   </p:clrMapOvr>
-  <p:timing>
-    <p:tnLst>
-      <p:par>
-        <p:cTn id="1" dur="indefinite" restart="never" nodeType="tmRoot"/>
-      </p:par>
-    </p:tnLst>
-  </p:timing>
 </p:sld>
 </file>
 
@@ -6925,13 +7833,6 @@
   <p:clrMapOvr>
     <a:masterClrMapping/>
   </p:clrMapOvr>
-  <p:timing>
-    <p:tnLst>
-      <p:par>
-        <p:cTn id="1" dur="indefinite" restart="never" nodeType="tmRoot"/>
-      </p:par>
-    </p:tnLst>
-  </p:timing>
 </p:sld>
 </file>
 
@@ -7719,13 +8620,6 @@
   <p:clrMapOvr>
     <a:masterClrMapping/>
   </p:clrMapOvr>
-  <p:timing>
-    <p:tnLst>
-      <p:par>
-        <p:cTn id="1" dur="indefinite" restart="never" nodeType="tmRoot"/>
-      </p:par>
-    </p:tnLst>
-  </p:timing>
 </p:sld>
 </file>
 
@@ -7825,13 +8719,6 @@
   <p:clrMapOvr>
     <a:masterClrMapping/>
   </p:clrMapOvr>
-  <p:timing>
-    <p:tnLst>
-      <p:par>
-        <p:cTn id="1" dur="indefinite" restart="never" nodeType="tmRoot"/>
-      </p:par>
-    </p:tnLst>
-  </p:timing>
 </p:sld>
 </file>
 
@@ -7943,13 +8830,6 @@
   <p:clrMapOvr>
     <a:masterClrMapping/>
   </p:clrMapOvr>
-  <p:timing>
-    <p:tnLst>
-      <p:par>
-        <p:cTn id="1" dur="indefinite" restart="never" nodeType="tmRoot"/>
-      </p:par>
-    </p:tnLst>
-  </p:timing>
 </p:sld>
 </file>
 
@@ -8007,13 +8887,6 @@
   <p:clrMapOvr>
     <a:masterClrMapping/>
   </p:clrMapOvr>
-  <p:timing>
-    <p:tnLst>
-      <p:par>
-        <p:cTn id="1" dur="indefinite" restart="never" nodeType="tmRoot"/>
-      </p:par>
-    </p:tnLst>
-  </p:timing>
 </p:sld>
 </file>
 
@@ -8121,13 +8994,6 @@
   <p:clrMapOvr>
     <a:masterClrMapping/>
   </p:clrMapOvr>
-  <p:timing>
-    <p:tnLst>
-      <p:par>
-        <p:cTn id="1" dur="indefinite" restart="never" nodeType="tmRoot"/>
-      </p:par>
-    </p:tnLst>
-  </p:timing>
 </p:sld>
 </file>
 
@@ -8236,7 +9102,7 @@
             </a:pPr>
             <a:r>
               <a:rPr lang="pt-BR" sz="2800" dirty="0"/>
-              <a:t>Realidade aumentada na educação.</a:t>
+              <a:t>Tecnologia na educação.</a:t>
             </a:r>
           </a:p>
           <a:p>
@@ -8245,7 +9111,7 @@
             </a:pPr>
             <a:r>
               <a:rPr lang="pt-BR" sz="2400" dirty="0"/>
-              <a:t>Aproxima o mundo real do virtual.</a:t>
+              <a:t>Proporciona um estudo mais divertido.</a:t>
             </a:r>
           </a:p>
           <a:p>
@@ -8275,13 +9141,6 @@
   <p:clrMapOvr>
     <a:masterClrMapping/>
   </p:clrMapOvr>
-  <p:timing>
-    <p:tnLst>
-      <p:par>
-        <p:cTn id="1" dur="indefinite" restart="never" nodeType="tmRoot"/>
-      </p:par>
-    </p:tnLst>
-  </p:timing>
 </p:sld>
 </file>
 
@@ -8346,25 +9205,16 @@
           <a:p>
             <a:pPr eaLnBrk="1" hangingPunct="1"/>
             <a:r>
-              <a:rPr lang="pt-BR" altLang="pt-BR" sz="2800" dirty="0"/>
+              <a:rPr lang="pt-BR" altLang="pt-BR" sz="2400" dirty="0"/>
               <a:t>Desenvolver um simulador de ecossistemas.</a:t>
             </a:r>
           </a:p>
           <a:p>
             <a:pPr eaLnBrk="1" hangingPunct="1"/>
             <a:r>
-              <a:rPr lang="pt-BR" altLang="pt-BR" sz="2800" dirty="0"/>
-              <a:t>Manipular </a:t>
-            </a:r>
-            <a:r>
-              <a:rPr lang="pt-BR" altLang="pt-BR" sz="2800" dirty="0" smtClean="0"/>
-              <a:t>elementos da natureza.</a:t>
-            </a:r>
-            <a:endParaRPr lang="pt-BR" altLang="pt-BR" sz="2800" dirty="0"/>
-          </a:p>
-          <a:p>
-            <a:pPr eaLnBrk="1" hangingPunct="1"/>
-            <a:endParaRPr lang="pt-BR" altLang="pt-BR" sz="2800" dirty="0"/>
+              <a:rPr lang="pt-BR" altLang="pt-BR" sz="2400" dirty="0"/>
+              <a:t>Manipular elementos da natureza.</a:t>
+            </a:r>
           </a:p>
           <a:p>
             <a:pPr eaLnBrk="1" hangingPunct="1"/>
@@ -8376,34 +9226,29 @@
             </a:pPr>
             <a:r>
               <a:rPr lang="pt-BR" altLang="pt-BR" sz="2800" dirty="0"/>
-              <a:t>    Objetivos específicos:</a:t>
+              <a:t>    </a:t>
+            </a:r>
+            <a:r>
+              <a:rPr lang="pt-BR" altLang="pt-BR" sz="2400" dirty="0"/>
+              <a:t>Objetivos específicos:</a:t>
             </a:r>
           </a:p>
           <a:p>
             <a:pPr lvl="1" eaLnBrk="1" hangingPunct="1"/>
             <a:r>
-              <a:rPr lang="pt-BR" sz="2400" dirty="0" smtClean="0"/>
-              <a:t>Disponibilizar </a:t>
-            </a:r>
-            <a:r>
               <a:rPr lang="pt-BR" sz="2400" dirty="0"/>
-              <a:t>um aplicativo que seja capaz de simular um ecossistema</a:t>
-            </a:r>
-            <a:r>
-              <a:rPr lang="pt-BR" altLang="pt-BR" sz="2400" dirty="0" smtClean="0"/>
+              <a:t>Disponibilizar um aplicativo que seja capaz de simular um ecossistema</a:t>
+            </a:r>
+            <a:r>
+              <a:rPr lang="pt-BR" altLang="pt-BR" sz="2400" dirty="0"/>
               <a:t>.</a:t>
             </a:r>
-            <a:endParaRPr lang="pt-BR" altLang="pt-BR" sz="2400" dirty="0"/>
           </a:p>
           <a:p>
             <a:pPr lvl="1"/>
             <a:r>
-              <a:rPr lang="pt-BR" sz="2400" dirty="0" smtClean="0"/>
-              <a:t>Permitir </a:t>
-            </a:r>
-            <a:r>
               <a:rPr lang="pt-BR" sz="2400" dirty="0"/>
-              <a:t>o controle da simulação com algum meio de interface tangível.</a:t>
+              <a:t>Permitir o controle da simulação com algum meio de interface tangível.</a:t>
             </a:r>
             <a:endParaRPr lang="pt-BR" altLang="pt-BR" sz="2400" dirty="0"/>
           </a:p>
@@ -8419,13 +9264,6 @@
   <p:clrMapOvr>
     <a:masterClrMapping/>
   </p:clrMapOvr>
-  <p:timing>
-    <p:tnLst>
-      <p:par>
-        <p:cTn id="1" dur="indefinite" restart="never" nodeType="tmRoot"/>
-      </p:par>
-    </p:tnLst>
-  </p:timing>
 </p:sld>
 </file>
 
@@ -8511,13 +9349,6 @@
   <p:clrMapOvr>
     <a:masterClrMapping/>
   </p:clrMapOvr>
-  <p:timing>
-    <p:tnLst>
-      <p:par>
-        <p:cTn id="1" dur="indefinite" restart="never" nodeType="tmRoot"/>
-      </p:par>
-    </p:tnLst>
-  </p:timing>
 </p:sld>
 </file>
 
@@ -8588,7 +9419,7 @@
         </p:blipFill>
         <p:spPr bwMode="auto">
           <a:xfrm>
-            <a:off x="4139952" y="2564904"/>
+            <a:off x="4067944" y="2708920"/>
             <a:ext cx="4255875" cy="2839499"/>
           </a:xfrm>
           <a:prstGeom prst="rect">
@@ -8614,8 +9445,8 @@
         </p:nvSpPr>
         <p:spPr>
           <a:xfrm>
-            <a:off x="251520" y="1340768"/>
-            <a:ext cx="8280920" cy="3385542"/>
+            <a:off x="431540" y="1700808"/>
+            <a:ext cx="8280920" cy="2646878"/>
           </a:xfrm>
           <a:prstGeom prst="rect">
             <a:avLst/>
@@ -8629,39 +9460,24 @@
           <a:lstStyle/>
           <a:p>
             <a:r>
-              <a:rPr lang="pt-BR" sz="2800" dirty="0" smtClean="0">
+              <a:rPr lang="pt-BR" sz="2400" dirty="0">
                 <a:latin typeface="+mn-lt"/>
               </a:rPr>
-              <a:t>Conjunto de </a:t>
-            </a:r>
-            <a:r>
-              <a:rPr lang="pt-BR" sz="2800" dirty="0">
-                <a:latin typeface="+mn-lt"/>
-              </a:rPr>
-              <a:t>comunidades que vivem em um determinado local e interagem entre si e com o meio </a:t>
-            </a:r>
-            <a:r>
-              <a:rPr lang="pt-BR" sz="2800" dirty="0" smtClean="0">
-                <a:latin typeface="+mn-lt"/>
-              </a:rPr>
-              <a:t>ambiente.</a:t>
-            </a:r>
-          </a:p>
-          <a:p>
-            <a:endParaRPr lang="pt-BR" sz="2800" dirty="0" smtClean="0">
+              <a:t>Conjunto de comunidades que vivem em um determinado local e interagem entre si e com o meio ambiente.</a:t>
+            </a:r>
+          </a:p>
+          <a:p>
+            <a:endParaRPr lang="pt-BR" sz="2800" dirty="0">
               <a:latin typeface="+mn-lt"/>
             </a:endParaRPr>
           </a:p>
           <a:p>
             <a:r>
-              <a:rPr lang="pt-BR" sz="2800" dirty="0" smtClean="0">
+              <a:rPr lang="pt-BR" sz="2400" dirty="0">
                 <a:latin typeface="+mn-lt"/>
               </a:rPr>
               <a:t>Componentes Básicos:</a:t>
             </a:r>
-            <a:endParaRPr lang="pt-BR" sz="2800" dirty="0">
-              <a:latin typeface="+mn-lt"/>
-            </a:endParaRPr>
           </a:p>
           <a:p>
             <a:pPr marL="457200" indent="-457200">
@@ -8669,14 +9485,11 @@
               <a:buChar char="•"/>
             </a:pPr>
             <a:r>
-              <a:rPr lang="pt-BR" sz="2800" dirty="0" smtClean="0">
+              <a:rPr lang="pt-BR" sz="2400" dirty="0">
                 <a:latin typeface="+mn-lt"/>
               </a:rPr>
               <a:t>Biótico</a:t>
             </a:r>
-            <a:endParaRPr lang="pt-BR" sz="2800" dirty="0">
-              <a:latin typeface="+mn-lt"/>
-            </a:endParaRPr>
           </a:p>
           <a:p>
             <a:pPr marL="457200" indent="-457200">
@@ -8684,14 +9497,11 @@
               <a:buChar char="•"/>
             </a:pPr>
             <a:r>
-              <a:rPr lang="pt-BR" sz="2800" dirty="0" smtClean="0">
+              <a:rPr lang="pt-BR" sz="2400" dirty="0">
                 <a:latin typeface="+mn-lt"/>
               </a:rPr>
               <a:t>Abiótico</a:t>
             </a:r>
-            <a:endParaRPr lang="pt-BR" sz="2800" dirty="0" smtClean="0">
-              <a:latin typeface="+mn-lt"/>
-            </a:endParaRPr>
           </a:p>
           <a:p>
             <a:endParaRPr lang="pt-BR" dirty="0">
@@ -8710,13 +9520,6 @@
   <p:clrMapOvr>
     <a:masterClrMapping/>
   </p:clrMapOvr>
-  <p:timing>
-    <p:tnLst>
-      <p:par>
-        <p:cTn id="1" dur="indefinite" restart="never" nodeType="tmRoot"/>
-      </p:par>
-    </p:tnLst>
-  </p:timing>
 </p:sld>
 </file>
 
@@ -8782,8 +9585,8 @@
         </p:blipFill>
         <p:spPr bwMode="auto">
           <a:xfrm>
-            <a:off x="897005" y="1844824"/>
-            <a:ext cx="7370678" cy="3240360"/>
+            <a:off x="3621226" y="3053816"/>
+            <a:ext cx="4948232" cy="2175384"/>
           </a:xfrm>
           <a:prstGeom prst="rect">
             <a:avLst/>
@@ -8800,6 +9603,104 @@
           </a:extLst>
         </p:spPr>
       </p:pic>
+      <p:sp>
+        <p:nvSpPr>
+          <p:cNvPr id="3" name="Retângulo 2">
+            <a:extLst>
+              <a:ext uri="{FF2B5EF4-FFF2-40B4-BE49-F238E27FC236}">
+                <a16:creationId xmlns:a16="http://schemas.microsoft.com/office/drawing/2014/main" id="{63F504D4-A780-4A9E-AD48-3B21C3542F8F}"/>
+              </a:ext>
+            </a:extLst>
+          </p:cNvPr>
+          <p:cNvSpPr/>
+          <p:nvPr/>
+        </p:nvSpPr>
+        <p:spPr>
+          <a:xfrm>
+            <a:off x="107504" y="1500365"/>
+            <a:ext cx="8712968" cy="830997"/>
+          </a:xfrm>
+          <a:prstGeom prst="rect">
+            <a:avLst/>
+          </a:prstGeom>
+        </p:spPr>
+        <p:txBody>
+          <a:bodyPr wrap="square">
+            <a:spAutoFit/>
+          </a:bodyPr>
+          <a:lstStyle/>
+          <a:p>
+            <a:r>
+              <a:rPr lang="pt-BR" sz="2400" dirty="0">
+                <a:latin typeface="+mn-lt"/>
+              </a:rPr>
+              <a:t>Realidade Aumentada é uma tecnologia que permite que o mundo virtual seja misturado ao real.</a:t>
+            </a:r>
+          </a:p>
+        </p:txBody>
+      </p:sp>
+      <p:sp>
+        <p:nvSpPr>
+          <p:cNvPr id="4" name="CaixaDeTexto 3">
+            <a:extLst>
+              <a:ext uri="{FF2B5EF4-FFF2-40B4-BE49-F238E27FC236}">
+                <a16:creationId xmlns:a16="http://schemas.microsoft.com/office/drawing/2014/main" id="{A436528B-A3D8-43E5-B69B-47090E12BA5F}"/>
+              </a:ext>
+            </a:extLst>
+          </p:cNvPr>
+          <p:cNvSpPr txBox="1"/>
+          <p:nvPr/>
+        </p:nvSpPr>
+        <p:spPr>
+          <a:xfrm>
+            <a:off x="104316" y="2461780"/>
+            <a:ext cx="3563888" cy="3416320"/>
+          </a:xfrm>
+          <a:prstGeom prst="rect">
+            <a:avLst/>
+          </a:prstGeom>
+          <a:noFill/>
+        </p:spPr>
+        <p:txBody>
+          <a:bodyPr wrap="square" rtlCol="0">
+            <a:spAutoFit/>
+          </a:bodyPr>
+          <a:lstStyle/>
+          <a:p>
+            <a:r>
+              <a:rPr lang="pt-BR" sz="2400" dirty="0"/>
+              <a:t>Componentes Básicos:</a:t>
+            </a:r>
+          </a:p>
+          <a:p>
+            <a:pPr marL="285750" indent="-285750">
+              <a:buFont typeface="Arial" panose="020B0604020202020204" pitchFamily="34" charset="0"/>
+              <a:buChar char="•"/>
+            </a:pPr>
+            <a:r>
+              <a:rPr lang="pt-BR" sz="2400" dirty="0"/>
+              <a:t>Câmera ou dispositivo capaz de transmitir o objeto virtual.</a:t>
+            </a:r>
+          </a:p>
+          <a:p>
+            <a:pPr marL="285750" indent="-285750">
+              <a:buFont typeface="Arial" panose="020B0604020202020204" pitchFamily="34" charset="0"/>
+              <a:buChar char="•"/>
+            </a:pPr>
+            <a:endParaRPr lang="pt-BR" sz="2400" dirty="0"/>
+          </a:p>
+          <a:p>
+            <a:pPr marL="285750" indent="-285750">
+              <a:buFont typeface="Arial" panose="020B0604020202020204" pitchFamily="34" charset="0"/>
+              <a:buChar char="•"/>
+            </a:pPr>
+            <a:r>
+              <a:rPr lang="pt-BR" sz="2400" dirty="0"/>
+              <a:t>Software capaz de interpretar o sinal transmitido pela câmera ou dispositivo.</a:t>
+            </a:r>
+          </a:p>
+        </p:txBody>
+      </p:sp>
     </p:spTree>
     <p:extLst>
       <p:ext uri="{BB962C8B-B14F-4D97-AF65-F5344CB8AC3E}">
@@ -8810,13 +9711,6 @@
   <p:clrMapOvr>
     <a:masterClrMapping/>
   </p:clrMapOvr>
-  <p:timing>
-    <p:tnLst>
-      <p:par>
-        <p:cTn id="1" dur="indefinite" restart="never" nodeType="tmRoot"/>
-      </p:par>
-    </p:tnLst>
-  </p:timing>
 </p:sld>
 </file>
 
@@ -8882,8 +9776,8 @@
         </p:blipFill>
         <p:spPr bwMode="auto">
           <a:xfrm>
-            <a:off x="1574011" y="1772816"/>
-            <a:ext cx="6016666" cy="3384376"/>
+            <a:off x="3899827" y="2687736"/>
+            <a:ext cx="4551548" cy="2560247"/>
           </a:xfrm>
           <a:prstGeom prst="rect">
             <a:avLst/>
@@ -8900,6 +9794,103 @@
           </a:extLst>
         </p:spPr>
       </p:pic>
+      <p:sp>
+        <p:nvSpPr>
+          <p:cNvPr id="3" name="CaixaDeTexto 2">
+            <a:extLst>
+              <a:ext uri="{FF2B5EF4-FFF2-40B4-BE49-F238E27FC236}">
+                <a16:creationId xmlns:a16="http://schemas.microsoft.com/office/drawing/2014/main" id="{3BE5FB9F-DCE2-492C-B2DA-8FF071D8B797}"/>
+              </a:ext>
+            </a:extLst>
+          </p:cNvPr>
+          <p:cNvSpPr txBox="1"/>
+          <p:nvPr/>
+        </p:nvSpPr>
+        <p:spPr>
+          <a:xfrm>
+            <a:off x="107504" y="1320481"/>
+            <a:ext cx="9036496" cy="1569660"/>
+          </a:xfrm>
+          <a:prstGeom prst="rect">
+            <a:avLst/>
+          </a:prstGeom>
+          <a:noFill/>
+        </p:spPr>
+        <p:txBody>
+          <a:bodyPr wrap="square" rtlCol="0">
+            <a:spAutoFit/>
+          </a:bodyPr>
+          <a:lstStyle/>
+          <a:p>
+            <a:r>
+              <a:rPr lang="pt-BR" sz="2400" dirty="0"/>
+              <a:t>Animação comportamental permite que personagens virtuais possam realizar movimentações complexas independentemente, possibilitando que os personagens respondam a ações do usuário.</a:t>
+            </a:r>
+          </a:p>
+        </p:txBody>
+      </p:sp>
+      <p:sp>
+        <p:nvSpPr>
+          <p:cNvPr id="5" name="CaixaDeTexto 4">
+            <a:extLst>
+              <a:ext uri="{FF2B5EF4-FFF2-40B4-BE49-F238E27FC236}">
+                <a16:creationId xmlns:a16="http://schemas.microsoft.com/office/drawing/2014/main" id="{52A5E672-E345-433A-B030-C95B9360D858}"/>
+              </a:ext>
+            </a:extLst>
+          </p:cNvPr>
+          <p:cNvSpPr txBox="1"/>
+          <p:nvPr/>
+        </p:nvSpPr>
+        <p:spPr>
+          <a:xfrm>
+            <a:off x="135443" y="2890141"/>
+            <a:ext cx="3563888" cy="1938992"/>
+          </a:xfrm>
+          <a:prstGeom prst="rect">
+            <a:avLst/>
+          </a:prstGeom>
+          <a:noFill/>
+        </p:spPr>
+        <p:txBody>
+          <a:bodyPr wrap="square" rtlCol="0">
+            <a:spAutoFit/>
+          </a:bodyPr>
+          <a:lstStyle/>
+          <a:p>
+            <a:r>
+              <a:rPr lang="pt-BR" sz="2400" dirty="0"/>
+              <a:t>Componentes Básicos:</a:t>
+            </a:r>
+          </a:p>
+          <a:p>
+            <a:pPr marL="285750" indent="-285750">
+              <a:buFont typeface="Arial" panose="020B0604020202020204" pitchFamily="34" charset="0"/>
+              <a:buChar char="•"/>
+            </a:pPr>
+            <a:r>
+              <a:rPr lang="pt-BR" sz="2400" dirty="0"/>
+              <a:t>Ambiente virtual.</a:t>
+            </a:r>
+          </a:p>
+          <a:p>
+            <a:pPr marL="285750" indent="-285750">
+              <a:buFont typeface="Arial" panose="020B0604020202020204" pitchFamily="34" charset="0"/>
+              <a:buChar char="•"/>
+            </a:pPr>
+            <a:endParaRPr lang="pt-BR" sz="2400" dirty="0"/>
+          </a:p>
+          <a:p>
+            <a:pPr marL="285750" indent="-285750">
+              <a:buFont typeface="Arial" panose="020B0604020202020204" pitchFamily="34" charset="0"/>
+              <a:buChar char="•"/>
+            </a:pPr>
+            <a:r>
+              <a:rPr lang="pt-BR" sz="2400" dirty="0"/>
+              <a:t>Personagem inserido no ambiente.</a:t>
+            </a:r>
+          </a:p>
+        </p:txBody>
+      </p:sp>
     </p:spTree>
     <p:extLst>
       <p:ext uri="{BB962C8B-B14F-4D97-AF65-F5344CB8AC3E}">
@@ -8910,13 +9901,6 @@
   <p:clrMapOvr>
     <a:masterClrMapping/>
   </p:clrMapOvr>
-  <p:timing>
-    <p:tnLst>
-      <p:par>
-        <p:cTn id="1" dur="indefinite" restart="never" nodeType="tmRoot"/>
-      </p:par>
-    </p:tnLst>
-  </p:timing>
 </p:sld>
 </file>
 
@@ -8980,8 +9964,8 @@
         </p:blipFill>
         <p:spPr>
           <a:xfrm>
-            <a:off x="1475656" y="2891118"/>
-            <a:ext cx="1797621" cy="2562894"/>
+            <a:off x="3282945" y="2069145"/>
+            <a:ext cx="1944215" cy="2771894"/>
           </a:xfrm>
           <a:prstGeom prst="rect">
             <a:avLst/>
@@ -9004,7 +9988,7 @@
         </p:blipFill>
         <p:spPr>
           <a:xfrm>
-            <a:off x="4860032" y="2911951"/>
+            <a:off x="5392137" y="2147441"/>
             <a:ext cx="3235677" cy="2615303"/>
           </a:xfrm>
           <a:prstGeom prst="rect">
@@ -9012,6 +9996,512 @@
           </a:prstGeom>
         </p:spPr>
       </p:pic>
+      <p:graphicFrame>
+        <p:nvGraphicFramePr>
+          <p:cNvPr id="8" name="Tabela 7">
+            <a:extLst>
+              <a:ext uri="{FF2B5EF4-FFF2-40B4-BE49-F238E27FC236}">
+                <a16:creationId xmlns:a16="http://schemas.microsoft.com/office/drawing/2014/main" id="{AB84ED2E-F110-4688-A002-AD294B5CE98E}"/>
+              </a:ext>
+            </a:extLst>
+          </p:cNvPr>
+          <p:cNvGraphicFramePr>
+            <a:graphicFrameLocks noGrp="1"/>
+          </p:cNvGraphicFramePr>
+          <p:nvPr>
+            <p:extLst>
+              <p:ext uri="{D42A27DB-BD31-4B8C-83A1-F6EECF244321}">
+                <p14:modId xmlns:p14="http://schemas.microsoft.com/office/powerpoint/2010/main" val="3132780036"/>
+              </p:ext>
+            </p:extLst>
+          </p:nvPr>
+        </p:nvGraphicFramePr>
+        <p:xfrm>
+          <a:off x="516186" y="2154373"/>
+          <a:ext cx="2764081" cy="3017141"/>
+        </p:xfrm>
+        <a:graphic>
+          <a:graphicData uri="http://schemas.openxmlformats.org/drawingml/2006/table">
+            <a:tbl>
+              <a:tblPr firstRow="1" firstCol="1" bandRow="1"/>
+              <a:tblGrid>
+                <a:gridCol w="2764081">
+                  <a:extLst>
+                    <a:ext uri="{9D8B030D-6E8A-4147-A177-3AD203B41FA5}">
+                      <a16:colId xmlns:a16="http://schemas.microsoft.com/office/drawing/2014/main" val="3939435094"/>
+                    </a:ext>
+                  </a:extLst>
+                </a:gridCol>
+              </a:tblGrid>
+              <a:tr h="0">
+                <a:tc>
+                  <a:txBody>
+                    <a:bodyPr/>
+                    <a:lstStyle/>
+                    <a:p>
+                      <a:pPr algn="ctr">
+                        <a:lnSpc>
+                          <a:spcPct val="107000"/>
+                        </a:lnSpc>
+                        <a:spcAft>
+                          <a:spcPts val="0"/>
+                        </a:spcAft>
+                      </a:pPr>
+                      <a:r>
+                        <a:rPr lang="pt-BR" sz="1600" b="1" dirty="0">
+                          <a:solidFill>
+                            <a:srgbClr val="222222"/>
+                          </a:solidFill>
+                          <a:effectLst/>
+                          <a:latin typeface="+mn-lt"/>
+                          <a:ea typeface="Calibri" panose="020F0502020204030204" pitchFamily="34" charset="0"/>
+                          <a:cs typeface="Arial" panose="020B0604020202020204" pitchFamily="34" charset="0"/>
+                        </a:rPr>
+                        <a:t>Características</a:t>
+                      </a:r>
+                      <a:endParaRPr lang="pt-BR" sz="1600" b="1" dirty="0">
+                        <a:effectLst/>
+                        <a:latin typeface="+mn-lt"/>
+                        <a:ea typeface="Calibri" panose="020F0502020204030204" pitchFamily="34" charset="0"/>
+                        <a:cs typeface="Arial" panose="020B0604020202020204" pitchFamily="34" charset="0"/>
+                      </a:endParaRPr>
+                    </a:p>
+                  </a:txBody>
+                  <a:tcPr marL="68580" marR="68580" marT="0" marB="0">
+                    <a:lnL w="12700" cap="flat" cmpd="sng" algn="ctr">
+                      <a:solidFill>
+                        <a:srgbClr val="000000"/>
+                      </a:solidFill>
+                      <a:prstDash val="solid"/>
+                      <a:round/>
+                      <a:headEnd type="none" w="med" len="med"/>
+                      <a:tailEnd type="none" w="med" len="med"/>
+                    </a:lnL>
+                    <a:lnR w="12700" cap="flat" cmpd="sng" algn="ctr">
+                      <a:solidFill>
+                        <a:srgbClr val="000000"/>
+                      </a:solidFill>
+                      <a:prstDash val="solid"/>
+                      <a:round/>
+                      <a:headEnd type="none" w="med" len="med"/>
+                      <a:tailEnd type="none" w="med" len="med"/>
+                    </a:lnR>
+                    <a:lnT w="12700" cap="flat" cmpd="sng" algn="ctr">
+                      <a:solidFill>
+                        <a:srgbClr val="000000"/>
+                      </a:solidFill>
+                      <a:prstDash val="solid"/>
+                      <a:round/>
+                      <a:headEnd type="none" w="med" len="med"/>
+                      <a:tailEnd type="none" w="med" len="med"/>
+                    </a:lnT>
+                    <a:lnB w="12700" cap="flat" cmpd="sng" algn="ctr">
+                      <a:solidFill>
+                        <a:srgbClr val="000000"/>
+                      </a:solidFill>
+                      <a:prstDash val="solid"/>
+                      <a:round/>
+                      <a:headEnd type="none" w="med" len="med"/>
+                      <a:tailEnd type="none" w="med" len="med"/>
+                    </a:lnB>
+                  </a:tcPr>
+                </a:tc>
+                <a:extLst>
+                  <a:ext uri="{0D108BD9-81ED-4DB2-BD59-A6C34878D82A}">
+                    <a16:rowId xmlns:a16="http://schemas.microsoft.com/office/drawing/2014/main" val="800828770"/>
+                  </a:ext>
+                </a:extLst>
+              </a:tr>
+              <a:tr h="0">
+                <a:tc>
+                  <a:txBody>
+                    <a:bodyPr/>
+                    <a:lstStyle/>
+                    <a:p>
+                      <a:pPr>
+                        <a:lnSpc>
+                          <a:spcPct val="107000"/>
+                        </a:lnSpc>
+                        <a:spcAft>
+                          <a:spcPts val="0"/>
+                        </a:spcAft>
+                      </a:pPr>
+                      <a:r>
+                        <a:rPr lang="pt-BR" sz="1600" dirty="0">
+                          <a:effectLst/>
+                          <a:latin typeface="+mn-lt"/>
+                          <a:ea typeface="Calibri" panose="020F0502020204030204" pitchFamily="34" charset="0"/>
+                          <a:cs typeface="Arial" panose="020B0604020202020204" pitchFamily="34" charset="0"/>
+                        </a:rPr>
+                        <a:t>Utiliza Realidade Aumentada.</a:t>
+                      </a:r>
+                    </a:p>
+                  </a:txBody>
+                  <a:tcPr marL="68580" marR="68580" marT="0" marB="0">
+                    <a:lnL w="12700" cap="flat" cmpd="sng" algn="ctr">
+                      <a:solidFill>
+                        <a:srgbClr val="000000"/>
+                      </a:solidFill>
+                      <a:prstDash val="solid"/>
+                      <a:round/>
+                      <a:headEnd type="none" w="med" len="med"/>
+                      <a:tailEnd type="none" w="med" len="med"/>
+                    </a:lnL>
+                    <a:lnR w="12700" cap="flat" cmpd="sng" algn="ctr">
+                      <a:solidFill>
+                        <a:srgbClr val="000000"/>
+                      </a:solidFill>
+                      <a:prstDash val="solid"/>
+                      <a:round/>
+                      <a:headEnd type="none" w="med" len="med"/>
+                      <a:tailEnd type="none" w="med" len="med"/>
+                    </a:lnR>
+                    <a:lnT w="12700" cap="flat" cmpd="sng" algn="ctr">
+                      <a:solidFill>
+                        <a:srgbClr val="000000"/>
+                      </a:solidFill>
+                      <a:prstDash val="solid"/>
+                      <a:round/>
+                      <a:headEnd type="none" w="med" len="med"/>
+                      <a:tailEnd type="none" w="med" len="med"/>
+                    </a:lnT>
+                    <a:lnB w="12700" cap="flat" cmpd="sng" algn="ctr">
+                      <a:solidFill>
+                        <a:srgbClr val="000000"/>
+                      </a:solidFill>
+                      <a:prstDash val="solid"/>
+                      <a:round/>
+                      <a:headEnd type="none" w="med" len="med"/>
+                      <a:tailEnd type="none" w="med" len="med"/>
+                    </a:lnB>
+                  </a:tcPr>
+                </a:tc>
+                <a:extLst>
+                  <a:ext uri="{0D108BD9-81ED-4DB2-BD59-A6C34878D82A}">
+                    <a16:rowId xmlns:a16="http://schemas.microsoft.com/office/drawing/2014/main" val="3733186002"/>
+                  </a:ext>
+                </a:extLst>
+              </a:tr>
+              <a:tr h="0">
+                <a:tc>
+                  <a:txBody>
+                    <a:bodyPr/>
+                    <a:lstStyle/>
+                    <a:p>
+                      <a:pPr>
+                        <a:lnSpc>
+                          <a:spcPct val="107000"/>
+                        </a:lnSpc>
+                        <a:spcAft>
+                          <a:spcPts val="0"/>
+                        </a:spcAft>
+                      </a:pPr>
+                      <a:r>
+                        <a:rPr lang="pt-BR" sz="1600" dirty="0">
+                          <a:effectLst/>
+                          <a:latin typeface="+mn-lt"/>
+                          <a:ea typeface="Calibri" panose="020F0502020204030204" pitchFamily="34" charset="0"/>
+                          <a:cs typeface="Arial" panose="020B0604020202020204" pitchFamily="34" charset="0"/>
+                        </a:rPr>
+                        <a:t>Utiliza um meio de Interface de Usuário Tangível.</a:t>
+                      </a:r>
+                    </a:p>
+                  </a:txBody>
+                  <a:tcPr marL="68580" marR="68580" marT="0" marB="0">
+                    <a:lnL w="12700" cap="flat" cmpd="sng" algn="ctr">
+                      <a:solidFill>
+                        <a:srgbClr val="000000"/>
+                      </a:solidFill>
+                      <a:prstDash val="solid"/>
+                      <a:round/>
+                      <a:headEnd type="none" w="med" len="med"/>
+                      <a:tailEnd type="none" w="med" len="med"/>
+                    </a:lnL>
+                    <a:lnR w="12700" cap="flat" cmpd="sng" algn="ctr">
+                      <a:solidFill>
+                        <a:srgbClr val="000000"/>
+                      </a:solidFill>
+                      <a:prstDash val="solid"/>
+                      <a:round/>
+                      <a:headEnd type="none" w="med" len="med"/>
+                      <a:tailEnd type="none" w="med" len="med"/>
+                    </a:lnR>
+                    <a:lnT w="12700" cap="flat" cmpd="sng" algn="ctr">
+                      <a:solidFill>
+                        <a:srgbClr val="000000"/>
+                      </a:solidFill>
+                      <a:prstDash val="solid"/>
+                      <a:round/>
+                      <a:headEnd type="none" w="med" len="med"/>
+                      <a:tailEnd type="none" w="med" len="med"/>
+                    </a:lnT>
+                    <a:lnB w="12700" cap="flat" cmpd="sng" algn="ctr">
+                      <a:solidFill>
+                        <a:srgbClr val="000000"/>
+                      </a:solidFill>
+                      <a:prstDash val="solid"/>
+                      <a:round/>
+                      <a:headEnd type="none" w="med" len="med"/>
+                      <a:tailEnd type="none" w="med" len="med"/>
+                    </a:lnB>
+                  </a:tcPr>
+                </a:tc>
+                <a:extLst>
+                  <a:ext uri="{0D108BD9-81ED-4DB2-BD59-A6C34878D82A}">
+                    <a16:rowId xmlns:a16="http://schemas.microsoft.com/office/drawing/2014/main" val="2699111795"/>
+                  </a:ext>
+                </a:extLst>
+              </a:tr>
+              <a:tr h="0">
+                <a:tc>
+                  <a:txBody>
+                    <a:bodyPr/>
+                    <a:lstStyle/>
+                    <a:p>
+                      <a:pPr>
+                        <a:lnSpc>
+                          <a:spcPct val="107000"/>
+                        </a:lnSpc>
+                        <a:spcAft>
+                          <a:spcPts val="0"/>
+                        </a:spcAft>
+                      </a:pPr>
+                      <a:r>
+                        <a:rPr lang="pt-BR" sz="1600" dirty="0">
+                          <a:effectLst/>
+                          <a:latin typeface="+mn-lt"/>
+                          <a:ea typeface="Calibri" panose="020F0502020204030204" pitchFamily="34" charset="0"/>
+                          <a:cs typeface="Arial" panose="020B0604020202020204" pitchFamily="34" charset="0"/>
+                        </a:rPr>
+                        <a:t>Permite a manipulação de cenários e objetos virtuais.</a:t>
+                      </a:r>
+                    </a:p>
+                  </a:txBody>
+                  <a:tcPr marL="68580" marR="68580" marT="0" marB="0">
+                    <a:lnL w="12700" cap="flat" cmpd="sng" algn="ctr">
+                      <a:solidFill>
+                        <a:srgbClr val="000000"/>
+                      </a:solidFill>
+                      <a:prstDash val="solid"/>
+                      <a:round/>
+                      <a:headEnd type="none" w="med" len="med"/>
+                      <a:tailEnd type="none" w="med" len="med"/>
+                    </a:lnL>
+                    <a:lnR w="12700" cap="flat" cmpd="sng" algn="ctr">
+                      <a:solidFill>
+                        <a:srgbClr val="000000"/>
+                      </a:solidFill>
+                      <a:prstDash val="solid"/>
+                      <a:round/>
+                      <a:headEnd type="none" w="med" len="med"/>
+                      <a:tailEnd type="none" w="med" len="med"/>
+                    </a:lnR>
+                    <a:lnT w="12700" cap="flat" cmpd="sng" algn="ctr">
+                      <a:solidFill>
+                        <a:srgbClr val="000000"/>
+                      </a:solidFill>
+                      <a:prstDash val="solid"/>
+                      <a:round/>
+                      <a:headEnd type="none" w="med" len="med"/>
+                      <a:tailEnd type="none" w="med" len="med"/>
+                    </a:lnT>
+                    <a:lnB w="12700" cap="flat" cmpd="sng" algn="ctr">
+                      <a:solidFill>
+                        <a:srgbClr val="000000"/>
+                      </a:solidFill>
+                      <a:prstDash val="solid"/>
+                      <a:round/>
+                      <a:headEnd type="none" w="med" len="med"/>
+                      <a:tailEnd type="none" w="med" len="med"/>
+                    </a:lnB>
+                  </a:tcPr>
+                </a:tc>
+                <a:extLst>
+                  <a:ext uri="{0D108BD9-81ED-4DB2-BD59-A6C34878D82A}">
+                    <a16:rowId xmlns:a16="http://schemas.microsoft.com/office/drawing/2014/main" val="1433354913"/>
+                  </a:ext>
+                </a:extLst>
+              </a:tr>
+              <a:tr h="0">
+                <a:tc>
+                  <a:txBody>
+                    <a:bodyPr/>
+                    <a:lstStyle/>
+                    <a:p>
+                      <a:pPr>
+                        <a:lnSpc>
+                          <a:spcPct val="107000"/>
+                        </a:lnSpc>
+                        <a:spcAft>
+                          <a:spcPts val="0"/>
+                        </a:spcAft>
+                      </a:pPr>
+                      <a:r>
+                        <a:rPr lang="pt-BR" sz="1600" dirty="0">
+                          <a:effectLst/>
+                          <a:latin typeface="+mn-lt"/>
+                          <a:ea typeface="Calibri" panose="020F0502020204030204" pitchFamily="34" charset="0"/>
+                          <a:cs typeface="Arial" panose="020B0604020202020204" pitchFamily="34" charset="0"/>
+                        </a:rPr>
+                        <a:t>Permite a criação de animações.</a:t>
+                      </a:r>
+                    </a:p>
+                  </a:txBody>
+                  <a:tcPr marL="68580" marR="68580" marT="0" marB="0">
+                    <a:lnL w="12700" cap="flat" cmpd="sng" algn="ctr">
+                      <a:solidFill>
+                        <a:srgbClr val="000000"/>
+                      </a:solidFill>
+                      <a:prstDash val="solid"/>
+                      <a:round/>
+                      <a:headEnd type="none" w="med" len="med"/>
+                      <a:tailEnd type="none" w="med" len="med"/>
+                    </a:lnL>
+                    <a:lnR w="12700" cap="flat" cmpd="sng" algn="ctr">
+                      <a:solidFill>
+                        <a:srgbClr val="000000"/>
+                      </a:solidFill>
+                      <a:prstDash val="solid"/>
+                      <a:round/>
+                      <a:headEnd type="none" w="med" len="med"/>
+                      <a:tailEnd type="none" w="med" len="med"/>
+                    </a:lnR>
+                    <a:lnT w="12700" cap="flat" cmpd="sng" algn="ctr">
+                      <a:solidFill>
+                        <a:srgbClr val="000000"/>
+                      </a:solidFill>
+                      <a:prstDash val="solid"/>
+                      <a:round/>
+                      <a:headEnd type="none" w="med" len="med"/>
+                      <a:tailEnd type="none" w="med" len="med"/>
+                    </a:lnT>
+                    <a:lnB w="12700" cap="flat" cmpd="sng" algn="ctr">
+                      <a:solidFill>
+                        <a:srgbClr val="000000"/>
+                      </a:solidFill>
+                      <a:prstDash val="solid"/>
+                      <a:round/>
+                      <a:headEnd type="none" w="med" len="med"/>
+                      <a:tailEnd type="none" w="med" len="med"/>
+                    </a:lnB>
+                  </a:tcPr>
+                </a:tc>
+                <a:extLst>
+                  <a:ext uri="{0D108BD9-81ED-4DB2-BD59-A6C34878D82A}">
+                    <a16:rowId xmlns:a16="http://schemas.microsoft.com/office/drawing/2014/main" val="4202073881"/>
+                  </a:ext>
+                </a:extLst>
+              </a:tr>
+              <a:tr h="0">
+                <a:tc>
+                  <a:txBody>
+                    <a:bodyPr/>
+                    <a:lstStyle/>
+                    <a:p>
+                      <a:pPr>
+                        <a:lnSpc>
+                          <a:spcPct val="107000"/>
+                        </a:lnSpc>
+                        <a:spcAft>
+                          <a:spcPts val="0"/>
+                        </a:spcAft>
+                      </a:pPr>
+                      <a:r>
+                        <a:rPr lang="pt-BR" sz="1600" dirty="0">
+                          <a:effectLst/>
+                          <a:latin typeface="+mn-lt"/>
+                          <a:ea typeface="Calibri" panose="020F0502020204030204" pitchFamily="34" charset="0"/>
+                          <a:cs typeface="Arial" panose="020B0604020202020204" pitchFamily="34" charset="0"/>
+                        </a:rPr>
+                        <a:t>Desenvolvida com o motor gráfico </a:t>
+                      </a:r>
+                      <a:r>
+                        <a:rPr lang="pt-BR" sz="1600" dirty="0" err="1">
+                          <a:effectLst/>
+                          <a:latin typeface="+mn-lt"/>
+                          <a:ea typeface="Calibri" panose="020F0502020204030204" pitchFamily="34" charset="0"/>
+                          <a:cs typeface="Arial" panose="020B0604020202020204" pitchFamily="34" charset="0"/>
+                        </a:rPr>
+                        <a:t>Unity</a:t>
+                      </a:r>
+                      <a:r>
+                        <a:rPr lang="pt-BR" sz="1600" dirty="0">
+                          <a:effectLst/>
+                          <a:latin typeface="+mn-lt"/>
+                          <a:ea typeface="Calibri" panose="020F0502020204030204" pitchFamily="34" charset="0"/>
+                          <a:cs typeface="Arial" panose="020B0604020202020204" pitchFamily="34" charset="0"/>
+                        </a:rPr>
+                        <a:t> e a biblioteca </a:t>
+                      </a:r>
+                      <a:r>
+                        <a:rPr lang="pt-BR" sz="1600" dirty="0" err="1">
+                          <a:effectLst/>
+                          <a:latin typeface="+mn-lt"/>
+                          <a:ea typeface="Calibri" panose="020F0502020204030204" pitchFamily="34" charset="0"/>
+                          <a:cs typeface="Arial" panose="020B0604020202020204" pitchFamily="34" charset="0"/>
+                        </a:rPr>
+                        <a:t>Vuforia</a:t>
+                      </a:r>
+                      <a:r>
+                        <a:rPr lang="pt-BR" sz="1600" dirty="0">
+                          <a:effectLst/>
+                          <a:latin typeface="+mn-lt"/>
+                          <a:ea typeface="Calibri" panose="020F0502020204030204" pitchFamily="34" charset="0"/>
+                          <a:cs typeface="Arial" panose="020B0604020202020204" pitchFamily="34" charset="0"/>
+                        </a:rPr>
+                        <a:t>.</a:t>
+                      </a:r>
+                    </a:p>
+                  </a:txBody>
+                  <a:tcPr marL="68580" marR="68580" marT="0" marB="0">
+                    <a:lnL w="12700" cap="flat" cmpd="sng" algn="ctr">
+                      <a:solidFill>
+                        <a:srgbClr val="000000"/>
+                      </a:solidFill>
+                      <a:prstDash val="solid"/>
+                      <a:round/>
+                      <a:headEnd type="none" w="med" len="med"/>
+                      <a:tailEnd type="none" w="med" len="med"/>
+                    </a:lnL>
+                    <a:lnR w="12700" cap="flat" cmpd="sng" algn="ctr">
+                      <a:solidFill>
+                        <a:srgbClr val="000000"/>
+                      </a:solidFill>
+                      <a:prstDash val="solid"/>
+                      <a:round/>
+                      <a:headEnd type="none" w="med" len="med"/>
+                      <a:tailEnd type="none" w="med" len="med"/>
+                    </a:lnR>
+                    <a:lnT w="12700" cap="flat" cmpd="sng" algn="ctr">
+                      <a:solidFill>
+                        <a:srgbClr val="000000"/>
+                      </a:solidFill>
+                      <a:prstDash val="solid"/>
+                      <a:round/>
+                      <a:headEnd type="none" w="med" len="med"/>
+                      <a:tailEnd type="none" w="med" len="med"/>
+                    </a:lnT>
+                    <a:lnB w="12700" cap="flat" cmpd="sng" algn="ctr">
+                      <a:solidFill>
+                        <a:srgbClr val="000000"/>
+                      </a:solidFill>
+                      <a:prstDash val="solid"/>
+                      <a:round/>
+                      <a:headEnd type="none" w="med" len="med"/>
+                      <a:tailEnd type="none" w="med" len="med"/>
+                    </a:lnB>
+                  </a:tcPr>
+                </a:tc>
+                <a:extLst>
+                  <a:ext uri="{0D108BD9-81ED-4DB2-BD59-A6C34878D82A}">
+                    <a16:rowId xmlns:a16="http://schemas.microsoft.com/office/drawing/2014/main" val="3851787928"/>
+                  </a:ext>
+                </a:extLst>
+              </a:tr>
+            </a:tbl>
+          </a:graphicData>
+        </a:graphic>
+      </p:graphicFrame>
     </p:spTree>
     <p:extLst>
       <p:ext uri="{BB962C8B-B14F-4D97-AF65-F5344CB8AC3E}">
@@ -9022,13 +10512,6 @@
   <p:clrMapOvr>
     <a:masterClrMapping/>
   </p:clrMapOvr>
-  <p:timing>
-    <p:tnLst>
-      <p:par>
-        <p:cTn id="1" dur="indefinite" restart="never" nodeType="tmRoot"/>
-      </p:par>
-    </p:tnLst>
-  </p:timing>
 </p:sld>
 </file>
 

--- a/Apresentação/EcosAR.pptx
+++ b/Apresentação/EcosAR.pptx
@@ -369,7 +369,7 @@
           <a:p>
             <a:fld id="{FB8EF20B-5F7D-364B-8658-1A6A1914C3F8}" type="slidenum">
               <a:rPr lang="en-US" smtClean="0"/>
-              <a:t>‹nº›</a:t>
+              <a:t>‹#›</a:t>
             </a:fld>
             <a:endParaRPr lang="en-US"/>
           </a:p>
@@ -670,7 +670,7 @@
           <a:p>
             <a:fld id="{691B8179-957A-0D41-B147-BE7F3D78F1C4}" type="slidenum">
               <a:rPr lang="en-US" smtClean="0"/>
-              <a:t>‹nº›</a:t>
+              <a:t>‹#›</a:t>
             </a:fld>
             <a:endParaRPr lang="en-US"/>
           </a:p>
@@ -1037,7 +1037,7 @@
             <a:fld id="{83751E00-8267-4604-A477-06D690F3831A}" type="slidenum">
               <a:rPr lang="pt-BR" smtClean="0"/>
               <a:pPr/>
-              <a:t>‹nº›</a:t>
+              <a:t>‹#›</a:t>
             </a:fld>
             <a:endParaRPr lang="pt-BR" dirty="0"/>
           </a:p>
@@ -1209,7 +1209,7 @@
             <a:fld id="{3DBB5B2E-7B09-42BA-B78A-718198AF4022}" type="slidenum">
               <a:rPr lang="pt-BR"/>
               <a:pPr/>
-              <a:t>‹nº›</a:t>
+              <a:t>‹#›</a:t>
             </a:fld>
             <a:endParaRPr lang="pt-BR"/>
           </a:p>
@@ -1391,7 +1391,7 @@
             <a:fld id="{A3A41635-D202-4D10-8FA9-DA258B96F66E}" type="slidenum">
               <a:rPr lang="pt-BR"/>
               <a:pPr/>
-              <a:t>‹nº›</a:t>
+              <a:t>‹#›</a:t>
             </a:fld>
             <a:endParaRPr lang="pt-BR"/>
           </a:p>
@@ -1585,7 +1585,7 @@
             <a:fld id="{6568E297-6CBE-4718-A55E-559A2615A1B7}" type="slidenum">
               <a:rPr lang="pt-BR"/>
               <a:pPr/>
-              <a:t>‹nº›</a:t>
+              <a:t>‹#›</a:t>
             </a:fld>
             <a:endParaRPr lang="pt-BR"/>
           </a:p>
@@ -1780,7 +1780,7 @@
             <a:fld id="{E556A142-61B5-4E3D-90E3-37CCCA5B8200}" type="slidenum">
               <a:rPr lang="pt-BR"/>
               <a:pPr/>
-              <a:t>‹nº›</a:t>
+              <a:t>‹#›</a:t>
             </a:fld>
             <a:endParaRPr lang="pt-BR"/>
           </a:p>
@@ -2069,7 +2069,7 @@
             <a:fld id="{8446EF70-771F-4125-BD92-2CF85D34D26F}" type="slidenum">
               <a:rPr lang="pt-BR"/>
               <a:pPr/>
-              <a:t>‹nº›</a:t>
+              <a:t>‹#›</a:t>
             </a:fld>
             <a:endParaRPr lang="pt-BR"/>
           </a:p>
@@ -2492,7 +2492,7 @@
             <a:fld id="{93E55F65-09CC-47BE-B43C-09A283D2E9B2}" type="slidenum">
               <a:rPr lang="pt-BR"/>
               <a:pPr/>
-              <a:t>‹nº›</a:t>
+              <a:t>‹#›</a:t>
             </a:fld>
             <a:endParaRPr lang="pt-BR"/>
           </a:p>
@@ -2613,7 +2613,7 @@
             <a:fld id="{6802316F-EB17-4252-8A8C-611AED72FBAB}" type="slidenum">
               <a:rPr lang="pt-BR"/>
               <a:pPr/>
-              <a:t>‹nº›</a:t>
+              <a:t>‹#›</a:t>
             </a:fld>
             <a:endParaRPr lang="pt-BR"/>
           </a:p>
@@ -2712,7 +2712,7 @@
             <a:fld id="{FFB138E0-A9D7-4867-995F-585EB895710D}" type="slidenum">
               <a:rPr lang="pt-BR"/>
               <a:pPr/>
-              <a:t>‹nº›</a:t>
+              <a:t>‹#›</a:t>
             </a:fld>
             <a:endParaRPr lang="pt-BR"/>
           </a:p>
@@ -2991,7 +2991,7 @@
             <a:fld id="{43CF3198-B843-4265-ABF0-65946D3BF37C}" type="slidenum">
               <a:rPr lang="pt-BR"/>
               <a:pPr/>
-              <a:t>‹nº›</a:t>
+              <a:t>‹#›</a:t>
             </a:fld>
             <a:endParaRPr lang="pt-BR"/>
           </a:p>
@@ -3247,7 +3247,7 @@
             <a:fld id="{1F0879FC-8726-479C-A2CE-57C987F54908}" type="slidenum">
               <a:rPr lang="pt-BR"/>
               <a:pPr/>
-              <a:t>‹nº›</a:t>
+              <a:t>‹#›</a:t>
             </a:fld>
             <a:endParaRPr lang="pt-BR"/>
           </a:p>
@@ -3563,7 +3563,7 @@
             <a:fld id="{38F5D6D9-064D-480F-AE44-1D22C9D85F98}" type="slidenum">
               <a:rPr lang="pt-BR"/>
               <a:pPr/>
-              <a:t>‹nº›</a:t>
+              <a:t>‹#›</a:t>
             </a:fld>
             <a:endParaRPr lang="pt-BR"/>
           </a:p>
@@ -4104,6 +4104,13 @@
   <p:clrMapOvr>
     <a:masterClrMapping/>
   </p:clrMapOvr>
+  <p:timing>
+    <p:tnLst>
+      <p:par>
+        <p:cTn id="1" dur="indefinite" restart="never" nodeType="tmRoot"/>
+      </p:par>
+    </p:tnLst>
+  </p:timing>
 </p:sld>
 </file>
 
@@ -4221,7 +4228,7 @@
         </p:nvGraphicFramePr>
         <p:xfrm>
           <a:off x="539552" y="2184942"/>
-          <a:ext cx="3538993" cy="3237897"/>
+          <a:ext cx="3538993" cy="3313841"/>
         </p:xfrm>
         <a:graphic>
           <a:graphicData uri="http://schemas.openxmlformats.org/drawingml/2006/table">
@@ -4752,6 +4759,13 @@
   <p:clrMapOvr>
     <a:masterClrMapping/>
   </p:clrMapOvr>
+  <p:timing>
+    <p:tnLst>
+      <p:par>
+        <p:cTn id="1" dur="indefinite" restart="never" nodeType="tmRoot"/>
+      </p:par>
+    </p:tnLst>
+  </p:timing>
 </p:sld>
 </file>
 
@@ -4930,7 +4944,7 @@
           <p:nvPr>
             <p:extLst>
               <p:ext uri="{D42A27DB-BD31-4B8C-83A1-F6EECF244321}">
-                <p14:modId xmlns:p14="http://schemas.microsoft.com/office/powerpoint/2010/main" val="2293383975"/>
+                <p14:modId xmlns:p14="http://schemas.microsoft.com/office/powerpoint/2010/main" val="2076387532"/>
               </p:ext>
             </p:extLst>
           </p:nvPr>
@@ -5332,8 +5346,23 @@
                           <a:ea typeface="Calibri" panose="020F0502020204030204" pitchFamily="34" charset="0"/>
                           <a:cs typeface="Arial" panose="020B0604020202020204" pitchFamily="34" charset="0"/>
                         </a:rPr>
-                        <a:t>Aplicativo intuitivo, seguro e para crianças..</a:t>
+                        <a:t>Aplicativo intuitivo, seguro e para crianças</a:t>
                       </a:r>
+                      <a:r>
+                        <a:rPr lang="pt-BR" sz="1600" dirty="0" smtClean="0">
+                          <a:effectLst/>
+                          <a:latin typeface="+mn-lt"/>
+                          <a:ea typeface="Calibri" panose="020F0502020204030204" pitchFamily="34" charset="0"/>
+                          <a:cs typeface="Arial" panose="020B0604020202020204" pitchFamily="34" charset="0"/>
+                        </a:rPr>
+                        <a:t>.</a:t>
+                      </a:r>
+                      <a:endParaRPr lang="pt-BR" sz="1600" dirty="0">
+                        <a:effectLst/>
+                        <a:latin typeface="+mn-lt"/>
+                        <a:ea typeface="Calibri" panose="020F0502020204030204" pitchFamily="34" charset="0"/>
+                        <a:cs typeface="Arial" panose="020B0604020202020204" pitchFamily="34" charset="0"/>
+                      </a:endParaRPr>
                     </a:p>
                   </a:txBody>
                   <a:tcPr marL="68580" marR="68580" marT="0" marB="0">
@@ -5395,6 +5424,13 @@
   <p:clrMapOvr>
     <a:masterClrMapping/>
   </p:clrMapOvr>
+  <p:timing>
+    <p:tnLst>
+      <p:par>
+        <p:cTn id="1" dur="indefinite" restart="never" nodeType="tmRoot"/>
+      </p:par>
+    </p:tnLst>
+  </p:timing>
 </p:sld>
 </file>
 
@@ -5506,6 +5542,13 @@
   <p:clrMapOvr>
     <a:masterClrMapping/>
   </p:clrMapOvr>
+  <p:timing>
+    <p:tnLst>
+      <p:par>
+        <p:cTn id="1" dur="indefinite" restart="never" nodeType="tmRoot"/>
+      </p:par>
+    </p:tnLst>
+  </p:timing>
 </p:sld>
 </file>
 
@@ -5617,6 +5660,13 @@
   <p:clrMapOvr>
     <a:masterClrMapping/>
   </p:clrMapOvr>
+  <p:timing>
+    <p:tnLst>
+      <p:par>
+        <p:cTn id="1" dur="indefinite" restart="never" nodeType="tmRoot"/>
+      </p:par>
+    </p:tnLst>
+  </p:timing>
 </p:sld>
 </file>
 
@@ -5674,6 +5724,13 @@
   <p:clrMapOvr>
     <a:masterClrMapping/>
   </p:clrMapOvr>
+  <p:timing>
+    <p:tnLst>
+      <p:par>
+        <p:cTn id="1" dur="indefinite" restart="never" nodeType="tmRoot"/>
+      </p:par>
+    </p:tnLst>
+  </p:timing>
 </p:sld>
 </file>
 
@@ -5734,6 +5791,13 @@
   <p:clrMapOvr>
     <a:masterClrMapping/>
   </p:clrMapOvr>
+  <p:timing>
+    <p:tnLst>
+      <p:par>
+        <p:cTn id="1" dur="indefinite" restart="never" nodeType="tmRoot"/>
+      </p:par>
+    </p:tnLst>
+  </p:timing>
 </p:sld>
 </file>
 
@@ -5816,6 +5880,13 @@
   <p:clrMapOvr>
     <a:masterClrMapping/>
   </p:clrMapOvr>
+  <p:timing>
+    <p:tnLst>
+      <p:par>
+        <p:cTn id="1" dur="indefinite" restart="never" nodeType="tmRoot"/>
+      </p:par>
+    </p:tnLst>
+  </p:timing>
 </p:sld>
 </file>
 
@@ -5898,6 +5969,13 @@
   <p:clrMapOvr>
     <a:masterClrMapping/>
   </p:clrMapOvr>
+  <p:timing>
+    <p:tnLst>
+      <p:par>
+        <p:cTn id="1" dur="indefinite" restart="never" nodeType="tmRoot"/>
+      </p:par>
+    </p:tnLst>
+  </p:timing>
 </p:sld>
 </file>
 
@@ -5980,6 +6058,13 @@
   <p:clrMapOvr>
     <a:masterClrMapping/>
   </p:clrMapOvr>
+  <p:timing>
+    <p:tnLst>
+      <p:par>
+        <p:cTn id="1" dur="indefinite" restart="never" nodeType="tmRoot"/>
+      </p:par>
+    </p:tnLst>
+  </p:timing>
 </p:sld>
 </file>
 
@@ -6062,6 +6147,13 @@
   <p:clrMapOvr>
     <a:masterClrMapping/>
   </p:clrMapOvr>
+  <p:timing>
+    <p:tnLst>
+      <p:par>
+        <p:cTn id="1" dur="indefinite" restart="never" nodeType="tmRoot"/>
+      </p:par>
+    </p:tnLst>
+  </p:timing>
 </p:sld>
 </file>
 
@@ -6206,6 +6298,13 @@
   <p:clrMapOvr>
     <a:masterClrMapping/>
   </p:clrMapOvr>
+  <p:timing>
+    <p:tnLst>
+      <p:par>
+        <p:cTn id="1" dur="indefinite" restart="never" nodeType="tmRoot"/>
+      </p:par>
+    </p:tnLst>
+  </p:timing>
 </p:sld>
 </file>
 
@@ -6312,6 +6411,13 @@
   <p:clrMapOvr>
     <a:masterClrMapping/>
   </p:clrMapOvr>
+  <p:timing>
+    <p:tnLst>
+      <p:par>
+        <p:cTn id="1" dur="indefinite" restart="never" nodeType="tmRoot"/>
+      </p:par>
+    </p:tnLst>
+  </p:timing>
 </p:sld>
 </file>
 
@@ -6425,6 +6531,13 @@
   <p:clrMapOvr>
     <a:masterClrMapping/>
   </p:clrMapOvr>
+  <p:timing>
+    <p:tnLst>
+      <p:par>
+        <p:cTn id="1" dur="indefinite" restart="never" nodeType="tmRoot"/>
+      </p:par>
+    </p:tnLst>
+  </p:timing>
 </p:sld>
 </file>
 
@@ -6552,6 +6665,13 @@
   <p:clrMapOvr>
     <a:masterClrMapping/>
   </p:clrMapOvr>
+  <p:timing>
+    <p:tnLst>
+      <p:par>
+        <p:cTn id="1" dur="indefinite" restart="never" nodeType="tmRoot"/>
+      </p:par>
+    </p:tnLst>
+  </p:timing>
 </p:sld>
 </file>
 
@@ -7833,6 +7953,13 @@
   <p:clrMapOvr>
     <a:masterClrMapping/>
   </p:clrMapOvr>
+  <p:timing>
+    <p:tnLst>
+      <p:par>
+        <p:cTn id="1" dur="indefinite" restart="never" nodeType="tmRoot"/>
+      </p:par>
+    </p:tnLst>
+  </p:timing>
 </p:sld>
 </file>
 
@@ -8620,6 +8747,13 @@
   <p:clrMapOvr>
     <a:masterClrMapping/>
   </p:clrMapOvr>
+  <p:timing>
+    <p:tnLst>
+      <p:par>
+        <p:cTn id="1" dur="indefinite" restart="never" nodeType="tmRoot"/>
+      </p:par>
+    </p:tnLst>
+  </p:timing>
 </p:sld>
 </file>
 
@@ -8719,6 +8853,13 @@
   <p:clrMapOvr>
     <a:masterClrMapping/>
   </p:clrMapOvr>
+  <p:timing>
+    <p:tnLst>
+      <p:par>
+        <p:cTn id="1" dur="indefinite" restart="never" nodeType="tmRoot"/>
+      </p:par>
+    </p:tnLst>
+  </p:timing>
 </p:sld>
 </file>
 
@@ -8830,6 +8971,13 @@
   <p:clrMapOvr>
     <a:masterClrMapping/>
   </p:clrMapOvr>
+  <p:timing>
+    <p:tnLst>
+      <p:par>
+        <p:cTn id="1" dur="indefinite" restart="never" nodeType="tmRoot"/>
+      </p:par>
+    </p:tnLst>
+  </p:timing>
 </p:sld>
 </file>
 
@@ -8887,6 +9035,13 @@
   <p:clrMapOvr>
     <a:masterClrMapping/>
   </p:clrMapOvr>
+  <p:timing>
+    <p:tnLst>
+      <p:par>
+        <p:cTn id="1" dur="indefinite" restart="never" nodeType="tmRoot"/>
+      </p:par>
+    </p:tnLst>
+  </p:timing>
 </p:sld>
 </file>
 
@@ -8994,6 +9149,13 @@
   <p:clrMapOvr>
     <a:masterClrMapping/>
   </p:clrMapOvr>
+  <p:timing>
+    <p:tnLst>
+      <p:par>
+        <p:cTn id="1" dur="indefinite" restart="never" nodeType="tmRoot"/>
+      </p:par>
+    </p:tnLst>
+  </p:timing>
 </p:sld>
 </file>
 
@@ -9141,6 +9303,13 @@
   <p:clrMapOvr>
     <a:masterClrMapping/>
   </p:clrMapOvr>
+  <p:timing>
+    <p:tnLst>
+      <p:par>
+        <p:cTn id="1" dur="indefinite" restart="never" nodeType="tmRoot"/>
+      </p:par>
+    </p:tnLst>
+  </p:timing>
 </p:sld>
 </file>
 
@@ -9264,6 +9433,13 @@
   <p:clrMapOvr>
     <a:masterClrMapping/>
   </p:clrMapOvr>
+  <p:timing>
+    <p:tnLst>
+      <p:par>
+        <p:cTn id="1" dur="indefinite" restart="never" nodeType="tmRoot"/>
+      </p:par>
+    </p:tnLst>
+  </p:timing>
 </p:sld>
 </file>
 
@@ -9349,6 +9525,13 @@
   <p:clrMapOvr>
     <a:masterClrMapping/>
   </p:clrMapOvr>
+  <p:timing>
+    <p:tnLst>
+      <p:par>
+        <p:cTn id="1" dur="indefinite" restart="never" nodeType="tmRoot"/>
+      </p:par>
+    </p:tnLst>
+  </p:timing>
 </p:sld>
 </file>
 
@@ -9520,6 +9703,13 @@
   <p:clrMapOvr>
     <a:masterClrMapping/>
   </p:clrMapOvr>
+  <p:timing>
+    <p:tnLst>
+      <p:par>
+        <p:cTn id="1" dur="indefinite" restart="never" nodeType="tmRoot"/>
+      </p:par>
+    </p:tnLst>
+  </p:timing>
 </p:sld>
 </file>
 
@@ -9711,6 +9901,13 @@
   <p:clrMapOvr>
     <a:masterClrMapping/>
   </p:clrMapOvr>
+  <p:timing>
+    <p:tnLst>
+      <p:par>
+        <p:cTn id="1" dur="indefinite" restart="never" nodeType="tmRoot"/>
+      </p:par>
+    </p:tnLst>
+  </p:timing>
 </p:sld>
 </file>
 
@@ -9901,6 +10098,13 @@
   <p:clrMapOvr>
     <a:masterClrMapping/>
   </p:clrMapOvr>
+  <p:timing>
+    <p:tnLst>
+      <p:par>
+        <p:cTn id="1" dur="indefinite" restart="never" nodeType="tmRoot"/>
+      </p:par>
+    </p:tnLst>
+  </p:timing>
 </p:sld>
 </file>
 
@@ -9964,7 +10168,7 @@
         </p:blipFill>
         <p:spPr>
           <a:xfrm>
-            <a:off x="3282945" y="2069145"/>
+            <a:off x="3378678" y="2147441"/>
             <a:ext cx="1944215" cy="2771894"/>
           </a:xfrm>
           <a:prstGeom prst="rect">
@@ -10018,7 +10222,7 @@
         </p:nvGraphicFramePr>
         <p:xfrm>
           <a:off x="516186" y="2154373"/>
-          <a:ext cx="2764081" cy="3017141"/>
+          <a:ext cx="2764081" cy="3131059"/>
         </p:xfrm>
         <a:graphic>
           <a:graphicData uri="http://schemas.openxmlformats.org/drawingml/2006/table">
@@ -10512,6 +10716,13 @@
   <p:clrMapOvr>
     <a:masterClrMapping/>
   </p:clrMapOvr>
+  <p:timing>
+    <p:tnLst>
+      <p:par>
+        <p:cTn id="1" dur="indefinite" restart="never" nodeType="tmRoot"/>
+      </p:par>
+    </p:tnLst>
+  </p:timing>
 </p:sld>
 </file>
 

--- a/Apresentação/EcosAR.pptx
+++ b/Apresentação/EcosAR.pptx
@@ -293,7 +293,7 @@
           <a:p>
             <a:fld id="{1AE0DBA0-2A5E-934F-AFB6-CE0A428C4F0C}" type="datetimeFigureOut">
               <a:rPr lang="en-US" smtClean="0"/>
-              <a:t>7/6/2019</a:t>
+              <a:t>7/7/2019</a:t>
             </a:fld>
             <a:endParaRPr lang="en-US"/>
           </a:p>
@@ -371,7 +371,7 @@
           <a:p>
             <a:fld id="{FB8EF20B-5F7D-364B-8658-1A6A1914C3F8}" type="slidenum">
               <a:rPr lang="en-US" smtClean="0"/>
-              <a:t>‹nº›</a:t>
+              <a:t>‹#›</a:t>
             </a:fld>
             <a:endParaRPr lang="en-US"/>
           </a:p>
@@ -514,7 +514,7 @@
           <a:p>
             <a:fld id="{3F2BE2F7-640C-064B-9A80-C6E726BCF742}" type="datetimeFigureOut">
               <a:rPr lang="en-US" smtClean="0"/>
-              <a:t>7/6/2019</a:t>
+              <a:t>7/7/2019</a:t>
             </a:fld>
             <a:endParaRPr lang="en-US"/>
           </a:p>
@@ -672,7 +672,7 @@
           <a:p>
             <a:fld id="{691B8179-957A-0D41-B147-BE7F3D78F1C4}" type="slidenum">
               <a:rPr lang="en-US" smtClean="0"/>
-              <a:t>‹nº›</a:t>
+              <a:t>‹#›</a:t>
             </a:fld>
             <a:endParaRPr lang="en-US"/>
           </a:p>
@@ -1039,7 +1039,7 @@
             <a:fld id="{83751E00-8267-4604-A477-06D690F3831A}" type="slidenum">
               <a:rPr lang="pt-BR" smtClean="0"/>
               <a:pPr/>
-              <a:t>‹nº›</a:t>
+              <a:t>‹#›</a:t>
             </a:fld>
             <a:endParaRPr lang="pt-BR" dirty="0"/>
           </a:p>
@@ -1211,7 +1211,7 @@
             <a:fld id="{3DBB5B2E-7B09-42BA-B78A-718198AF4022}" type="slidenum">
               <a:rPr lang="pt-BR"/>
               <a:pPr/>
-              <a:t>‹nº›</a:t>
+              <a:t>‹#›</a:t>
             </a:fld>
             <a:endParaRPr lang="pt-BR"/>
           </a:p>
@@ -1393,7 +1393,7 @@
             <a:fld id="{A3A41635-D202-4D10-8FA9-DA258B96F66E}" type="slidenum">
               <a:rPr lang="pt-BR"/>
               <a:pPr/>
-              <a:t>‹nº›</a:t>
+              <a:t>‹#›</a:t>
             </a:fld>
             <a:endParaRPr lang="pt-BR"/>
           </a:p>
@@ -1587,7 +1587,7 @@
             <a:fld id="{6568E297-6CBE-4718-A55E-559A2615A1B7}" type="slidenum">
               <a:rPr lang="pt-BR"/>
               <a:pPr/>
-              <a:t>‹nº›</a:t>
+              <a:t>‹#›</a:t>
             </a:fld>
             <a:endParaRPr lang="pt-BR"/>
           </a:p>
@@ -1782,7 +1782,7 @@
             <a:fld id="{E556A142-61B5-4E3D-90E3-37CCCA5B8200}" type="slidenum">
               <a:rPr lang="pt-BR"/>
               <a:pPr/>
-              <a:t>‹nº›</a:t>
+              <a:t>‹#›</a:t>
             </a:fld>
             <a:endParaRPr lang="pt-BR"/>
           </a:p>
@@ -2071,7 +2071,7 @@
             <a:fld id="{8446EF70-771F-4125-BD92-2CF85D34D26F}" type="slidenum">
               <a:rPr lang="pt-BR"/>
               <a:pPr/>
-              <a:t>‹nº›</a:t>
+              <a:t>‹#›</a:t>
             </a:fld>
             <a:endParaRPr lang="pt-BR"/>
           </a:p>
@@ -2494,7 +2494,7 @@
             <a:fld id="{93E55F65-09CC-47BE-B43C-09A283D2E9B2}" type="slidenum">
               <a:rPr lang="pt-BR"/>
               <a:pPr/>
-              <a:t>‹nº›</a:t>
+              <a:t>‹#›</a:t>
             </a:fld>
             <a:endParaRPr lang="pt-BR"/>
           </a:p>
@@ -2615,7 +2615,7 @@
             <a:fld id="{6802316F-EB17-4252-8A8C-611AED72FBAB}" type="slidenum">
               <a:rPr lang="pt-BR"/>
               <a:pPr/>
-              <a:t>‹nº›</a:t>
+              <a:t>‹#›</a:t>
             </a:fld>
             <a:endParaRPr lang="pt-BR"/>
           </a:p>
@@ -2714,7 +2714,7 @@
             <a:fld id="{FFB138E0-A9D7-4867-995F-585EB895710D}" type="slidenum">
               <a:rPr lang="pt-BR"/>
               <a:pPr/>
-              <a:t>‹nº›</a:t>
+              <a:t>‹#›</a:t>
             </a:fld>
             <a:endParaRPr lang="pt-BR"/>
           </a:p>
@@ -2993,7 +2993,7 @@
             <a:fld id="{43CF3198-B843-4265-ABF0-65946D3BF37C}" type="slidenum">
               <a:rPr lang="pt-BR"/>
               <a:pPr/>
-              <a:t>‹nº›</a:t>
+              <a:t>‹#›</a:t>
             </a:fld>
             <a:endParaRPr lang="pt-BR"/>
           </a:p>
@@ -3249,7 +3249,7 @@
             <a:fld id="{1F0879FC-8726-479C-A2CE-57C987F54908}" type="slidenum">
               <a:rPr lang="pt-BR"/>
               <a:pPr/>
-              <a:t>‹nº›</a:t>
+              <a:t>‹#›</a:t>
             </a:fld>
             <a:endParaRPr lang="pt-BR"/>
           </a:p>
@@ -3565,7 +3565,7 @@
             <a:fld id="{38F5D6D9-064D-480F-AE44-1D22C9D85F98}" type="slidenum">
               <a:rPr lang="pt-BR"/>
               <a:pPr/>
-              <a:t>‹nº›</a:t>
+              <a:t>‹#›</a:t>
             </a:fld>
             <a:endParaRPr lang="pt-BR"/>
           </a:p>
@@ -4106,6 +4106,13 @@
   <p:clrMapOvr>
     <a:masterClrMapping/>
   </p:clrMapOvr>
+  <p:timing>
+    <p:tnLst>
+      <p:par>
+        <p:cTn id="1" dur="indefinite" restart="never" nodeType="tmRoot"/>
+      </p:par>
+    </p:tnLst>
+  </p:timing>
 </p:sld>
 </file>
 
@@ -4223,7 +4230,7 @@
         </p:nvGraphicFramePr>
         <p:xfrm>
           <a:off x="516186" y="2154373"/>
-          <a:ext cx="2764081" cy="3017141"/>
+          <a:ext cx="2764081" cy="3131059"/>
         </p:xfrm>
         <a:graphic>
           <a:graphicData uri="http://schemas.openxmlformats.org/drawingml/2006/table">
@@ -4757,6 +4764,13 @@
   <p:clrMapOvr>
     <a:masterClrMapping/>
   </p:clrMapOvr>
+  <p:timing>
+    <p:tnLst>
+      <p:par>
+        <p:cTn id="1" dur="indefinite" restart="never" nodeType="tmRoot"/>
+      </p:par>
+    </p:tnLst>
+  </p:timing>
 </p:sld>
 </file>
 
@@ -5451,6 +5465,13 @@
   <p:clrMapOvr>
     <a:masterClrMapping/>
   </p:clrMapOvr>
+  <p:timing>
+    <p:tnLst>
+      <p:par>
+        <p:cTn id="1" dur="indefinite" restart="never" nodeType="tmRoot"/>
+      </p:par>
+    </p:tnLst>
+  </p:timing>
 </p:sld>
 </file>
 
@@ -5629,7 +5650,7 @@
           <p:nvPr>
             <p:extLst>
               <p:ext uri="{D42A27DB-BD31-4B8C-83A1-F6EECF244321}">
-                <p14:modId xmlns:p14="http://schemas.microsoft.com/office/powerpoint/2010/main" val="1142676996"/>
+                <p14:modId xmlns:p14="http://schemas.microsoft.com/office/powerpoint/2010/main" val="2209617014"/>
               </p:ext>
             </p:extLst>
           </p:nvPr>
@@ -6031,8 +6052,23 @@
                           <a:ea typeface="Calibri" panose="020F0502020204030204" pitchFamily="34" charset="0"/>
                           <a:cs typeface="Arial" panose="020B0604020202020204" pitchFamily="34" charset="0"/>
                         </a:rPr>
-                        <a:t>Aplicativo intuitivo, seguro e para crianças..</a:t>
+                        <a:t>Aplicativo intuitivo, seguro e para crianças</a:t>
                       </a:r>
+                      <a:r>
+                        <a:rPr lang="pt-BR" sz="1600" dirty="0" smtClean="0">
+                          <a:effectLst/>
+                          <a:latin typeface="+mn-lt"/>
+                          <a:ea typeface="Calibri" panose="020F0502020204030204" pitchFamily="34" charset="0"/>
+                          <a:cs typeface="Arial" panose="020B0604020202020204" pitchFamily="34" charset="0"/>
+                        </a:rPr>
+                        <a:t>.</a:t>
+                      </a:r>
+                      <a:endParaRPr lang="pt-BR" sz="1600" dirty="0">
+                        <a:effectLst/>
+                        <a:latin typeface="+mn-lt"/>
+                        <a:ea typeface="Calibri" panose="020F0502020204030204" pitchFamily="34" charset="0"/>
+                        <a:cs typeface="Arial" panose="020B0604020202020204" pitchFamily="34" charset="0"/>
+                      </a:endParaRPr>
                     </a:p>
                   </a:txBody>
                   <a:tcPr marL="68580" marR="68580" marT="0" marB="0">
@@ -6134,6 +6170,13 @@
   <p:clrMapOvr>
     <a:masterClrMapping/>
   </p:clrMapOvr>
+  <p:timing>
+    <p:tnLst>
+      <p:par>
+        <p:cTn id="1" dur="indefinite" restart="never" nodeType="tmRoot"/>
+      </p:par>
+    </p:tnLst>
+  </p:timing>
 </p:sld>
 </file>
 
@@ -6191,6 +6234,13 @@
   <p:clrMapOvr>
     <a:masterClrMapping/>
   </p:clrMapOvr>
+  <p:timing>
+    <p:tnLst>
+      <p:par>
+        <p:cTn id="1" dur="indefinite" restart="never" nodeType="tmRoot"/>
+      </p:par>
+    </p:tnLst>
+  </p:timing>
 </p:sld>
 </file>
 
@@ -6318,6 +6368,13 @@
   <p:clrMapOvr>
     <a:masterClrMapping/>
   </p:clrMapOvr>
+  <p:timing>
+    <p:tnLst>
+      <p:par>
+        <p:cTn id="1" dur="indefinite" restart="never" nodeType="tmRoot"/>
+      </p:par>
+    </p:tnLst>
+  </p:timing>
 </p:sld>
 </file>
 
@@ -6429,6 +6486,13 @@
   <p:clrMapOvr>
     <a:masterClrMapping/>
   </p:clrMapOvr>
+  <p:timing>
+    <p:tnLst>
+      <p:par>
+        <p:cTn id="1" dur="indefinite" restart="never" nodeType="tmRoot"/>
+      </p:par>
+    </p:tnLst>
+  </p:timing>
 </p:sld>
 </file>
 
@@ -6486,6 +6550,13 @@
   <p:clrMapOvr>
     <a:masterClrMapping/>
   </p:clrMapOvr>
+  <p:timing>
+    <p:tnLst>
+      <p:par>
+        <p:cTn id="1" dur="indefinite" restart="never" nodeType="tmRoot"/>
+      </p:par>
+    </p:tnLst>
+  </p:timing>
 </p:sld>
 </file>
 
@@ -6546,6 +6617,13 @@
   <p:clrMapOvr>
     <a:masterClrMapping/>
   </p:clrMapOvr>
+  <p:timing>
+    <p:tnLst>
+      <p:par>
+        <p:cTn id="1" dur="indefinite" restart="never" nodeType="tmRoot"/>
+      </p:par>
+    </p:tnLst>
+  </p:timing>
 </p:sld>
 </file>
 
@@ -6628,6 +6706,13 @@
   <p:clrMapOvr>
     <a:masterClrMapping/>
   </p:clrMapOvr>
+  <p:timing>
+    <p:tnLst>
+      <p:par>
+        <p:cTn id="1" dur="indefinite" restart="never" nodeType="tmRoot"/>
+      </p:par>
+    </p:tnLst>
+  </p:timing>
 </p:sld>
 </file>
 
@@ -6710,6 +6795,13 @@
   <p:clrMapOvr>
     <a:masterClrMapping/>
   </p:clrMapOvr>
+  <p:timing>
+    <p:tnLst>
+      <p:par>
+        <p:cTn id="1" dur="indefinite" restart="never" nodeType="tmRoot"/>
+      </p:par>
+    </p:tnLst>
+  </p:timing>
 </p:sld>
 </file>
 
@@ -6854,6 +6946,13 @@
   <p:clrMapOvr>
     <a:masterClrMapping/>
   </p:clrMapOvr>
+  <p:timing>
+    <p:tnLst>
+      <p:par>
+        <p:cTn id="1" dur="indefinite" restart="never" nodeType="tmRoot"/>
+      </p:par>
+    </p:tnLst>
+  </p:timing>
 </p:sld>
 </file>
 
@@ -6936,6 +7035,13 @@
   <p:clrMapOvr>
     <a:masterClrMapping/>
   </p:clrMapOvr>
+  <p:timing>
+    <p:tnLst>
+      <p:par>
+        <p:cTn id="1" dur="indefinite" restart="never" nodeType="tmRoot"/>
+      </p:par>
+    </p:tnLst>
+  </p:timing>
 </p:sld>
 </file>
 
@@ -7018,6 +7124,13 @@
   <p:clrMapOvr>
     <a:masterClrMapping/>
   </p:clrMapOvr>
+  <p:timing>
+    <p:tnLst>
+      <p:par>
+        <p:cTn id="1" dur="indefinite" restart="never" nodeType="tmRoot"/>
+      </p:par>
+    </p:tnLst>
+  </p:timing>
 </p:sld>
 </file>
 
@@ -7124,6 +7237,13 @@
   <p:clrMapOvr>
     <a:masterClrMapping/>
   </p:clrMapOvr>
+  <p:timing>
+    <p:tnLst>
+      <p:par>
+        <p:cTn id="1" dur="indefinite" restart="never" nodeType="tmRoot"/>
+      </p:par>
+    </p:tnLst>
+  </p:timing>
 </p:sld>
 </file>
 
@@ -7237,6 +7357,13 @@
   <p:clrMapOvr>
     <a:masterClrMapping/>
   </p:clrMapOvr>
+  <p:timing>
+    <p:tnLst>
+      <p:par>
+        <p:cTn id="1" dur="indefinite" restart="never" nodeType="tmRoot"/>
+      </p:par>
+    </p:tnLst>
+  </p:timing>
 </p:sld>
 </file>
 
@@ -7364,6 +7491,13 @@
   <p:clrMapOvr>
     <a:masterClrMapping/>
   </p:clrMapOvr>
+  <p:timing>
+    <p:tnLst>
+      <p:par>
+        <p:cTn id="1" dur="indefinite" restart="never" nodeType="tmRoot"/>
+      </p:par>
+    </p:tnLst>
+  </p:timing>
 </p:sld>
 </file>
 
@@ -8645,6 +8779,13 @@
   <p:clrMapOvr>
     <a:masterClrMapping/>
   </p:clrMapOvr>
+  <p:timing>
+    <p:tnLst>
+      <p:par>
+        <p:cTn id="1" dur="indefinite" restart="never" nodeType="tmRoot"/>
+      </p:par>
+    </p:tnLst>
+  </p:timing>
 </p:sld>
 </file>
 
@@ -9432,6 +9573,13 @@
   <p:clrMapOvr>
     <a:masterClrMapping/>
   </p:clrMapOvr>
+  <p:timing>
+    <p:tnLst>
+      <p:par>
+        <p:cTn id="1" dur="indefinite" restart="never" nodeType="tmRoot"/>
+      </p:par>
+    </p:tnLst>
+  </p:timing>
 </p:sld>
 </file>
 
@@ -9531,6 +9679,13 @@
   <p:clrMapOvr>
     <a:masterClrMapping/>
   </p:clrMapOvr>
+  <p:timing>
+    <p:tnLst>
+      <p:par>
+        <p:cTn id="1" dur="indefinite" restart="never" nodeType="tmRoot"/>
+      </p:par>
+    </p:tnLst>
+  </p:timing>
 </p:sld>
 </file>
 
@@ -9642,6 +9797,13 @@
   <p:clrMapOvr>
     <a:masterClrMapping/>
   </p:clrMapOvr>
+  <p:timing>
+    <p:tnLst>
+      <p:par>
+        <p:cTn id="1" dur="indefinite" restart="never" nodeType="tmRoot"/>
+      </p:par>
+    </p:tnLst>
+  </p:timing>
 </p:sld>
 </file>
 
@@ -9699,6 +9861,13 @@
   <p:clrMapOvr>
     <a:masterClrMapping/>
   </p:clrMapOvr>
+  <p:timing>
+    <p:tnLst>
+      <p:par>
+        <p:cTn id="1" dur="indefinite" restart="never" nodeType="tmRoot"/>
+      </p:par>
+    </p:tnLst>
+  </p:timing>
 </p:sld>
 </file>
 
@@ -9846,6 +10015,13 @@
   <p:clrMapOvr>
     <a:masterClrMapping/>
   </p:clrMapOvr>
+  <p:timing>
+    <p:tnLst>
+      <p:par>
+        <p:cTn id="1" dur="indefinite" restart="never" nodeType="tmRoot"/>
+      </p:par>
+    </p:tnLst>
+  </p:timing>
 </p:sld>
 </file>
 
@@ -9953,6 +10129,13 @@
   <p:clrMapOvr>
     <a:masterClrMapping/>
   </p:clrMapOvr>
+  <p:timing>
+    <p:tnLst>
+      <p:par>
+        <p:cTn id="1" dur="indefinite" restart="never" nodeType="tmRoot"/>
+      </p:par>
+    </p:tnLst>
+  </p:timing>
 </p:sld>
 </file>
 
@@ -10076,6 +10259,13 @@
   <p:clrMapOvr>
     <a:masterClrMapping/>
   </p:clrMapOvr>
+  <p:timing>
+    <p:tnLst>
+      <p:par>
+        <p:cTn id="1" dur="indefinite" restart="never" nodeType="tmRoot"/>
+      </p:par>
+    </p:tnLst>
+  </p:timing>
 </p:sld>
 </file>
 
@@ -10161,6 +10351,13 @@
   <p:clrMapOvr>
     <a:masterClrMapping/>
   </p:clrMapOvr>
+  <p:timing>
+    <p:tnLst>
+      <p:par>
+        <p:cTn id="1" dur="indefinite" restart="never" nodeType="tmRoot"/>
+      </p:par>
+    </p:tnLst>
+  </p:timing>
 </p:sld>
 </file>
 
@@ -10332,6 +10529,13 @@
   <p:clrMapOvr>
     <a:masterClrMapping/>
   </p:clrMapOvr>
+  <p:timing>
+    <p:tnLst>
+      <p:par>
+        <p:cTn id="1" dur="indefinite" restart="never" nodeType="tmRoot"/>
+      </p:par>
+    </p:tnLst>
+  </p:timing>
 </p:sld>
 </file>
 
@@ -10523,6 +10727,13 @@
   <p:clrMapOvr>
     <a:masterClrMapping/>
   </p:clrMapOvr>
+  <p:timing>
+    <p:tnLst>
+      <p:par>
+        <p:cTn id="1" dur="indefinite" restart="never" nodeType="tmRoot"/>
+      </p:par>
+    </p:tnLst>
+  </p:timing>
 </p:sld>
 </file>
 
@@ -10713,6 +10924,13 @@
   <p:clrMapOvr>
     <a:masterClrMapping/>
   </p:clrMapOvr>
+  <p:timing>
+    <p:tnLst>
+      <p:par>
+        <p:cTn id="1" dur="indefinite" restart="never" nodeType="tmRoot"/>
+      </p:par>
+    </p:tnLst>
+  </p:timing>
 </p:sld>
 </file>
 
@@ -10905,6 +11123,13 @@
   <p:clrMapOvr>
     <a:masterClrMapping/>
   </p:clrMapOvr>
+  <p:timing>
+    <p:tnLst>
+      <p:par>
+        <p:cTn id="1" dur="indefinite" restart="never" nodeType="tmRoot"/>
+      </p:par>
+    </p:tnLst>
+  </p:timing>
 </p:sld>
 </file>
 
